--- a/Pre/CI-Presentation-hongzijin.pptx
+++ b/Pre/CI-Presentation-hongzijin.pptx
@@ -7,7 +7,7 @@
     <p:sldMasterId id="2147483723" r:id="rId3"/>
   </p:sldMasterIdLst>
   <p:notesMasterIdLst>
-    <p:notesMasterId r:id="rId16"/>
+    <p:notesMasterId r:id="rId21"/>
   </p:notesMasterIdLst>
   <p:sldIdLst>
     <p:sldId id="7573" r:id="rId4"/>
@@ -15,18 +15,23 @@
     <p:sldId id="7592" r:id="rId6"/>
     <p:sldId id="7605" r:id="rId7"/>
     <p:sldId id="7606" r:id="rId8"/>
-    <p:sldId id="7591" r:id="rId9"/>
-    <p:sldId id="7590" r:id="rId10"/>
-    <p:sldId id="7574" r:id="rId11"/>
-    <p:sldId id="7603" r:id="rId12"/>
-    <p:sldId id="7604" r:id="rId13"/>
-    <p:sldId id="7607" r:id="rId14"/>
-    <p:sldId id="7602" r:id="rId15"/>
+    <p:sldId id="7609" r:id="rId9"/>
+    <p:sldId id="7591" r:id="rId10"/>
+    <p:sldId id="7608" r:id="rId11"/>
+    <p:sldId id="7610" r:id="rId12"/>
+    <p:sldId id="7603" r:id="rId13"/>
+    <p:sldId id="7604" r:id="rId14"/>
+    <p:sldId id="7607" r:id="rId15"/>
+    <p:sldId id="7611" r:id="rId16"/>
+    <p:sldId id="7614" r:id="rId17"/>
+    <p:sldId id="7612" r:id="rId18"/>
+    <p:sldId id="7613" r:id="rId19"/>
+    <p:sldId id="7602" r:id="rId20"/>
   </p:sldIdLst>
   <p:sldSz cx="12188825" cy="6858000"/>
   <p:notesSz cx="6858000" cy="9144000"/>
   <p:custDataLst>
-    <p:tags r:id="rId17"/>
+    <p:tags r:id="rId22"/>
   </p:custDataLst>
   <p:defaultTextStyle>
     <a:defPPr>
@@ -638,7 +643,7 @@
     </p:spTree>
     <p:extLst>
       <p:ext uri="{BB962C8B-B14F-4D97-AF65-F5344CB8AC3E}">
-        <p14:creationId xmlns:p14="http://schemas.microsoft.com/office/powerpoint/2010/main" val="2393452037"/>
+        <p14:creationId xmlns:p14="http://schemas.microsoft.com/office/powerpoint/2010/main" val="184458461"/>
       </p:ext>
     </p:extLst>
   </p:cSld>
@@ -722,7 +727,7 @@
     </p:spTree>
     <p:extLst>
       <p:ext uri="{BB962C8B-B14F-4D97-AF65-F5344CB8AC3E}">
-        <p14:creationId xmlns:p14="http://schemas.microsoft.com/office/powerpoint/2010/main" val="1657491913"/>
+        <p14:creationId xmlns:p14="http://schemas.microsoft.com/office/powerpoint/2010/main" val="2393452037"/>
       </p:ext>
     </p:extLst>
   </p:cSld>
@@ -798,6 +803,426 @@
             <a:fld id="{58998766-6A9C-4F2F-8D78-A8B7F422C2B3}" type="slidenum">
               <a:rPr lang="zh-CN" altLang="en-US" smtClean="0"/>
               <a:t>12</a:t>
+            </a:fld>
+            <a:endParaRPr lang="zh-CN" altLang="en-US"/>
+          </a:p>
+        </p:txBody>
+      </p:sp>
+    </p:spTree>
+    <p:extLst>
+      <p:ext uri="{BB962C8B-B14F-4D97-AF65-F5344CB8AC3E}">
+        <p14:creationId xmlns:p14="http://schemas.microsoft.com/office/powerpoint/2010/main" val="1657491913"/>
+      </p:ext>
+    </p:extLst>
+  </p:cSld>
+  <p:clrMapOvr>
+    <a:masterClrMapping/>
+  </p:clrMapOvr>
+</p:notes>
+</file>
+
+<file path=ppt/notesSlides/notesSlide13.xml><?xml version="1.0" encoding="utf-8"?>
+<p:notes xmlns:a="http://schemas.openxmlformats.org/drawingml/2006/main" xmlns:r="http://schemas.openxmlformats.org/officeDocument/2006/relationships" xmlns:p="http://schemas.openxmlformats.org/presentationml/2006/main">
+  <p:cSld>
+    <p:spTree>
+      <p:nvGrpSpPr>
+        <p:cNvPr id="1" name=""/>
+        <p:cNvGrpSpPr/>
+        <p:nvPr/>
+      </p:nvGrpSpPr>
+      <p:grpSpPr>
+        <a:xfrm>
+          <a:off x="0" y="0"/>
+          <a:ext cx="0" cy="0"/>
+          <a:chOff x="0" y="0"/>
+          <a:chExt cx="0" cy="0"/>
+        </a:xfrm>
+      </p:grpSpPr>
+      <p:sp>
+        <p:nvSpPr>
+          <p:cNvPr id="2" name="幻灯片图像占位符 1"/>
+          <p:cNvSpPr>
+            <a:spLocks noGrp="1" noRot="1" noChangeAspect="1"/>
+          </p:cNvSpPr>
+          <p:nvPr>
+            <p:ph type="sldImg"/>
+          </p:nvPr>
+        </p:nvSpPr>
+        <p:spPr/>
+      </p:sp>
+      <p:sp>
+        <p:nvSpPr>
+          <p:cNvPr id="3" name="备注占位符 2"/>
+          <p:cNvSpPr>
+            <a:spLocks noGrp="1"/>
+          </p:cNvSpPr>
+          <p:nvPr>
+            <p:ph type="body" idx="1"/>
+          </p:nvPr>
+        </p:nvSpPr>
+        <p:spPr/>
+        <p:txBody>
+          <a:bodyPr/>
+          <a:lstStyle/>
+          <a:p>
+            <a:endParaRPr lang="zh-CN" altLang="en-US"/>
+          </a:p>
+        </p:txBody>
+      </p:sp>
+      <p:sp>
+        <p:nvSpPr>
+          <p:cNvPr id="4" name="灯片编号占位符 3"/>
+          <p:cNvSpPr>
+            <a:spLocks noGrp="1"/>
+          </p:cNvSpPr>
+          <p:nvPr>
+            <p:ph type="sldNum" sz="quarter" idx="5"/>
+          </p:nvPr>
+        </p:nvSpPr>
+        <p:spPr/>
+        <p:txBody>
+          <a:bodyPr/>
+          <a:lstStyle/>
+          <a:p>
+            <a:fld id="{58998766-6A9C-4F2F-8D78-A8B7F422C2B3}" type="slidenum">
+              <a:rPr lang="zh-CN" altLang="en-US" smtClean="0"/>
+              <a:t>13</a:t>
+            </a:fld>
+            <a:endParaRPr lang="zh-CN" altLang="en-US"/>
+          </a:p>
+        </p:txBody>
+      </p:sp>
+    </p:spTree>
+    <p:extLst>
+      <p:ext uri="{BB962C8B-B14F-4D97-AF65-F5344CB8AC3E}">
+        <p14:creationId xmlns:p14="http://schemas.microsoft.com/office/powerpoint/2010/main" val="716946623"/>
+      </p:ext>
+    </p:extLst>
+  </p:cSld>
+  <p:clrMapOvr>
+    <a:masterClrMapping/>
+  </p:clrMapOvr>
+</p:notes>
+</file>
+
+<file path=ppt/notesSlides/notesSlide14.xml><?xml version="1.0" encoding="utf-8"?>
+<p:notes xmlns:a="http://schemas.openxmlformats.org/drawingml/2006/main" xmlns:r="http://schemas.openxmlformats.org/officeDocument/2006/relationships" xmlns:p="http://schemas.openxmlformats.org/presentationml/2006/main">
+  <p:cSld>
+    <p:spTree>
+      <p:nvGrpSpPr>
+        <p:cNvPr id="1" name=""/>
+        <p:cNvGrpSpPr/>
+        <p:nvPr/>
+      </p:nvGrpSpPr>
+      <p:grpSpPr>
+        <a:xfrm>
+          <a:off x="0" y="0"/>
+          <a:ext cx="0" cy="0"/>
+          <a:chOff x="0" y="0"/>
+          <a:chExt cx="0" cy="0"/>
+        </a:xfrm>
+      </p:grpSpPr>
+      <p:sp>
+        <p:nvSpPr>
+          <p:cNvPr id="2" name="幻灯片图像占位符 1"/>
+          <p:cNvSpPr>
+            <a:spLocks noGrp="1" noRot="1" noChangeAspect="1"/>
+          </p:cNvSpPr>
+          <p:nvPr>
+            <p:ph type="sldImg"/>
+          </p:nvPr>
+        </p:nvSpPr>
+        <p:spPr/>
+      </p:sp>
+      <p:sp>
+        <p:nvSpPr>
+          <p:cNvPr id="3" name="备注占位符 2"/>
+          <p:cNvSpPr>
+            <a:spLocks noGrp="1"/>
+          </p:cNvSpPr>
+          <p:nvPr>
+            <p:ph type="body" idx="1"/>
+          </p:nvPr>
+        </p:nvSpPr>
+        <p:spPr/>
+        <p:txBody>
+          <a:bodyPr/>
+          <a:lstStyle/>
+          <a:p>
+            <a:endParaRPr lang="zh-CN" altLang="en-US"/>
+          </a:p>
+        </p:txBody>
+      </p:sp>
+      <p:sp>
+        <p:nvSpPr>
+          <p:cNvPr id="4" name="灯片编号占位符 3"/>
+          <p:cNvSpPr>
+            <a:spLocks noGrp="1"/>
+          </p:cNvSpPr>
+          <p:nvPr>
+            <p:ph type="sldNum" sz="quarter" idx="5"/>
+          </p:nvPr>
+        </p:nvSpPr>
+        <p:spPr/>
+        <p:txBody>
+          <a:bodyPr/>
+          <a:lstStyle/>
+          <a:p>
+            <a:fld id="{58998766-6A9C-4F2F-8D78-A8B7F422C2B3}" type="slidenum">
+              <a:rPr lang="zh-CN" altLang="en-US" smtClean="0"/>
+              <a:t>14</a:t>
+            </a:fld>
+            <a:endParaRPr lang="zh-CN" altLang="en-US"/>
+          </a:p>
+        </p:txBody>
+      </p:sp>
+    </p:spTree>
+    <p:extLst>
+      <p:ext uri="{BB962C8B-B14F-4D97-AF65-F5344CB8AC3E}">
+        <p14:creationId xmlns:p14="http://schemas.microsoft.com/office/powerpoint/2010/main" val="894955946"/>
+      </p:ext>
+    </p:extLst>
+  </p:cSld>
+  <p:clrMapOvr>
+    <a:masterClrMapping/>
+  </p:clrMapOvr>
+</p:notes>
+</file>
+
+<file path=ppt/notesSlides/notesSlide15.xml><?xml version="1.0" encoding="utf-8"?>
+<p:notes xmlns:a="http://schemas.openxmlformats.org/drawingml/2006/main" xmlns:r="http://schemas.openxmlformats.org/officeDocument/2006/relationships" xmlns:p="http://schemas.openxmlformats.org/presentationml/2006/main">
+  <p:cSld>
+    <p:spTree>
+      <p:nvGrpSpPr>
+        <p:cNvPr id="1" name=""/>
+        <p:cNvGrpSpPr/>
+        <p:nvPr/>
+      </p:nvGrpSpPr>
+      <p:grpSpPr>
+        <a:xfrm>
+          <a:off x="0" y="0"/>
+          <a:ext cx="0" cy="0"/>
+          <a:chOff x="0" y="0"/>
+          <a:chExt cx="0" cy="0"/>
+        </a:xfrm>
+      </p:grpSpPr>
+      <p:sp>
+        <p:nvSpPr>
+          <p:cNvPr id="2" name="幻灯片图像占位符 1"/>
+          <p:cNvSpPr>
+            <a:spLocks noGrp="1" noRot="1" noChangeAspect="1"/>
+          </p:cNvSpPr>
+          <p:nvPr>
+            <p:ph type="sldImg"/>
+          </p:nvPr>
+        </p:nvSpPr>
+        <p:spPr/>
+      </p:sp>
+      <p:sp>
+        <p:nvSpPr>
+          <p:cNvPr id="3" name="备注占位符 2"/>
+          <p:cNvSpPr>
+            <a:spLocks noGrp="1"/>
+          </p:cNvSpPr>
+          <p:nvPr>
+            <p:ph type="body" idx="1"/>
+          </p:nvPr>
+        </p:nvSpPr>
+        <p:spPr/>
+        <p:txBody>
+          <a:bodyPr/>
+          <a:lstStyle/>
+          <a:p>
+            <a:endParaRPr lang="zh-CN" altLang="en-US"/>
+          </a:p>
+        </p:txBody>
+      </p:sp>
+      <p:sp>
+        <p:nvSpPr>
+          <p:cNvPr id="4" name="灯片编号占位符 3"/>
+          <p:cNvSpPr>
+            <a:spLocks noGrp="1"/>
+          </p:cNvSpPr>
+          <p:nvPr>
+            <p:ph type="sldNum" sz="quarter" idx="5"/>
+          </p:nvPr>
+        </p:nvSpPr>
+        <p:spPr/>
+        <p:txBody>
+          <a:bodyPr/>
+          <a:lstStyle/>
+          <a:p>
+            <a:fld id="{58998766-6A9C-4F2F-8D78-A8B7F422C2B3}" type="slidenum">
+              <a:rPr lang="zh-CN" altLang="en-US" smtClean="0"/>
+              <a:t>15</a:t>
+            </a:fld>
+            <a:endParaRPr lang="zh-CN" altLang="en-US"/>
+          </a:p>
+        </p:txBody>
+      </p:sp>
+    </p:spTree>
+    <p:extLst>
+      <p:ext uri="{BB962C8B-B14F-4D97-AF65-F5344CB8AC3E}">
+        <p14:creationId xmlns:p14="http://schemas.microsoft.com/office/powerpoint/2010/main" val="2051936665"/>
+      </p:ext>
+    </p:extLst>
+  </p:cSld>
+  <p:clrMapOvr>
+    <a:masterClrMapping/>
+  </p:clrMapOvr>
+</p:notes>
+</file>
+
+<file path=ppt/notesSlides/notesSlide16.xml><?xml version="1.0" encoding="utf-8"?>
+<p:notes xmlns:a="http://schemas.openxmlformats.org/drawingml/2006/main" xmlns:r="http://schemas.openxmlformats.org/officeDocument/2006/relationships" xmlns:p="http://schemas.openxmlformats.org/presentationml/2006/main">
+  <p:cSld>
+    <p:spTree>
+      <p:nvGrpSpPr>
+        <p:cNvPr id="1" name=""/>
+        <p:cNvGrpSpPr/>
+        <p:nvPr/>
+      </p:nvGrpSpPr>
+      <p:grpSpPr>
+        <a:xfrm>
+          <a:off x="0" y="0"/>
+          <a:ext cx="0" cy="0"/>
+          <a:chOff x="0" y="0"/>
+          <a:chExt cx="0" cy="0"/>
+        </a:xfrm>
+      </p:grpSpPr>
+      <p:sp>
+        <p:nvSpPr>
+          <p:cNvPr id="2" name="幻灯片图像占位符 1"/>
+          <p:cNvSpPr>
+            <a:spLocks noGrp="1" noRot="1" noChangeAspect="1"/>
+          </p:cNvSpPr>
+          <p:nvPr>
+            <p:ph type="sldImg"/>
+          </p:nvPr>
+        </p:nvSpPr>
+        <p:spPr/>
+      </p:sp>
+      <p:sp>
+        <p:nvSpPr>
+          <p:cNvPr id="3" name="备注占位符 2"/>
+          <p:cNvSpPr>
+            <a:spLocks noGrp="1"/>
+          </p:cNvSpPr>
+          <p:nvPr>
+            <p:ph type="body" idx="1"/>
+          </p:nvPr>
+        </p:nvSpPr>
+        <p:spPr/>
+        <p:txBody>
+          <a:bodyPr/>
+          <a:lstStyle/>
+          <a:p>
+            <a:endParaRPr lang="zh-CN" altLang="en-US"/>
+          </a:p>
+        </p:txBody>
+      </p:sp>
+      <p:sp>
+        <p:nvSpPr>
+          <p:cNvPr id="4" name="灯片编号占位符 3"/>
+          <p:cNvSpPr>
+            <a:spLocks noGrp="1"/>
+          </p:cNvSpPr>
+          <p:nvPr>
+            <p:ph type="sldNum" sz="quarter" idx="5"/>
+          </p:nvPr>
+        </p:nvSpPr>
+        <p:spPr/>
+        <p:txBody>
+          <a:bodyPr/>
+          <a:lstStyle/>
+          <a:p>
+            <a:fld id="{58998766-6A9C-4F2F-8D78-A8B7F422C2B3}" type="slidenum">
+              <a:rPr lang="zh-CN" altLang="en-US" smtClean="0"/>
+              <a:t>16</a:t>
+            </a:fld>
+            <a:endParaRPr lang="zh-CN" altLang="en-US"/>
+          </a:p>
+        </p:txBody>
+      </p:sp>
+    </p:spTree>
+    <p:extLst>
+      <p:ext uri="{BB962C8B-B14F-4D97-AF65-F5344CB8AC3E}">
+        <p14:creationId xmlns:p14="http://schemas.microsoft.com/office/powerpoint/2010/main" val="1415426003"/>
+      </p:ext>
+    </p:extLst>
+  </p:cSld>
+  <p:clrMapOvr>
+    <a:masterClrMapping/>
+  </p:clrMapOvr>
+</p:notes>
+</file>
+
+<file path=ppt/notesSlides/notesSlide17.xml><?xml version="1.0" encoding="utf-8"?>
+<p:notes xmlns:a="http://schemas.openxmlformats.org/drawingml/2006/main" xmlns:r="http://schemas.openxmlformats.org/officeDocument/2006/relationships" xmlns:p="http://schemas.openxmlformats.org/presentationml/2006/main">
+  <p:cSld>
+    <p:spTree>
+      <p:nvGrpSpPr>
+        <p:cNvPr id="1" name=""/>
+        <p:cNvGrpSpPr/>
+        <p:nvPr/>
+      </p:nvGrpSpPr>
+      <p:grpSpPr>
+        <a:xfrm>
+          <a:off x="0" y="0"/>
+          <a:ext cx="0" cy="0"/>
+          <a:chOff x="0" y="0"/>
+          <a:chExt cx="0" cy="0"/>
+        </a:xfrm>
+      </p:grpSpPr>
+      <p:sp>
+        <p:nvSpPr>
+          <p:cNvPr id="2" name="幻灯片图像占位符 1"/>
+          <p:cNvSpPr>
+            <a:spLocks noGrp="1" noRot="1" noChangeAspect="1"/>
+          </p:cNvSpPr>
+          <p:nvPr>
+            <p:ph type="sldImg"/>
+          </p:nvPr>
+        </p:nvSpPr>
+        <p:spPr/>
+      </p:sp>
+      <p:sp>
+        <p:nvSpPr>
+          <p:cNvPr id="3" name="备注占位符 2"/>
+          <p:cNvSpPr>
+            <a:spLocks noGrp="1"/>
+          </p:cNvSpPr>
+          <p:nvPr>
+            <p:ph type="body" idx="1"/>
+          </p:nvPr>
+        </p:nvSpPr>
+        <p:spPr/>
+        <p:txBody>
+          <a:bodyPr/>
+          <a:lstStyle/>
+          <a:p>
+            <a:endParaRPr lang="zh-CN" altLang="en-US"/>
+          </a:p>
+        </p:txBody>
+      </p:sp>
+      <p:sp>
+        <p:nvSpPr>
+          <p:cNvPr id="4" name="灯片编号占位符 3"/>
+          <p:cNvSpPr>
+            <a:spLocks noGrp="1"/>
+          </p:cNvSpPr>
+          <p:nvPr>
+            <p:ph type="sldNum" sz="quarter" idx="5"/>
+          </p:nvPr>
+        </p:nvSpPr>
+        <p:spPr/>
+        <p:txBody>
+          <a:bodyPr/>
+          <a:lstStyle/>
+          <a:p>
+            <a:fld id="{58998766-6A9C-4F2F-8D78-A8B7F422C2B3}" type="slidenum">
+              <a:rPr lang="zh-CN" altLang="en-US" smtClean="0"/>
+              <a:t>17</a:t>
             </a:fld>
             <a:endParaRPr lang="zh-CN" altLang="en-US"/>
           </a:p>
@@ -1226,7 +1651,7 @@
     </p:spTree>
     <p:extLst>
       <p:ext uri="{BB962C8B-B14F-4D97-AF65-F5344CB8AC3E}">
-        <p14:creationId xmlns:p14="http://schemas.microsoft.com/office/powerpoint/2010/main" val="3397309574"/>
+        <p14:creationId xmlns:p14="http://schemas.microsoft.com/office/powerpoint/2010/main" val="2081108655"/>
       </p:ext>
     </p:extLst>
   </p:cSld>
@@ -1310,7 +1735,7 @@
     </p:spTree>
     <p:extLst>
       <p:ext uri="{BB962C8B-B14F-4D97-AF65-F5344CB8AC3E}">
-        <p14:creationId xmlns:p14="http://schemas.microsoft.com/office/powerpoint/2010/main" val="1263851160"/>
+        <p14:creationId xmlns:p14="http://schemas.microsoft.com/office/powerpoint/2010/main" val="3397309574"/>
       </p:ext>
     </p:extLst>
   </p:cSld>
@@ -1394,7 +1819,7 @@
     </p:spTree>
     <p:extLst>
       <p:ext uri="{BB962C8B-B14F-4D97-AF65-F5344CB8AC3E}">
-        <p14:creationId xmlns:p14="http://schemas.microsoft.com/office/powerpoint/2010/main" val="1043311961"/>
+        <p14:creationId xmlns:p14="http://schemas.microsoft.com/office/powerpoint/2010/main" val="1225114361"/>
       </p:ext>
     </p:extLst>
   </p:cSld>
@@ -1478,7 +1903,7 @@
     </p:spTree>
     <p:extLst>
       <p:ext uri="{BB962C8B-B14F-4D97-AF65-F5344CB8AC3E}">
-        <p14:creationId xmlns:p14="http://schemas.microsoft.com/office/powerpoint/2010/main" val="184458461"/>
+        <p14:creationId xmlns:p14="http://schemas.microsoft.com/office/powerpoint/2010/main" val="952544541"/>
       </p:ext>
     </p:extLst>
   </p:cSld>
@@ -1755,6 +2180,39 @@
 
 <file path=ppt/slideLayouts/slideLayout10.xml><?xml version="1.0" encoding="utf-8"?>
 <p:sldLayout xmlns:a="http://schemas.openxmlformats.org/drawingml/2006/main" xmlns:r="http://schemas.openxmlformats.org/officeDocument/2006/relationships" xmlns:p="http://schemas.openxmlformats.org/presentationml/2006/main" preserve="1" userDrawn="1">
+  <p:cSld name="首页">
+    <p:spTree>
+      <p:nvGrpSpPr>
+        <p:cNvPr id="1" name=""/>
+        <p:cNvGrpSpPr/>
+        <p:nvPr/>
+      </p:nvGrpSpPr>
+      <p:grpSpPr>
+        <a:xfrm>
+          <a:off x="0" y="0"/>
+          <a:ext cx="0" cy="0"/>
+          <a:chOff x="0" y="0"/>
+          <a:chExt cx="0" cy="0"/>
+        </a:xfrm>
+      </p:grpSpPr>
+    </p:spTree>
+  </p:cSld>
+  <p:clrMapOvr>
+    <a:masterClrMapping/>
+  </p:clrMapOvr>
+  <mc:AlternateContent xmlns:mc="http://schemas.openxmlformats.org/markup-compatibility/2006" xmlns:p14="http://schemas.microsoft.com/office/powerpoint/2010/main">
+    <mc:Choice Requires="p14">
+      <p:transition spd="slow" p14:dur="2000" advTm="3000"/>
+    </mc:Choice>
+    <mc:Fallback xmlns="">
+      <p:transition spd="slow" advTm="3000"/>
+    </mc:Fallback>
+  </mc:AlternateContent>
+</p:sldLayout>
+</file>
+
+<file path=ppt/slideLayouts/slideLayout11.xml><?xml version="1.0" encoding="utf-8"?>
+<p:sldLayout xmlns:a="http://schemas.openxmlformats.org/drawingml/2006/main" xmlns:r="http://schemas.openxmlformats.org/officeDocument/2006/relationships" xmlns:p="http://schemas.openxmlformats.org/presentationml/2006/main" preserve="1" userDrawn="1">
   <p:cSld name="目录页">
     <p:spTree>
       <p:nvGrpSpPr>
@@ -1786,7 +2244,7 @@
 </p:sldLayout>
 </file>
 
-<file path=ppt/slideLayouts/slideLayout11.xml><?xml version="1.0" encoding="utf-8"?>
+<file path=ppt/slideLayouts/slideLayout12.xml><?xml version="1.0" encoding="utf-8"?>
 <p:sldLayout xmlns:a="http://schemas.openxmlformats.org/drawingml/2006/main" xmlns:r="http://schemas.openxmlformats.org/officeDocument/2006/relationships" xmlns:p="http://schemas.openxmlformats.org/presentationml/2006/main" type="blank" preserve="1">
   <p:cSld name="过度页1">
     <p:spTree>
@@ -1819,82 +2277,9 @@
 </p:sldLayout>
 </file>
 
-<file path=ppt/slideLayouts/slideLayout12.xml><?xml version="1.0" encoding="utf-8"?>
+<file path=ppt/slideLayouts/slideLayout13.xml><?xml version="1.0" encoding="utf-8"?>
 <p:sldLayout xmlns:a="http://schemas.openxmlformats.org/drawingml/2006/main" xmlns:r="http://schemas.openxmlformats.org/officeDocument/2006/relationships" xmlns:p="http://schemas.openxmlformats.org/presentationml/2006/main" preserve="1" userDrawn="1">
   <p:cSld name="内页-1">
-    <p:spTree>
-      <p:nvGrpSpPr>
-        <p:cNvPr id="1" name=""/>
-        <p:cNvGrpSpPr/>
-        <p:nvPr/>
-      </p:nvGrpSpPr>
-      <p:grpSpPr>
-        <a:xfrm>
-          <a:off x="0" y="0"/>
-          <a:ext cx="0" cy="0"/>
-          <a:chOff x="0" y="0"/>
-          <a:chExt cx="0" cy="0"/>
-        </a:xfrm>
-      </p:grpSpPr>
-      <p:sp>
-        <p:nvSpPr>
-          <p:cNvPr id="2" name="文本框 1"/>
-          <p:cNvSpPr txBox="1"/>
-          <p:nvPr userDrawn="1"/>
-        </p:nvSpPr>
-        <p:spPr>
-          <a:xfrm>
-            <a:off x="4122516" y="137614"/>
-            <a:ext cx="3415430" cy="757002"/>
-          </a:xfrm>
-          <a:prstGeom prst="rect">
-            <a:avLst/>
-          </a:prstGeom>
-          <a:noFill/>
-        </p:spPr>
-        <p:txBody>
-          <a:bodyPr vert="horz" wrap="none" rtlCol="0" anchor="ctr">
-            <a:spAutoFit/>
-          </a:bodyPr>
-          <a:lstStyle/>
-          <a:p>
-            <a:pPr>
-              <a:lnSpc>
-                <a:spcPct val="120000"/>
-              </a:lnSpc>
-            </a:pPr>
-            <a:r>
-              <a:rPr lang="zh-CN" altLang="en-US" sz="3599" dirty="0">
-                <a:solidFill>
-                  <a:srgbClr val="212227"/>
-                </a:solidFill>
-                <a:latin typeface="汉仪南宫体简" panose="02010509060101010101" pitchFamily="2" charset="-122"/>
-                <a:ea typeface="汉仪南宫体简" panose="02010509060101010101" pitchFamily="2" charset="-122"/>
-              </a:rPr>
-              <a:t>请输入您的标题</a:t>
-            </a:r>
-          </a:p>
-        </p:txBody>
-      </p:sp>
-    </p:spTree>
-  </p:cSld>
-  <p:clrMapOvr>
-    <a:masterClrMapping/>
-  </p:clrMapOvr>
-  <mc:AlternateContent xmlns:mc="http://schemas.openxmlformats.org/markup-compatibility/2006" xmlns:p14="http://schemas.microsoft.com/office/powerpoint/2010/main">
-    <mc:Choice Requires="p14">
-      <p:transition spd="slow" p14:dur="2000" advTm="3000"/>
-    </mc:Choice>
-    <mc:Fallback xmlns="">
-      <p:transition spd="slow" advTm="3000"/>
-    </mc:Fallback>
-  </mc:AlternateContent>
-</p:sldLayout>
-</file>
-
-<file path=ppt/slideLayouts/slideLayout13.xml><?xml version="1.0" encoding="utf-8"?>
-<p:sldLayout xmlns:a="http://schemas.openxmlformats.org/drawingml/2006/main" xmlns:r="http://schemas.openxmlformats.org/officeDocument/2006/relationships" xmlns:p="http://schemas.openxmlformats.org/presentationml/2006/main" preserve="1" userDrawn="1">
-  <p:cSld name="1_内页-1">
     <p:spTree>
       <p:nvGrpSpPr>
         <p:cNvPr id="1" name=""/>
@@ -1967,7 +2352,7 @@
 
 <file path=ppt/slideLayouts/slideLayout14.xml><?xml version="1.0" encoding="utf-8"?>
 <p:sldLayout xmlns:a="http://schemas.openxmlformats.org/drawingml/2006/main" xmlns:r="http://schemas.openxmlformats.org/officeDocument/2006/relationships" xmlns:p="http://schemas.openxmlformats.org/presentationml/2006/main" preserve="1" userDrawn="1">
-  <p:cSld name="2_内页-1">
+  <p:cSld name="1_内页-1">
     <p:spTree>
       <p:nvGrpSpPr>
         <p:cNvPr id="1" name=""/>
@@ -2040,7 +2425,7 @@
 
 <file path=ppt/slideLayouts/slideLayout15.xml><?xml version="1.0" encoding="utf-8"?>
 <p:sldLayout xmlns:a="http://schemas.openxmlformats.org/drawingml/2006/main" xmlns:r="http://schemas.openxmlformats.org/officeDocument/2006/relationships" xmlns:p="http://schemas.openxmlformats.org/presentationml/2006/main" preserve="1" userDrawn="1">
-  <p:cSld name="3_内页-1">
+  <p:cSld name="2_内页-1">
     <p:spTree>
       <p:nvGrpSpPr>
         <p:cNvPr id="1" name=""/>
@@ -2112,6 +2497,79 @@
 </file>
 
 <file path=ppt/slideLayouts/slideLayout16.xml><?xml version="1.0" encoding="utf-8"?>
+<p:sldLayout xmlns:a="http://schemas.openxmlformats.org/drawingml/2006/main" xmlns:r="http://schemas.openxmlformats.org/officeDocument/2006/relationships" xmlns:p="http://schemas.openxmlformats.org/presentationml/2006/main" preserve="1" userDrawn="1">
+  <p:cSld name="3_内页-1">
+    <p:spTree>
+      <p:nvGrpSpPr>
+        <p:cNvPr id="1" name=""/>
+        <p:cNvGrpSpPr/>
+        <p:nvPr/>
+      </p:nvGrpSpPr>
+      <p:grpSpPr>
+        <a:xfrm>
+          <a:off x="0" y="0"/>
+          <a:ext cx="0" cy="0"/>
+          <a:chOff x="0" y="0"/>
+          <a:chExt cx="0" cy="0"/>
+        </a:xfrm>
+      </p:grpSpPr>
+      <p:sp>
+        <p:nvSpPr>
+          <p:cNvPr id="2" name="文本框 1"/>
+          <p:cNvSpPr txBox="1"/>
+          <p:nvPr userDrawn="1"/>
+        </p:nvSpPr>
+        <p:spPr>
+          <a:xfrm>
+            <a:off x="4122516" y="137614"/>
+            <a:ext cx="3415430" cy="757002"/>
+          </a:xfrm>
+          <a:prstGeom prst="rect">
+            <a:avLst/>
+          </a:prstGeom>
+          <a:noFill/>
+        </p:spPr>
+        <p:txBody>
+          <a:bodyPr vert="horz" wrap="none" rtlCol="0" anchor="ctr">
+            <a:spAutoFit/>
+          </a:bodyPr>
+          <a:lstStyle/>
+          <a:p>
+            <a:pPr>
+              <a:lnSpc>
+                <a:spcPct val="120000"/>
+              </a:lnSpc>
+            </a:pPr>
+            <a:r>
+              <a:rPr lang="zh-CN" altLang="en-US" sz="3599" dirty="0">
+                <a:solidFill>
+                  <a:srgbClr val="212227"/>
+                </a:solidFill>
+                <a:latin typeface="汉仪南宫体简" panose="02010509060101010101" pitchFamily="2" charset="-122"/>
+                <a:ea typeface="汉仪南宫体简" panose="02010509060101010101" pitchFamily="2" charset="-122"/>
+              </a:rPr>
+              <a:t>请输入您的标题</a:t>
+            </a:r>
+          </a:p>
+        </p:txBody>
+      </p:sp>
+    </p:spTree>
+  </p:cSld>
+  <p:clrMapOvr>
+    <a:masterClrMapping/>
+  </p:clrMapOvr>
+  <mc:AlternateContent xmlns:mc="http://schemas.openxmlformats.org/markup-compatibility/2006" xmlns:p14="http://schemas.microsoft.com/office/powerpoint/2010/main">
+    <mc:Choice Requires="p14">
+      <p:transition spd="slow" p14:dur="2000" advTm="3000"/>
+    </mc:Choice>
+    <mc:Fallback xmlns="">
+      <p:transition spd="slow" advTm="3000"/>
+    </mc:Fallback>
+  </mc:AlternateContent>
+</p:sldLayout>
+</file>
+
+<file path=ppt/slideLayouts/slideLayout17.xml><?xml version="1.0" encoding="utf-8"?>
 <p:sldLayout xmlns:a="http://schemas.openxmlformats.org/drawingml/2006/main" xmlns:r="http://schemas.openxmlformats.org/officeDocument/2006/relationships" xmlns:p="http://schemas.openxmlformats.org/presentationml/2006/main" preserve="1" userDrawn="1">
   <p:cSld name="版权页">
     <p:spTree>
@@ -2174,7 +2632,7 @@
 </p:sldLayout>
 </file>
 
-<file path=ppt/slideLayouts/slideLayout17.xml><?xml version="1.0" encoding="utf-8"?>
+<file path=ppt/slideLayouts/slideLayout18.xml><?xml version="1.0" encoding="utf-8"?>
 <p:sldLayout xmlns:a="http://schemas.openxmlformats.org/drawingml/2006/main" xmlns:r="http://schemas.openxmlformats.org/officeDocument/2006/relationships" xmlns:p="http://schemas.openxmlformats.org/presentationml/2006/main" type="title" preserve="1">
   <p:cSld name="标题幻灯片">
     <p:spTree>
@@ -2366,7 +2824,7 @@
 </p:sldLayout>
 </file>
 
-<file path=ppt/slideLayouts/slideLayout18.xml><?xml version="1.0" encoding="utf-8"?>
+<file path=ppt/slideLayouts/slideLayout19.xml><?xml version="1.0" encoding="utf-8"?>
 <p:sldLayout xmlns:a="http://schemas.openxmlformats.org/drawingml/2006/main" xmlns:r="http://schemas.openxmlformats.org/officeDocument/2006/relationships" xmlns:p="http://schemas.openxmlformats.org/presentationml/2006/main" type="obj" preserve="1">
   <p:cSld name="标题和内容">
     <p:spTree>
@@ -2536,7 +2994,40 @@
 </p:sldLayout>
 </file>
 
-<file path=ppt/slideLayouts/slideLayout19.xml><?xml version="1.0" encoding="utf-8"?>
+<file path=ppt/slideLayouts/slideLayout2.xml><?xml version="1.0" encoding="utf-8"?>
+<p:sldLayout xmlns:a="http://schemas.openxmlformats.org/drawingml/2006/main" xmlns:r="http://schemas.openxmlformats.org/officeDocument/2006/relationships" xmlns:p="http://schemas.openxmlformats.org/presentationml/2006/main" preserve="1" userDrawn="1">
+  <p:cSld name="目录页">
+    <p:spTree>
+      <p:nvGrpSpPr>
+        <p:cNvPr id="1" name=""/>
+        <p:cNvGrpSpPr/>
+        <p:nvPr/>
+      </p:nvGrpSpPr>
+      <p:grpSpPr>
+        <a:xfrm>
+          <a:off x="0" y="0"/>
+          <a:ext cx="0" cy="0"/>
+          <a:chOff x="0" y="0"/>
+          <a:chExt cx="0" cy="0"/>
+        </a:xfrm>
+      </p:grpSpPr>
+    </p:spTree>
+  </p:cSld>
+  <p:clrMapOvr>
+    <a:masterClrMapping/>
+  </p:clrMapOvr>
+  <mc:AlternateContent xmlns:mc="http://schemas.openxmlformats.org/markup-compatibility/2006" xmlns:p14="http://schemas.microsoft.com/office/powerpoint/2010/main">
+    <mc:Choice Requires="p14">
+      <p:transition spd="slow" p14:dur="2000" advTm="3000"/>
+    </mc:Choice>
+    <mc:Fallback xmlns="">
+      <p:transition spd="slow" advTm="3000"/>
+    </mc:Fallback>
+  </mc:AlternateContent>
+</p:sldLayout>
+</file>
+
+<file path=ppt/slideLayouts/slideLayout20.xml><?xml version="1.0" encoding="utf-8"?>
 <p:sldLayout xmlns:a="http://schemas.openxmlformats.org/drawingml/2006/main" xmlns:r="http://schemas.openxmlformats.org/officeDocument/2006/relationships" xmlns:p="http://schemas.openxmlformats.org/presentationml/2006/main" type="secHead" preserve="1">
   <p:cSld name="节标题">
     <p:spTree>
@@ -2782,40 +3273,7 @@
 </p:sldLayout>
 </file>
 
-<file path=ppt/slideLayouts/slideLayout2.xml><?xml version="1.0" encoding="utf-8"?>
-<p:sldLayout xmlns:a="http://schemas.openxmlformats.org/drawingml/2006/main" xmlns:r="http://schemas.openxmlformats.org/officeDocument/2006/relationships" xmlns:p="http://schemas.openxmlformats.org/presentationml/2006/main" preserve="1" userDrawn="1">
-  <p:cSld name="目录页">
-    <p:spTree>
-      <p:nvGrpSpPr>
-        <p:cNvPr id="1" name=""/>
-        <p:cNvGrpSpPr/>
-        <p:nvPr/>
-      </p:nvGrpSpPr>
-      <p:grpSpPr>
-        <a:xfrm>
-          <a:off x="0" y="0"/>
-          <a:ext cx="0" cy="0"/>
-          <a:chOff x="0" y="0"/>
-          <a:chExt cx="0" cy="0"/>
-        </a:xfrm>
-      </p:grpSpPr>
-    </p:spTree>
-  </p:cSld>
-  <p:clrMapOvr>
-    <a:masterClrMapping/>
-  </p:clrMapOvr>
-  <mc:AlternateContent xmlns:mc="http://schemas.openxmlformats.org/markup-compatibility/2006" xmlns:p14="http://schemas.microsoft.com/office/powerpoint/2010/main">
-    <mc:Choice Requires="p14">
-      <p:transition spd="slow" p14:dur="2000" advTm="3000"/>
-    </mc:Choice>
-    <mc:Fallback xmlns="">
-      <p:transition spd="slow" advTm="3000"/>
-    </mc:Fallback>
-  </mc:AlternateContent>
-</p:sldLayout>
-</file>
-
-<file path=ppt/slideLayouts/slideLayout20.xml><?xml version="1.0" encoding="utf-8"?>
+<file path=ppt/slideLayouts/slideLayout21.xml><?xml version="1.0" encoding="utf-8"?>
 <p:sldLayout xmlns:a="http://schemas.openxmlformats.org/drawingml/2006/main" xmlns:r="http://schemas.openxmlformats.org/officeDocument/2006/relationships" xmlns:p="http://schemas.openxmlformats.org/presentationml/2006/main" type="twoObj" preserve="1">
   <p:cSld name="两栏内容">
     <p:spTree>
@@ -3047,7 +3505,7 @@
 </p:sldLayout>
 </file>
 
-<file path=ppt/slideLayouts/slideLayout21.xml><?xml version="1.0" encoding="utf-8"?>
+<file path=ppt/slideLayouts/slideLayout22.xml><?xml version="1.0" encoding="utf-8"?>
 <p:sldLayout xmlns:a="http://schemas.openxmlformats.org/drawingml/2006/main" xmlns:r="http://schemas.openxmlformats.org/officeDocument/2006/relationships" xmlns:p="http://schemas.openxmlformats.org/presentationml/2006/main" type="twoTxTwoObj" preserve="1">
   <p:cSld name="比较">
     <p:spTree>
@@ -3414,7 +3872,7 @@
 </p:sldLayout>
 </file>
 
-<file path=ppt/slideLayouts/slideLayout22.xml><?xml version="1.0" encoding="utf-8"?>
+<file path=ppt/slideLayouts/slideLayout23.xml><?xml version="1.0" encoding="utf-8"?>
 <p:sldLayout xmlns:a="http://schemas.openxmlformats.org/drawingml/2006/main" xmlns:r="http://schemas.openxmlformats.org/officeDocument/2006/relationships" xmlns:p="http://schemas.openxmlformats.org/presentationml/2006/main" type="titleOnly" preserve="1">
   <p:cSld name="仅标题">
     <p:spTree>
@@ -3532,7 +3990,7 @@
 </p:sldLayout>
 </file>
 
-<file path=ppt/slideLayouts/slideLayout23.xml><?xml version="1.0" encoding="utf-8"?>
+<file path=ppt/slideLayouts/slideLayout24.xml><?xml version="1.0" encoding="utf-8"?>
 <p:sldLayout xmlns:a="http://schemas.openxmlformats.org/drawingml/2006/main" xmlns:r="http://schemas.openxmlformats.org/officeDocument/2006/relationships" xmlns:p="http://schemas.openxmlformats.org/presentationml/2006/main" type="blank" preserve="1">
   <p:cSld name="空白">
     <p:spTree>
@@ -3627,7 +4085,7 @@
 </p:sldLayout>
 </file>
 
-<file path=ppt/slideLayouts/slideLayout24.xml><?xml version="1.0" encoding="utf-8"?>
+<file path=ppt/slideLayouts/slideLayout25.xml><?xml version="1.0" encoding="utf-8"?>
 <p:sldLayout xmlns:a="http://schemas.openxmlformats.org/drawingml/2006/main" xmlns:r="http://schemas.openxmlformats.org/officeDocument/2006/relationships" xmlns:p="http://schemas.openxmlformats.org/presentationml/2006/main" type="objTx" preserve="1">
   <p:cSld name="内容与标题">
     <p:spTree>
@@ -3904,7 +4362,7 @@
 </p:sldLayout>
 </file>
 
-<file path=ppt/slideLayouts/slideLayout25.xml><?xml version="1.0" encoding="utf-8"?>
+<file path=ppt/slideLayouts/slideLayout26.xml><?xml version="1.0" encoding="utf-8"?>
 <p:sldLayout xmlns:a="http://schemas.openxmlformats.org/drawingml/2006/main" xmlns:r="http://schemas.openxmlformats.org/officeDocument/2006/relationships" xmlns:p="http://schemas.openxmlformats.org/presentationml/2006/main" type="picTx" preserve="1">
   <p:cSld name="图片与标题">
     <p:spTree>
@@ -4161,7 +4619,7 @@
 </p:sldLayout>
 </file>
 
-<file path=ppt/slideLayouts/slideLayout26.xml><?xml version="1.0" encoding="utf-8"?>
+<file path=ppt/slideLayouts/slideLayout27.xml><?xml version="1.0" encoding="utf-8"?>
 <p:sldLayout xmlns:a="http://schemas.openxmlformats.org/drawingml/2006/main" xmlns:r="http://schemas.openxmlformats.org/officeDocument/2006/relationships" xmlns:p="http://schemas.openxmlformats.org/presentationml/2006/main" type="vertTx" preserve="1">
   <p:cSld name="标题和竖排文字">
     <p:spTree>
@@ -4331,7 +4789,7 @@
 </p:sldLayout>
 </file>
 
-<file path=ppt/slideLayouts/slideLayout27.xml><?xml version="1.0" encoding="utf-8"?>
+<file path=ppt/slideLayouts/slideLayout28.xml><?xml version="1.0" encoding="utf-8"?>
 <p:sldLayout xmlns:a="http://schemas.openxmlformats.org/drawingml/2006/main" xmlns:r="http://schemas.openxmlformats.org/officeDocument/2006/relationships" xmlns:p="http://schemas.openxmlformats.org/presentationml/2006/main" type="vertTitleAndTx" preserve="1">
   <p:cSld name="垂直排列标题与&#10;文本">
     <p:spTree>
@@ -4511,7 +4969,7 @@
 </p:sldLayout>
 </file>
 
-<file path=ppt/slideLayouts/slideLayout28.xml><?xml version="1.0" encoding="utf-8"?>
+<file path=ppt/slideLayouts/slideLayout29.xml><?xml version="1.0" encoding="utf-8"?>
 <p:sldLayout xmlns:a="http://schemas.openxmlformats.org/drawingml/2006/main" xmlns:r="http://schemas.openxmlformats.org/officeDocument/2006/relationships" xmlns:p="http://schemas.openxmlformats.org/presentationml/2006/main" userDrawn="1">
   <p:cSld name="首页">
     <p:spTree>
@@ -5808,8 +6266,8 @@
 </file>
 
 <file path=ppt/slideLayouts/slideLayout9.xml><?xml version="1.0" encoding="utf-8"?>
-<p:sldLayout xmlns:a="http://schemas.openxmlformats.org/drawingml/2006/main" xmlns:r="http://schemas.openxmlformats.org/officeDocument/2006/relationships" xmlns:p="http://schemas.openxmlformats.org/presentationml/2006/main" preserve="1" userDrawn="1">
-  <p:cSld name="首页">
+<p:sldLayout xmlns:a="http://schemas.openxmlformats.org/drawingml/2006/main" xmlns:r="http://schemas.openxmlformats.org/officeDocument/2006/relationships" xmlns:p="http://schemas.openxmlformats.org/presentationml/2006/main" type="obj">
+  <p:cSld name="标题和内容">
     <p:spTree>
       <p:nvGrpSpPr>
         <p:cNvPr id="1" name=""/>
@@ -5824,19 +6282,156 @@
           <a:chExt cx="0" cy="0"/>
         </a:xfrm>
       </p:grpSpPr>
+      <p:sp>
+        <p:nvSpPr>
+          <p:cNvPr id="2" name="Title 1"/>
+          <p:cNvSpPr>
+            <a:spLocks noGrp="1"/>
+          </p:cNvSpPr>
+          <p:nvPr>
+            <p:ph type="title"/>
+          </p:nvPr>
+        </p:nvSpPr>
+        <p:spPr/>
+        <p:txBody>
+          <a:bodyPr/>
+          <a:lstStyle/>
+          <a:p>
+            <a:r>
+              <a:rPr lang="zh-CN" altLang="en-US"/>
+              <a:t>单击此处编辑母版标题样式</a:t>
+            </a:r>
+            <a:endParaRPr lang="en-US" dirty="0"/>
+          </a:p>
+        </p:txBody>
+      </p:sp>
+      <p:sp>
+        <p:nvSpPr>
+          <p:cNvPr id="3" name="Content Placeholder 2"/>
+          <p:cNvSpPr>
+            <a:spLocks noGrp="1"/>
+          </p:cNvSpPr>
+          <p:nvPr>
+            <p:ph idx="1"/>
+          </p:nvPr>
+        </p:nvSpPr>
+        <p:spPr/>
+        <p:txBody>
+          <a:bodyPr/>
+          <a:lstStyle/>
+          <a:p>
+            <a:pPr lvl="0"/>
+            <a:r>
+              <a:rPr lang="zh-CN" altLang="en-US"/>
+              <a:t>单击此处编辑母版文本样式</a:t>
+            </a:r>
+          </a:p>
+          <a:p>
+            <a:pPr lvl="1"/>
+            <a:r>
+              <a:rPr lang="zh-CN" altLang="en-US"/>
+              <a:t>第二级</a:t>
+            </a:r>
+          </a:p>
+          <a:p>
+            <a:pPr lvl="2"/>
+            <a:r>
+              <a:rPr lang="zh-CN" altLang="en-US"/>
+              <a:t>第三级</a:t>
+            </a:r>
+          </a:p>
+          <a:p>
+            <a:pPr lvl="3"/>
+            <a:r>
+              <a:rPr lang="zh-CN" altLang="en-US"/>
+              <a:t>第四级</a:t>
+            </a:r>
+          </a:p>
+          <a:p>
+            <a:pPr lvl="4"/>
+            <a:r>
+              <a:rPr lang="zh-CN" altLang="en-US"/>
+              <a:t>第五级</a:t>
+            </a:r>
+            <a:endParaRPr lang="en-US" dirty="0"/>
+          </a:p>
+        </p:txBody>
+      </p:sp>
+      <p:sp>
+        <p:nvSpPr>
+          <p:cNvPr id="4" name="Date Placeholder 3"/>
+          <p:cNvSpPr>
+            <a:spLocks noGrp="1"/>
+          </p:cNvSpPr>
+          <p:nvPr>
+            <p:ph type="dt" sz="half" idx="10"/>
+          </p:nvPr>
+        </p:nvSpPr>
+        <p:spPr/>
+        <p:txBody>
+          <a:bodyPr/>
+          <a:lstStyle/>
+          <a:p>
+            <a:fld id="{0FC304BD-32ED-4569-95E0-79139CDFBD25}" type="datetimeFigureOut">
+              <a:rPr lang="zh-CN" altLang="en-US" smtClean="0"/>
+              <a:t>2023/11/30</a:t>
+            </a:fld>
+            <a:endParaRPr lang="zh-CN" altLang="en-US"/>
+          </a:p>
+        </p:txBody>
+      </p:sp>
+      <p:sp>
+        <p:nvSpPr>
+          <p:cNvPr id="5" name="Footer Placeholder 4"/>
+          <p:cNvSpPr>
+            <a:spLocks noGrp="1"/>
+          </p:cNvSpPr>
+          <p:nvPr>
+            <p:ph type="ftr" sz="quarter" idx="11"/>
+          </p:nvPr>
+        </p:nvSpPr>
+        <p:spPr/>
+        <p:txBody>
+          <a:bodyPr/>
+          <a:lstStyle/>
+          <a:p>
+            <a:endParaRPr lang="zh-CN" altLang="en-US"/>
+          </a:p>
+        </p:txBody>
+      </p:sp>
+      <p:sp>
+        <p:nvSpPr>
+          <p:cNvPr id="6" name="Slide Number Placeholder 5"/>
+          <p:cNvSpPr>
+            <a:spLocks noGrp="1"/>
+          </p:cNvSpPr>
+          <p:nvPr>
+            <p:ph type="sldNum" sz="quarter" idx="12"/>
+          </p:nvPr>
+        </p:nvSpPr>
+        <p:spPr/>
+        <p:txBody>
+          <a:bodyPr/>
+          <a:lstStyle/>
+          <a:p>
+            <a:fld id="{427FEBCE-7B8C-4726-BE9D-7E547D7921B7}" type="slidenum">
+              <a:rPr lang="zh-CN" altLang="en-US" smtClean="0"/>
+              <a:t>‹#›</a:t>
+            </a:fld>
+            <a:endParaRPr lang="zh-CN" altLang="en-US"/>
+          </a:p>
+        </p:txBody>
+      </p:sp>
     </p:spTree>
+    <p:extLst>
+      <p:ext uri="{BB962C8B-B14F-4D97-AF65-F5344CB8AC3E}">
+        <p14:creationId xmlns:p14="http://schemas.microsoft.com/office/powerpoint/2010/main" val="3136240209"/>
+      </p:ext>
+    </p:extLst>
   </p:cSld>
   <p:clrMapOvr>
     <a:masterClrMapping/>
   </p:clrMapOvr>
-  <mc:AlternateContent xmlns:mc="http://schemas.openxmlformats.org/markup-compatibility/2006" xmlns:p14="http://schemas.microsoft.com/office/powerpoint/2010/main">
-    <mc:Choice Requires="p14">
-      <p:transition spd="slow" p14:dur="2000" advTm="3000"/>
-    </mc:Choice>
-    <mc:Fallback xmlns="">
-      <p:transition spd="slow" advTm="3000"/>
-    </mc:Fallback>
-  </mc:AlternateContent>
 </p:sldLayout>
 </file>
 
@@ -5877,6 +6472,7 @@
     <p:sldLayoutId id="2147483673" r:id="rId6"/>
     <p:sldLayoutId id="2147483674" r:id="rId7"/>
     <p:sldLayoutId id="2147483675" r:id="rId8"/>
+    <p:sldLayoutId id="2147483736" r:id="rId9"/>
   </p:sldLayoutIdLst>
   <mc:AlternateContent xmlns:mc="http://schemas.openxmlformats.org/markup-compatibility/2006" xmlns:p14="http://schemas.microsoft.com/office/powerpoint/2010/main">
     <mc:Choice Requires="p14">
@@ -7920,8 +8516,8 @@
         </p:nvSpPr>
         <p:spPr>
           <a:xfrm>
-            <a:off x="1128417" y="354830"/>
-            <a:ext cx="1364060" cy="523220"/>
+            <a:off x="1128416" y="354830"/>
+            <a:ext cx="2354371" cy="523220"/>
           </a:xfrm>
           <a:prstGeom prst="rect">
             <a:avLst/>
@@ -7944,7 +8540,7 @@
                 <a:cs typeface="+mn-ea"/>
                 <a:sym typeface="Arial" panose="020B0604020202020204" pitchFamily="34" charset="0"/>
               </a:rPr>
-              <a:t>Result</a:t>
+              <a:t>Background</a:t>
             </a:r>
             <a:endParaRPr lang="zh-CN" altLang="en-US" sz="2800" b="1" dirty="0">
               <a:solidFill>
@@ -7988,10 +8584,112 @@
           </a:prstGeom>
         </p:spPr>
       </p:pic>
+      <p:pic>
+        <p:nvPicPr>
+          <p:cNvPr id="3" name="图片 2">
+            <a:extLst>
+              <a:ext uri="{FF2B5EF4-FFF2-40B4-BE49-F238E27FC236}">
+                <a16:creationId xmlns:a16="http://schemas.microsoft.com/office/drawing/2014/main" id="{45E343C6-14A4-CD4E-50EE-11CB2DFB36C8}"/>
+              </a:ext>
+            </a:extLst>
+          </p:cNvPr>
+          <p:cNvPicPr>
+            <a:picLocks noChangeAspect="1"/>
+          </p:cNvPicPr>
+          <p:nvPr/>
+        </p:nvPicPr>
+        <p:blipFill>
+          <a:blip r:embed="rId4"/>
+          <a:stretch>
+            <a:fillRect/>
+          </a:stretch>
+        </p:blipFill>
+        <p:spPr>
+          <a:xfrm>
+            <a:off x="1034286" y="1104598"/>
+            <a:ext cx="5245490" cy="5753402"/>
+          </a:xfrm>
+          <a:prstGeom prst="rect">
+            <a:avLst/>
+          </a:prstGeom>
+        </p:spPr>
+      </p:pic>
+      <p:pic>
+        <p:nvPicPr>
+          <p:cNvPr id="6" name="图片 5" descr="图表, 折线图&#10;&#10;描述已自动生成">
+            <a:extLst>
+              <a:ext uri="{FF2B5EF4-FFF2-40B4-BE49-F238E27FC236}">
+                <a16:creationId xmlns:a16="http://schemas.microsoft.com/office/drawing/2014/main" id="{ADD86FF3-2E9E-5C2E-C462-A8BBC9491ACE}"/>
+              </a:ext>
+            </a:extLst>
+          </p:cNvPr>
+          <p:cNvPicPr>
+            <a:picLocks noChangeAspect="1"/>
+          </p:cNvPicPr>
+          <p:nvPr/>
+        </p:nvPicPr>
+        <p:blipFill>
+          <a:blip r:embed="rId5">
+            <a:extLst>
+              <a:ext uri="{28A0092B-C50C-407E-A947-70E740481C1C}">
+                <a14:useLocalDpi xmlns:a14="http://schemas.microsoft.com/office/drawing/2010/main" val="0"/>
+              </a:ext>
+            </a:extLst>
+          </a:blip>
+          <a:stretch>
+            <a:fillRect/>
+          </a:stretch>
+        </p:blipFill>
+        <p:spPr>
+          <a:xfrm>
+            <a:off x="6279776" y="878050"/>
+            <a:ext cx="5657344" cy="2828672"/>
+          </a:xfrm>
+          <a:prstGeom prst="rect">
+            <a:avLst/>
+          </a:prstGeom>
+        </p:spPr>
+      </p:pic>
+      <p:pic>
+        <p:nvPicPr>
+          <p:cNvPr id="8" name="图片 7" descr="图表, 折线图&#10;&#10;描述已自动生成">
+            <a:extLst>
+              <a:ext uri="{FF2B5EF4-FFF2-40B4-BE49-F238E27FC236}">
+                <a16:creationId xmlns:a16="http://schemas.microsoft.com/office/drawing/2014/main" id="{9C003B48-AF67-BB45-FDDD-3E6C69667DDE}"/>
+              </a:ext>
+            </a:extLst>
+          </p:cNvPr>
+          <p:cNvPicPr>
+            <a:picLocks noChangeAspect="1"/>
+          </p:cNvPicPr>
+          <p:nvPr/>
+        </p:nvPicPr>
+        <p:blipFill>
+          <a:blip r:embed="rId6">
+            <a:extLst>
+              <a:ext uri="{28A0092B-C50C-407E-A947-70E740481C1C}">
+                <a14:useLocalDpi xmlns:a14="http://schemas.microsoft.com/office/drawing/2010/main" val="0"/>
+              </a:ext>
+            </a:extLst>
+          </a:blip>
+          <a:stretch>
+            <a:fillRect/>
+          </a:stretch>
+        </p:blipFill>
+        <p:spPr>
+          <a:xfrm>
+            <a:off x="6654460" y="3760982"/>
+            <a:ext cx="4907976" cy="3042757"/>
+          </a:xfrm>
+          <a:prstGeom prst="rect">
+            <a:avLst/>
+          </a:prstGeom>
+        </p:spPr>
+      </p:pic>
     </p:spTree>
     <p:extLst>
       <p:ext uri="{BB962C8B-B14F-4D97-AF65-F5344CB8AC3E}">
-        <p14:creationId xmlns:p14="http://schemas.microsoft.com/office/powerpoint/2010/main" val="4185279335"/>
+        <p14:creationId xmlns:p14="http://schemas.microsoft.com/office/powerpoint/2010/main" val="2665841678"/>
       </p:ext>
     </p:extLst>
   </p:cSld>
@@ -8041,7 +8739,7 @@
         <p:spPr>
           <a:xfrm>
             <a:off x="1128417" y="354830"/>
-            <a:ext cx="1364060" cy="523220"/>
+            <a:ext cx="2865360" cy="523220"/>
           </a:xfrm>
           <a:prstGeom prst="rect">
             <a:avLst/>
@@ -8064,7 +8762,1471 @@
                 <a:cs typeface="+mn-ea"/>
                 <a:sym typeface="Arial" panose="020B0604020202020204" pitchFamily="34" charset="0"/>
               </a:rPr>
-              <a:t>Result</a:t>
+              <a:t>Sequential Data</a:t>
+            </a:r>
+            <a:endParaRPr lang="zh-CN" altLang="en-US" sz="2800" b="1" dirty="0">
+              <a:solidFill>
+                <a:srgbClr val="93C3C2"/>
+              </a:solidFill>
+              <a:latin typeface="Arial" panose="020B0604020202020204" pitchFamily="34" charset="0"/>
+              <a:ea typeface="思源黑体 CN Regular" panose="020B0500000000000000" pitchFamily="34" charset="-122"/>
+              <a:cs typeface="+mn-ea"/>
+              <a:sym typeface="Arial" panose="020B0604020202020204" pitchFamily="34" charset="0"/>
+            </a:endParaRPr>
+          </a:p>
+        </p:txBody>
+      </p:sp>
+      <p:pic>
+        <p:nvPicPr>
+          <p:cNvPr id="27" name="图片 26"/>
+          <p:cNvPicPr>
+            <a:picLocks noChangeAspect="1"/>
+          </p:cNvPicPr>
+          <p:nvPr/>
+        </p:nvPicPr>
+        <p:blipFill>
+          <a:blip r:embed="rId3">
+            <a:extLst>
+              <a:ext uri="{28A0092B-C50C-407E-A947-70E740481C1C}">
+                <a14:useLocalDpi xmlns:a14="http://schemas.microsoft.com/office/drawing/2010/main" val="0"/>
+              </a:ext>
+            </a:extLst>
+          </a:blip>
+          <a:stretch>
+            <a:fillRect/>
+          </a:stretch>
+        </p:blipFill>
+        <p:spPr>
+          <a:xfrm>
+            <a:off x="10680874" y="214084"/>
+            <a:ext cx="1256246" cy="402356"/>
+          </a:xfrm>
+          <a:prstGeom prst="rect">
+            <a:avLst/>
+          </a:prstGeom>
+        </p:spPr>
+      </p:pic>
+      <p:pic>
+        <p:nvPicPr>
+          <p:cNvPr id="11" name="图片 10" descr="图表, 折线图&#10;&#10;描述已自动生成">
+            <a:extLst>
+              <a:ext uri="{FF2B5EF4-FFF2-40B4-BE49-F238E27FC236}">
+                <a16:creationId xmlns:a16="http://schemas.microsoft.com/office/drawing/2014/main" id="{3953C8EA-A64D-B4E9-E28A-505613F87D25}"/>
+              </a:ext>
+            </a:extLst>
+          </p:cNvPr>
+          <p:cNvPicPr>
+            <a:picLocks noChangeAspect="1"/>
+          </p:cNvPicPr>
+          <p:nvPr/>
+        </p:nvPicPr>
+        <p:blipFill>
+          <a:blip r:embed="rId4">
+            <a:extLst>
+              <a:ext uri="{28A0092B-C50C-407E-A947-70E740481C1C}">
+                <a14:useLocalDpi xmlns:a14="http://schemas.microsoft.com/office/drawing/2010/main" val="0"/>
+              </a:ext>
+            </a:extLst>
+          </a:blip>
+          <a:stretch>
+            <a:fillRect/>
+          </a:stretch>
+        </p:blipFill>
+        <p:spPr>
+          <a:xfrm>
+            <a:off x="1788172" y="4075081"/>
+            <a:ext cx="8612479" cy="2494392"/>
+          </a:xfrm>
+          <a:prstGeom prst="rect">
+            <a:avLst/>
+          </a:prstGeom>
+        </p:spPr>
+      </p:pic>
+      <p:pic>
+        <p:nvPicPr>
+          <p:cNvPr id="13" name="图片 12" descr="图形用户界面, 文本, 应用程序&#10;&#10;描述已自动生成">
+            <a:extLst>
+              <a:ext uri="{FF2B5EF4-FFF2-40B4-BE49-F238E27FC236}">
+                <a16:creationId xmlns:a16="http://schemas.microsoft.com/office/drawing/2014/main" id="{B6935CAF-DEF0-C01F-E38B-D7EA75CEE359}"/>
+              </a:ext>
+            </a:extLst>
+          </p:cNvPr>
+          <p:cNvPicPr>
+            <a:picLocks noChangeAspect="1"/>
+          </p:cNvPicPr>
+          <p:nvPr/>
+        </p:nvPicPr>
+        <p:blipFill>
+          <a:blip r:embed="rId5">
+            <a:extLst>
+              <a:ext uri="{28A0092B-C50C-407E-A947-70E740481C1C}">
+                <a14:useLocalDpi xmlns:a14="http://schemas.microsoft.com/office/drawing/2010/main" val="0"/>
+              </a:ext>
+            </a:extLst>
+          </a:blip>
+          <a:stretch>
+            <a:fillRect/>
+          </a:stretch>
+        </p:blipFill>
+        <p:spPr>
+          <a:xfrm>
+            <a:off x="7200039" y="1131537"/>
+            <a:ext cx="4988786" cy="2494393"/>
+          </a:xfrm>
+          <a:prstGeom prst="rect">
+            <a:avLst/>
+          </a:prstGeom>
+        </p:spPr>
+      </p:pic>
+      <p:pic>
+        <p:nvPicPr>
+          <p:cNvPr id="7" name="图片 6" descr="图表, 折线图&#10;&#10;描述已自动生成">
+            <a:extLst>
+              <a:ext uri="{FF2B5EF4-FFF2-40B4-BE49-F238E27FC236}">
+                <a16:creationId xmlns:a16="http://schemas.microsoft.com/office/drawing/2014/main" id="{ED9EEA91-07C7-1FA6-5A03-7F0CE6C9BAC3}"/>
+              </a:ext>
+            </a:extLst>
+          </p:cNvPr>
+          <p:cNvPicPr>
+            <a:picLocks noChangeAspect="1"/>
+          </p:cNvPicPr>
+          <p:nvPr/>
+        </p:nvPicPr>
+        <p:blipFill>
+          <a:blip r:embed="rId6">
+            <a:extLst>
+              <a:ext uri="{28A0092B-C50C-407E-A947-70E740481C1C}">
+                <a14:useLocalDpi xmlns:a14="http://schemas.microsoft.com/office/drawing/2010/main" val="0"/>
+              </a:ext>
+            </a:extLst>
+          </a:blip>
+          <a:stretch>
+            <a:fillRect/>
+          </a:stretch>
+        </p:blipFill>
+        <p:spPr>
+          <a:xfrm>
+            <a:off x="457201" y="1393147"/>
+            <a:ext cx="7368087" cy="2300538"/>
+          </a:xfrm>
+          <a:prstGeom prst="rect">
+            <a:avLst/>
+          </a:prstGeom>
+        </p:spPr>
+      </p:pic>
+    </p:spTree>
+    <p:extLst>
+      <p:ext uri="{BB962C8B-B14F-4D97-AF65-F5344CB8AC3E}">
+        <p14:creationId xmlns:p14="http://schemas.microsoft.com/office/powerpoint/2010/main" val="4185279335"/>
+      </p:ext>
+    </p:extLst>
+  </p:cSld>
+  <p:clrMapOvr>
+    <a:masterClrMapping/>
+  </p:clrMapOvr>
+  <mc:AlternateContent xmlns:mc="http://schemas.openxmlformats.org/markup-compatibility/2006" xmlns:p14="http://schemas.microsoft.com/office/powerpoint/2010/main">
+    <mc:Choice Requires="p14">
+      <p:transition spd="slow" p14:dur="2000" advTm="3000"/>
+    </mc:Choice>
+    <mc:Fallback xmlns="">
+      <p:transition spd="slow" advTm="3000"/>
+    </mc:Fallback>
+  </mc:AlternateContent>
+</p:sld>
+</file>
+
+<file path=ppt/slides/slide12.xml><?xml version="1.0" encoding="utf-8"?>
+<p:sld xmlns:a="http://schemas.openxmlformats.org/drawingml/2006/main" xmlns:r="http://schemas.openxmlformats.org/officeDocument/2006/relationships" xmlns:p="http://schemas.openxmlformats.org/presentationml/2006/main">
+  <p:cSld>
+    <p:spTree>
+      <p:nvGrpSpPr>
+        <p:cNvPr id="1" name=""/>
+        <p:cNvGrpSpPr/>
+        <p:nvPr/>
+      </p:nvGrpSpPr>
+      <p:grpSpPr>
+        <a:xfrm>
+          <a:off x="0" y="0"/>
+          <a:ext cx="0" cy="0"/>
+          <a:chOff x="0" y="0"/>
+          <a:chExt cx="0" cy="0"/>
+        </a:xfrm>
+      </p:grpSpPr>
+      <p:pic>
+        <p:nvPicPr>
+          <p:cNvPr id="9" name="图片 8" descr="图表, 折线图&#10;&#10;描述已自动生成">
+            <a:extLst>
+              <a:ext uri="{FF2B5EF4-FFF2-40B4-BE49-F238E27FC236}">
+                <a16:creationId xmlns:a16="http://schemas.microsoft.com/office/drawing/2014/main" id="{0ABA9EE7-EEB9-9D56-E453-71953093DC64}"/>
+              </a:ext>
+            </a:extLst>
+          </p:cNvPr>
+          <p:cNvPicPr>
+            <a:picLocks noChangeAspect="1"/>
+          </p:cNvPicPr>
+          <p:nvPr/>
+        </p:nvPicPr>
+        <p:blipFill>
+          <a:blip r:embed="rId3">
+            <a:extLst>
+              <a:ext uri="{28A0092B-C50C-407E-A947-70E740481C1C}">
+                <a14:useLocalDpi xmlns:a14="http://schemas.microsoft.com/office/drawing/2010/main" val="0"/>
+              </a:ext>
+            </a:extLst>
+          </a:blip>
+          <a:stretch>
+            <a:fillRect/>
+          </a:stretch>
+        </p:blipFill>
+        <p:spPr>
+          <a:xfrm>
+            <a:off x="5790427" y="3671046"/>
+            <a:ext cx="6398398" cy="2323337"/>
+          </a:xfrm>
+          <a:prstGeom prst="rect">
+            <a:avLst/>
+          </a:prstGeom>
+        </p:spPr>
+      </p:pic>
+      <p:pic>
+        <p:nvPicPr>
+          <p:cNvPr id="7" name="图片 6">
+            <a:extLst>
+              <a:ext uri="{FF2B5EF4-FFF2-40B4-BE49-F238E27FC236}">
+                <a16:creationId xmlns:a16="http://schemas.microsoft.com/office/drawing/2014/main" id="{15ABD55B-27F4-E957-C35D-EA28B3FBCF36}"/>
+              </a:ext>
+            </a:extLst>
+          </p:cNvPr>
+          <p:cNvPicPr>
+            <a:picLocks noChangeAspect="1"/>
+          </p:cNvPicPr>
+          <p:nvPr/>
+        </p:nvPicPr>
+        <p:blipFill>
+          <a:blip r:embed="rId4">
+            <a:extLst>
+              <a:ext uri="{28A0092B-C50C-407E-A947-70E740481C1C}">
+                <a14:useLocalDpi xmlns:a14="http://schemas.microsoft.com/office/drawing/2010/main" val="0"/>
+              </a:ext>
+            </a:extLst>
+          </a:blip>
+          <a:stretch>
+            <a:fillRect/>
+          </a:stretch>
+        </p:blipFill>
+        <p:spPr>
+          <a:xfrm>
+            <a:off x="5790427" y="1599632"/>
+            <a:ext cx="6365623" cy="1602533"/>
+          </a:xfrm>
+          <a:prstGeom prst="rect">
+            <a:avLst/>
+          </a:prstGeom>
+        </p:spPr>
+      </p:pic>
+      <p:sp>
+        <p:nvSpPr>
+          <p:cNvPr id="2" name="矩形 1">
+            <a:extLst>
+              <a:ext uri="{FF2B5EF4-FFF2-40B4-BE49-F238E27FC236}">
+                <a16:creationId xmlns:a16="http://schemas.microsoft.com/office/drawing/2014/main" id="{17F95F54-1438-E04E-B9A4-6AD9A6CF2F75}"/>
+              </a:ext>
+            </a:extLst>
+          </p:cNvPr>
+          <p:cNvSpPr/>
+          <p:nvPr/>
+        </p:nvSpPr>
+        <p:spPr>
+          <a:xfrm>
+            <a:off x="1128416" y="354830"/>
+            <a:ext cx="4815183" cy="523220"/>
+          </a:xfrm>
+          <a:prstGeom prst="rect">
+            <a:avLst/>
+          </a:prstGeom>
+        </p:spPr>
+        <p:txBody>
+          <a:bodyPr wrap="square">
+            <a:spAutoFit/>
+          </a:bodyPr>
+          <a:lstStyle/>
+          <a:p>
+            <a:pPr algn="dist"/>
+            <a:r>
+              <a:rPr lang="en-US" altLang="zh-CN" sz="2800" b="1" dirty="0">
+                <a:solidFill>
+                  <a:srgbClr val="93C3C2"/>
+                </a:solidFill>
+                <a:latin typeface="Arial" panose="020B0604020202020204" pitchFamily="34" charset="0"/>
+                <a:ea typeface="思源黑体 CN Regular" panose="020B0500000000000000" pitchFamily="34" charset="-122"/>
+                <a:cs typeface="+mn-ea"/>
+                <a:sym typeface="Arial" panose="020B0604020202020204" pitchFamily="34" charset="0"/>
+              </a:rPr>
+              <a:t>Seq2Seq For TS Prediction</a:t>
+            </a:r>
+            <a:endParaRPr lang="zh-CN" altLang="en-US" sz="2800" b="1" dirty="0">
+              <a:solidFill>
+                <a:srgbClr val="93C3C2"/>
+              </a:solidFill>
+              <a:latin typeface="Arial" panose="020B0604020202020204" pitchFamily="34" charset="0"/>
+              <a:ea typeface="思源黑体 CN Regular" panose="020B0500000000000000" pitchFamily="34" charset="-122"/>
+              <a:cs typeface="+mn-ea"/>
+              <a:sym typeface="Arial" panose="020B0604020202020204" pitchFamily="34" charset="0"/>
+            </a:endParaRPr>
+          </a:p>
+        </p:txBody>
+      </p:sp>
+      <p:pic>
+        <p:nvPicPr>
+          <p:cNvPr id="27" name="图片 26"/>
+          <p:cNvPicPr>
+            <a:picLocks noChangeAspect="1"/>
+          </p:cNvPicPr>
+          <p:nvPr/>
+        </p:nvPicPr>
+        <p:blipFill>
+          <a:blip r:embed="rId5">
+            <a:extLst>
+              <a:ext uri="{28A0092B-C50C-407E-A947-70E740481C1C}">
+                <a14:useLocalDpi xmlns:a14="http://schemas.microsoft.com/office/drawing/2010/main" val="0"/>
+              </a:ext>
+            </a:extLst>
+          </a:blip>
+          <a:stretch>
+            <a:fillRect/>
+          </a:stretch>
+        </p:blipFill>
+        <p:spPr>
+          <a:xfrm>
+            <a:off x="10680874" y="214084"/>
+            <a:ext cx="1256246" cy="402356"/>
+          </a:xfrm>
+          <a:prstGeom prst="rect">
+            <a:avLst/>
+          </a:prstGeom>
+        </p:spPr>
+      </p:pic>
+      <p:pic>
+        <p:nvPicPr>
+          <p:cNvPr id="5" name="图片 4" descr="图示&#10;&#10;描述已自动生成">
+            <a:extLst>
+              <a:ext uri="{FF2B5EF4-FFF2-40B4-BE49-F238E27FC236}">
+                <a16:creationId xmlns:a16="http://schemas.microsoft.com/office/drawing/2014/main" id="{99F4A5AD-7B4D-A9C6-53A9-0B131F83C7E5}"/>
+              </a:ext>
+            </a:extLst>
+          </p:cNvPr>
+          <p:cNvPicPr>
+            <a:picLocks noChangeAspect="1"/>
+          </p:cNvPicPr>
+          <p:nvPr/>
+        </p:nvPicPr>
+        <p:blipFill>
+          <a:blip r:embed="rId6">
+            <a:extLst>
+              <a:ext uri="{28A0092B-C50C-407E-A947-70E740481C1C}">
+                <a14:useLocalDpi xmlns:a14="http://schemas.microsoft.com/office/drawing/2010/main" val="0"/>
+              </a:ext>
+            </a:extLst>
+          </a:blip>
+          <a:stretch>
+            <a:fillRect/>
+          </a:stretch>
+        </p:blipFill>
+        <p:spPr>
+          <a:xfrm>
+            <a:off x="336302" y="1130750"/>
+            <a:ext cx="6776749" cy="5632622"/>
+          </a:xfrm>
+          <a:prstGeom prst="rect">
+            <a:avLst/>
+          </a:prstGeom>
+        </p:spPr>
+      </p:pic>
+    </p:spTree>
+    <p:extLst>
+      <p:ext uri="{BB962C8B-B14F-4D97-AF65-F5344CB8AC3E}">
+        <p14:creationId xmlns:p14="http://schemas.microsoft.com/office/powerpoint/2010/main" val="454496852"/>
+      </p:ext>
+    </p:extLst>
+  </p:cSld>
+  <p:clrMapOvr>
+    <a:masterClrMapping/>
+  </p:clrMapOvr>
+  <mc:AlternateContent xmlns:mc="http://schemas.openxmlformats.org/markup-compatibility/2006" xmlns:p14="http://schemas.microsoft.com/office/powerpoint/2010/main">
+    <mc:Choice Requires="p14">
+      <p:transition spd="slow" p14:dur="2000" advTm="3000"/>
+    </mc:Choice>
+    <mc:Fallback xmlns="">
+      <p:transition spd="slow" advTm="3000"/>
+    </mc:Fallback>
+  </mc:AlternateContent>
+</p:sld>
+</file>
+
+<file path=ppt/slides/slide13.xml><?xml version="1.0" encoding="utf-8"?>
+<p:sld xmlns:a="http://schemas.openxmlformats.org/drawingml/2006/main" xmlns:r="http://schemas.openxmlformats.org/officeDocument/2006/relationships" xmlns:p="http://schemas.openxmlformats.org/presentationml/2006/main">
+  <p:cSld>
+    <p:spTree>
+      <p:nvGrpSpPr>
+        <p:cNvPr id="1" name=""/>
+        <p:cNvGrpSpPr/>
+        <p:nvPr/>
+      </p:nvGrpSpPr>
+      <p:grpSpPr>
+        <a:xfrm>
+          <a:off x="0" y="0"/>
+          <a:ext cx="0" cy="0"/>
+          <a:chOff x="0" y="0"/>
+          <a:chExt cx="0" cy="0"/>
+        </a:xfrm>
+      </p:grpSpPr>
+      <p:pic>
+        <p:nvPicPr>
+          <p:cNvPr id="8" name="图片 7" descr="图表, 折线图&#10;&#10;描述已自动生成">
+            <a:extLst>
+              <a:ext uri="{FF2B5EF4-FFF2-40B4-BE49-F238E27FC236}">
+                <a16:creationId xmlns:a16="http://schemas.microsoft.com/office/drawing/2014/main" id="{A9E04095-A92A-E2A5-6C5B-3DF3E4179918}"/>
+              </a:ext>
+            </a:extLst>
+          </p:cNvPr>
+          <p:cNvPicPr>
+            <a:picLocks noChangeAspect="1"/>
+          </p:cNvPicPr>
+          <p:nvPr/>
+        </p:nvPicPr>
+        <p:blipFill>
+          <a:blip r:embed="rId3">
+            <a:extLst>
+              <a:ext uri="{28A0092B-C50C-407E-A947-70E740481C1C}">
+                <a14:useLocalDpi xmlns:a14="http://schemas.microsoft.com/office/drawing/2010/main" val="0"/>
+              </a:ext>
+            </a:extLst>
+          </a:blip>
+          <a:stretch>
+            <a:fillRect/>
+          </a:stretch>
+        </p:blipFill>
+        <p:spPr>
+          <a:xfrm>
+            <a:off x="6960167" y="2450871"/>
+            <a:ext cx="4940521" cy="2944842"/>
+          </a:xfrm>
+          <a:prstGeom prst="rect">
+            <a:avLst/>
+          </a:prstGeom>
+        </p:spPr>
+      </p:pic>
+      <p:sp>
+        <p:nvSpPr>
+          <p:cNvPr id="2" name="矩形 1">
+            <a:extLst>
+              <a:ext uri="{FF2B5EF4-FFF2-40B4-BE49-F238E27FC236}">
+                <a16:creationId xmlns:a16="http://schemas.microsoft.com/office/drawing/2014/main" id="{17F95F54-1438-E04E-B9A4-6AD9A6CF2F75}"/>
+              </a:ext>
+            </a:extLst>
+          </p:cNvPr>
+          <p:cNvSpPr/>
+          <p:nvPr/>
+        </p:nvSpPr>
+        <p:spPr>
+          <a:xfrm>
+            <a:off x="1128417" y="354830"/>
+            <a:ext cx="3241878" cy="523220"/>
+          </a:xfrm>
+          <a:prstGeom prst="rect">
+            <a:avLst/>
+          </a:prstGeom>
+        </p:spPr>
+        <p:txBody>
+          <a:bodyPr wrap="square">
+            <a:spAutoFit/>
+          </a:bodyPr>
+          <a:lstStyle/>
+          <a:p>
+            <a:pPr algn="dist"/>
+            <a:r>
+              <a:rPr lang="en-US" altLang="zh-CN" sz="2800" b="1" dirty="0">
+                <a:solidFill>
+                  <a:srgbClr val="93C3C2"/>
+                </a:solidFill>
+                <a:latin typeface="Arial" panose="020B0604020202020204" pitchFamily="34" charset="0"/>
+                <a:ea typeface="思源黑体 CN Regular" panose="020B0500000000000000" pitchFamily="34" charset="-122"/>
+                <a:cs typeface="+mn-ea"/>
+                <a:sym typeface="Arial" panose="020B0604020202020204" pitchFamily="34" charset="0"/>
+              </a:rPr>
+              <a:t>Prediction</a:t>
+            </a:r>
+            <a:r>
+              <a:rPr lang="zh-CN" altLang="en-US" sz="2800" b="1" dirty="0">
+                <a:solidFill>
+                  <a:srgbClr val="93C3C2"/>
+                </a:solidFill>
+                <a:latin typeface="Arial" panose="020B0604020202020204" pitchFamily="34" charset="0"/>
+                <a:ea typeface="思源黑体 CN Regular" panose="020B0500000000000000" pitchFamily="34" charset="-122"/>
+                <a:cs typeface="+mn-ea"/>
+                <a:sym typeface="Arial" panose="020B0604020202020204" pitchFamily="34" charset="0"/>
+              </a:rPr>
+              <a:t> </a:t>
+            </a:r>
+            <a:r>
+              <a:rPr lang="en-US" altLang="zh-CN" sz="2800" b="1" dirty="0">
+                <a:solidFill>
+                  <a:srgbClr val="93C3C2"/>
+                </a:solidFill>
+                <a:latin typeface="Arial" panose="020B0604020202020204" pitchFamily="34" charset="0"/>
+                <a:ea typeface="思源黑体 CN Regular" panose="020B0500000000000000" pitchFamily="34" charset="-122"/>
+                <a:cs typeface="+mn-ea"/>
+                <a:sym typeface="Arial" panose="020B0604020202020204" pitchFamily="34" charset="0"/>
+              </a:rPr>
+              <a:t>Details</a:t>
+            </a:r>
+            <a:endParaRPr lang="zh-CN" altLang="en-US" sz="2800" b="1" dirty="0">
+              <a:solidFill>
+                <a:srgbClr val="93C3C2"/>
+              </a:solidFill>
+              <a:latin typeface="Arial" panose="020B0604020202020204" pitchFamily="34" charset="0"/>
+              <a:ea typeface="思源黑体 CN Regular" panose="020B0500000000000000" pitchFamily="34" charset="-122"/>
+              <a:cs typeface="+mn-ea"/>
+              <a:sym typeface="Arial" panose="020B0604020202020204" pitchFamily="34" charset="0"/>
+            </a:endParaRPr>
+          </a:p>
+        </p:txBody>
+      </p:sp>
+      <p:pic>
+        <p:nvPicPr>
+          <p:cNvPr id="27" name="图片 26"/>
+          <p:cNvPicPr>
+            <a:picLocks noChangeAspect="1"/>
+          </p:cNvPicPr>
+          <p:nvPr/>
+        </p:nvPicPr>
+        <p:blipFill>
+          <a:blip r:embed="rId4">
+            <a:extLst>
+              <a:ext uri="{28A0092B-C50C-407E-A947-70E740481C1C}">
+                <a14:useLocalDpi xmlns:a14="http://schemas.microsoft.com/office/drawing/2010/main" val="0"/>
+              </a:ext>
+            </a:extLst>
+          </a:blip>
+          <a:stretch>
+            <a:fillRect/>
+          </a:stretch>
+        </p:blipFill>
+        <p:spPr>
+          <a:xfrm>
+            <a:off x="10680874" y="214084"/>
+            <a:ext cx="1256246" cy="402356"/>
+          </a:xfrm>
+          <a:prstGeom prst="rect">
+            <a:avLst/>
+          </a:prstGeom>
+        </p:spPr>
+      </p:pic>
+      <p:pic>
+        <p:nvPicPr>
+          <p:cNvPr id="4" name="图片 3">
+            <a:extLst>
+              <a:ext uri="{FF2B5EF4-FFF2-40B4-BE49-F238E27FC236}">
+                <a16:creationId xmlns:a16="http://schemas.microsoft.com/office/drawing/2014/main" id="{A3FE9B1E-7D1F-96DF-F967-E81D19AF0072}"/>
+              </a:ext>
+            </a:extLst>
+          </p:cNvPr>
+          <p:cNvPicPr>
+            <a:picLocks noChangeAspect="1"/>
+          </p:cNvPicPr>
+          <p:nvPr/>
+        </p:nvPicPr>
+        <p:blipFill rotWithShape="1">
+          <a:blip r:embed="rId5">
+            <a:extLst>
+              <a:ext uri="{28A0092B-C50C-407E-A947-70E740481C1C}">
+                <a14:useLocalDpi xmlns:a14="http://schemas.microsoft.com/office/drawing/2010/main" val="0"/>
+              </a:ext>
+            </a:extLst>
+          </a:blip>
+          <a:srcRect t="5068" r="1355"/>
+          <a:stretch/>
+        </p:blipFill>
+        <p:spPr>
+          <a:xfrm>
+            <a:off x="721649" y="1156446"/>
+            <a:ext cx="7583290" cy="5533692"/>
+          </a:xfrm>
+          <a:prstGeom prst="rect">
+            <a:avLst/>
+          </a:prstGeom>
+        </p:spPr>
+      </p:pic>
+    </p:spTree>
+    <p:extLst>
+      <p:ext uri="{BB962C8B-B14F-4D97-AF65-F5344CB8AC3E}">
+        <p14:creationId xmlns:p14="http://schemas.microsoft.com/office/powerpoint/2010/main" val="748062497"/>
+      </p:ext>
+    </p:extLst>
+  </p:cSld>
+  <p:clrMapOvr>
+    <a:masterClrMapping/>
+  </p:clrMapOvr>
+  <mc:AlternateContent xmlns:mc="http://schemas.openxmlformats.org/markup-compatibility/2006" xmlns:p14="http://schemas.microsoft.com/office/powerpoint/2010/main">
+    <mc:Choice Requires="p14">
+      <p:transition spd="slow" p14:dur="2000" advTm="3000"/>
+    </mc:Choice>
+    <mc:Fallback xmlns="">
+      <p:transition spd="slow" advTm="3000"/>
+    </mc:Fallback>
+  </mc:AlternateContent>
+</p:sld>
+</file>
+
+<file path=ppt/slides/slide14.xml><?xml version="1.0" encoding="utf-8"?>
+<p:sld xmlns:a="http://schemas.openxmlformats.org/drawingml/2006/main" xmlns:r="http://schemas.openxmlformats.org/officeDocument/2006/relationships" xmlns:p="http://schemas.openxmlformats.org/presentationml/2006/main">
+  <p:cSld>
+    <p:spTree>
+      <p:nvGrpSpPr>
+        <p:cNvPr id="1" name=""/>
+        <p:cNvGrpSpPr/>
+        <p:nvPr/>
+      </p:nvGrpSpPr>
+      <p:grpSpPr>
+        <a:xfrm>
+          <a:off x="0" y="0"/>
+          <a:ext cx="0" cy="0"/>
+          <a:chOff x="0" y="0"/>
+          <a:chExt cx="0" cy="0"/>
+        </a:xfrm>
+      </p:grpSpPr>
+      <p:sp>
+        <p:nvSpPr>
+          <p:cNvPr id="38" name="6">
+            <a:extLst>
+              <a:ext uri="{FF2B5EF4-FFF2-40B4-BE49-F238E27FC236}">
+                <a16:creationId xmlns:a16="http://schemas.microsoft.com/office/drawing/2014/main" id="{48488B04-52DC-4DF9-BC44-951F34DBBEEC}"/>
+              </a:ext>
+            </a:extLst>
+          </p:cNvPr>
+          <p:cNvSpPr/>
+          <p:nvPr/>
+        </p:nvSpPr>
+        <p:spPr bwMode="auto">
+          <a:xfrm rot="5400000">
+            <a:off x="4819090" y="1247709"/>
+            <a:ext cx="2233978" cy="1942411"/>
+          </a:xfrm>
+          <a:custGeom>
+            <a:avLst/>
+            <a:gdLst>
+              <a:gd name="T0" fmla="*/ 365 w 1306"/>
+              <a:gd name="T1" fmla="*/ 1149 h 1149"/>
+              <a:gd name="T2" fmla="*/ 300 w 1306"/>
+              <a:gd name="T3" fmla="*/ 1111 h 1149"/>
+              <a:gd name="T4" fmla="*/ 12 w 1306"/>
+              <a:gd name="T5" fmla="*/ 613 h 1149"/>
+              <a:gd name="T6" fmla="*/ 12 w 1306"/>
+              <a:gd name="T7" fmla="*/ 537 h 1149"/>
+              <a:gd name="T8" fmla="*/ 300 w 1306"/>
+              <a:gd name="T9" fmla="*/ 38 h 1149"/>
+              <a:gd name="T10" fmla="*/ 365 w 1306"/>
+              <a:gd name="T11" fmla="*/ 0 h 1149"/>
+              <a:gd name="T12" fmla="*/ 941 w 1306"/>
+              <a:gd name="T13" fmla="*/ 0 h 1149"/>
+              <a:gd name="T14" fmla="*/ 1006 w 1306"/>
+              <a:gd name="T15" fmla="*/ 38 h 1149"/>
+              <a:gd name="T16" fmla="*/ 1294 w 1306"/>
+              <a:gd name="T17" fmla="*/ 537 h 1149"/>
+              <a:gd name="T18" fmla="*/ 1294 w 1306"/>
+              <a:gd name="T19" fmla="*/ 613 h 1149"/>
+              <a:gd name="T20" fmla="*/ 1006 w 1306"/>
+              <a:gd name="T21" fmla="*/ 1111 h 1149"/>
+              <a:gd name="T22" fmla="*/ 941 w 1306"/>
+              <a:gd name="T23" fmla="*/ 1149 h 1149"/>
+              <a:gd name="T24" fmla="*/ 365 w 1306"/>
+              <a:gd name="T25" fmla="*/ 1149 h 1149"/>
+            </a:gdLst>
+            <a:ahLst/>
+            <a:cxnLst>
+              <a:cxn ang="0">
+                <a:pos x="T0" y="T1"/>
+              </a:cxn>
+              <a:cxn ang="0">
+                <a:pos x="T2" y="T3"/>
+              </a:cxn>
+              <a:cxn ang="0">
+                <a:pos x="T4" y="T5"/>
+              </a:cxn>
+              <a:cxn ang="0">
+                <a:pos x="T6" y="T7"/>
+              </a:cxn>
+              <a:cxn ang="0">
+                <a:pos x="T8" y="T9"/>
+              </a:cxn>
+              <a:cxn ang="0">
+                <a:pos x="T10" y="T11"/>
+              </a:cxn>
+              <a:cxn ang="0">
+                <a:pos x="T12" y="T13"/>
+              </a:cxn>
+              <a:cxn ang="0">
+                <a:pos x="T14" y="T15"/>
+              </a:cxn>
+              <a:cxn ang="0">
+                <a:pos x="T16" y="T17"/>
+              </a:cxn>
+              <a:cxn ang="0">
+                <a:pos x="T18" y="T19"/>
+              </a:cxn>
+              <a:cxn ang="0">
+                <a:pos x="T20" y="T21"/>
+              </a:cxn>
+              <a:cxn ang="0">
+                <a:pos x="T22" y="T23"/>
+              </a:cxn>
+              <a:cxn ang="0">
+                <a:pos x="T24" y="T25"/>
+              </a:cxn>
+            </a:cxnLst>
+            <a:rect l="0" t="0" r="r" b="b"/>
+            <a:pathLst>
+              <a:path w="1306" h="1149">
+                <a:moveTo>
+                  <a:pt x="365" y="1149"/>
+                </a:moveTo>
+                <a:cubicBezTo>
+                  <a:pt x="341" y="1149"/>
+                  <a:pt x="312" y="1132"/>
+                  <a:pt x="300" y="1111"/>
+                </a:cubicBezTo>
+                <a:cubicBezTo>
+                  <a:pt x="12" y="613"/>
+                  <a:pt x="12" y="613"/>
+                  <a:pt x="12" y="613"/>
+                </a:cubicBezTo>
+                <a:cubicBezTo>
+                  <a:pt x="0" y="592"/>
+                  <a:pt x="0" y="558"/>
+                  <a:pt x="12" y="537"/>
+                </a:cubicBezTo>
+                <a:cubicBezTo>
+                  <a:pt x="300" y="38"/>
+                  <a:pt x="300" y="38"/>
+                  <a:pt x="300" y="38"/>
+                </a:cubicBezTo>
+                <a:cubicBezTo>
+                  <a:pt x="312" y="17"/>
+                  <a:pt x="341" y="0"/>
+                  <a:pt x="365" y="0"/>
+                </a:cubicBezTo>
+                <a:cubicBezTo>
+                  <a:pt x="941" y="0"/>
+                  <a:pt x="941" y="0"/>
+                  <a:pt x="941" y="0"/>
+                </a:cubicBezTo>
+                <a:cubicBezTo>
+                  <a:pt x="965" y="0"/>
+                  <a:pt x="994" y="17"/>
+                  <a:pt x="1006" y="38"/>
+                </a:cubicBezTo>
+                <a:cubicBezTo>
+                  <a:pt x="1294" y="537"/>
+                  <a:pt x="1294" y="537"/>
+                  <a:pt x="1294" y="537"/>
+                </a:cubicBezTo>
+                <a:cubicBezTo>
+                  <a:pt x="1306" y="558"/>
+                  <a:pt x="1306" y="592"/>
+                  <a:pt x="1294" y="613"/>
+                </a:cubicBezTo>
+                <a:cubicBezTo>
+                  <a:pt x="1006" y="1111"/>
+                  <a:pt x="1006" y="1111"/>
+                  <a:pt x="1006" y="1111"/>
+                </a:cubicBezTo>
+                <a:cubicBezTo>
+                  <a:pt x="994" y="1132"/>
+                  <a:pt x="965" y="1149"/>
+                  <a:pt x="941" y="1149"/>
+                </a:cubicBezTo>
+                <a:lnTo>
+                  <a:pt x="365" y="1149"/>
+                </a:lnTo>
+                <a:close/>
+              </a:path>
+            </a:pathLst>
+          </a:custGeom>
+          <a:solidFill>
+            <a:srgbClr val="93C3C2"/>
+          </a:solidFill>
+          <a:ln>
+            <a:noFill/>
+          </a:ln>
+          <a:effectLst>
+            <a:outerShdw blurRad="63500" algn="ctr" rotWithShape="0">
+              <a:prstClr val="black">
+                <a:alpha val="40000"/>
+              </a:prstClr>
+            </a:outerShdw>
+          </a:effectLst>
+        </p:spPr>
+        <p:style>
+          <a:lnRef idx="2">
+            <a:schemeClr val="accent1">
+              <a:shade val="50000"/>
+            </a:schemeClr>
+          </a:lnRef>
+          <a:fillRef idx="1">
+            <a:schemeClr val="accent1"/>
+          </a:fillRef>
+          <a:effectRef idx="0">
+            <a:schemeClr val="accent1"/>
+          </a:effectRef>
+          <a:fontRef idx="minor">
+            <a:schemeClr val="lt1"/>
+          </a:fontRef>
+        </p:style>
+        <p:txBody>
+          <a:bodyPr rtlCol="0" anchor="ctr"/>
+          <a:lstStyle/>
+          <a:p>
+            <a:pPr algn="ctr"/>
+            <a:endParaRPr lang="zh-CN" altLang="en-US" sz="3599">
+              <a:solidFill>
+                <a:srgbClr val="FFFFFF"/>
+              </a:solidFill>
+              <a:latin typeface="Arial" panose="020B0604020202020204" pitchFamily="34" charset="0"/>
+              <a:ea typeface="思源黑体 CN Regular" panose="020B0500000000000000" pitchFamily="34" charset="-122"/>
+              <a:cs typeface="+mn-ea"/>
+              <a:sym typeface="Arial" panose="020B0604020202020204" pitchFamily="34" charset="0"/>
+            </a:endParaRPr>
+          </a:p>
+        </p:txBody>
+      </p:sp>
+      <p:sp>
+        <p:nvSpPr>
+          <p:cNvPr id="39" name="4">
+            <a:extLst>
+              <a:ext uri="{FF2B5EF4-FFF2-40B4-BE49-F238E27FC236}">
+                <a16:creationId xmlns:a16="http://schemas.microsoft.com/office/drawing/2014/main" id="{A9504009-67AB-4F44-8FCF-E182A8706CAA}"/>
+              </a:ext>
+            </a:extLst>
+          </p:cNvPr>
+          <p:cNvSpPr txBox="1"/>
+          <p:nvPr>
+            <p:custDataLst>
+              <p:tags r:id="rId1"/>
+            </p:custDataLst>
+          </p:nvPr>
+        </p:nvSpPr>
+        <p:spPr>
+          <a:xfrm>
+            <a:off x="4579553" y="1537020"/>
+            <a:ext cx="2713054" cy="1440686"/>
+          </a:xfrm>
+          <a:prstGeom prst="rect">
+            <a:avLst/>
+          </a:prstGeom>
+          <a:noFill/>
+        </p:spPr>
+        <p:txBody>
+          <a:bodyPr wrap="square" lIns="85983" tIns="42991" rIns="85983" bIns="42991">
+            <a:spAutoFit/>
+          </a:bodyPr>
+          <a:lstStyle/>
+          <a:p>
+            <a:pPr algn="ctr">
+              <a:defRPr/>
+            </a:pPr>
+            <a:r>
+              <a:rPr lang="en-US" altLang="zh-CN" sz="8797" dirty="0">
+                <a:solidFill>
+                  <a:schemeClr val="bg1"/>
+                </a:solidFill>
+                <a:latin typeface="Arial" panose="020B0604020202020204" pitchFamily="34" charset="0"/>
+                <a:ea typeface="思源黑体 CN Regular" panose="020B0500000000000000" pitchFamily="34" charset="-122"/>
+                <a:cs typeface="+mn-ea"/>
+                <a:sym typeface="Arial" panose="020B0604020202020204" pitchFamily="34" charset="0"/>
+              </a:rPr>
+              <a:t>04</a:t>
+            </a:r>
+          </a:p>
+        </p:txBody>
+      </p:sp>
+      <p:sp>
+        <p:nvSpPr>
+          <p:cNvPr id="41" name="2">
+            <a:extLst>
+              <a:ext uri="{FF2B5EF4-FFF2-40B4-BE49-F238E27FC236}">
+                <a16:creationId xmlns:a16="http://schemas.microsoft.com/office/drawing/2014/main" id="{E01395C7-8230-4890-B209-7D41ECCF4130}"/>
+              </a:ext>
+            </a:extLst>
+          </p:cNvPr>
+          <p:cNvSpPr txBox="1"/>
+          <p:nvPr>
+            <p:custDataLst>
+              <p:tags r:id="rId2"/>
+            </p:custDataLst>
+          </p:nvPr>
+        </p:nvSpPr>
+        <p:spPr>
+          <a:xfrm>
+            <a:off x="399583" y="3522097"/>
+            <a:ext cx="11389658" cy="3133810"/>
+          </a:xfrm>
+          <a:prstGeom prst="rect">
+            <a:avLst/>
+          </a:prstGeom>
+          <a:noFill/>
+        </p:spPr>
+        <p:txBody>
+          <a:bodyPr wrap="square" lIns="85983" tIns="42991" rIns="85983" bIns="42991">
+            <a:spAutoFit/>
+          </a:bodyPr>
+          <a:lstStyle>
+            <a:lvl1pPr>
+              <a:defRPr>
+                <a:solidFill>
+                  <a:schemeClr val="tx1"/>
+                </a:solidFill>
+                <a:latin typeface="Calibri" panose="020F0502020204030204" pitchFamily="34" charset="0"/>
+              </a:defRPr>
+            </a:lvl1pPr>
+            <a:lvl2pPr marL="742950" indent="-285750">
+              <a:defRPr>
+                <a:solidFill>
+                  <a:schemeClr val="tx1"/>
+                </a:solidFill>
+                <a:latin typeface="Calibri" panose="020F0502020204030204" pitchFamily="34" charset="0"/>
+              </a:defRPr>
+            </a:lvl2pPr>
+            <a:lvl3pPr marL="1143000" indent="-228600">
+              <a:defRPr>
+                <a:solidFill>
+                  <a:schemeClr val="tx1"/>
+                </a:solidFill>
+                <a:latin typeface="Calibri" panose="020F0502020204030204" pitchFamily="34" charset="0"/>
+              </a:defRPr>
+            </a:lvl3pPr>
+            <a:lvl4pPr marL="1600200" indent="-228600">
+              <a:defRPr>
+                <a:solidFill>
+                  <a:schemeClr val="tx1"/>
+                </a:solidFill>
+                <a:latin typeface="Calibri" panose="020F0502020204030204" pitchFamily="34" charset="0"/>
+              </a:defRPr>
+            </a:lvl4pPr>
+            <a:lvl5pPr marL="2057400" indent="-228600">
+              <a:defRPr>
+                <a:solidFill>
+                  <a:schemeClr val="tx1"/>
+                </a:solidFill>
+                <a:latin typeface="Calibri" panose="020F0502020204030204" pitchFamily="34" charset="0"/>
+              </a:defRPr>
+            </a:lvl5pPr>
+            <a:lvl6pPr marL="2514600" indent="-228600" defTabSz="912495" fontAlgn="base">
+              <a:spcBef>
+                <a:spcPct val="0"/>
+              </a:spcBef>
+              <a:spcAft>
+                <a:spcPct val="0"/>
+              </a:spcAft>
+              <a:defRPr>
+                <a:solidFill>
+                  <a:schemeClr val="tx1"/>
+                </a:solidFill>
+                <a:latin typeface="Calibri" panose="020F0502020204030204" pitchFamily="34" charset="0"/>
+              </a:defRPr>
+            </a:lvl6pPr>
+            <a:lvl7pPr marL="2971800" indent="-228600" defTabSz="912495" fontAlgn="base">
+              <a:spcBef>
+                <a:spcPct val="0"/>
+              </a:spcBef>
+              <a:spcAft>
+                <a:spcPct val="0"/>
+              </a:spcAft>
+              <a:defRPr>
+                <a:solidFill>
+                  <a:schemeClr val="tx1"/>
+                </a:solidFill>
+                <a:latin typeface="Calibri" panose="020F0502020204030204" pitchFamily="34" charset="0"/>
+              </a:defRPr>
+            </a:lvl7pPr>
+            <a:lvl8pPr marL="3429000" indent="-228600" defTabSz="912495" fontAlgn="base">
+              <a:spcBef>
+                <a:spcPct val="0"/>
+              </a:spcBef>
+              <a:spcAft>
+                <a:spcPct val="0"/>
+              </a:spcAft>
+              <a:defRPr>
+                <a:solidFill>
+                  <a:schemeClr val="tx1"/>
+                </a:solidFill>
+                <a:latin typeface="Calibri" panose="020F0502020204030204" pitchFamily="34" charset="0"/>
+              </a:defRPr>
+            </a:lvl8pPr>
+            <a:lvl9pPr marL="3886200" indent="-228600" defTabSz="912495" fontAlgn="base">
+              <a:spcBef>
+                <a:spcPct val="0"/>
+              </a:spcBef>
+              <a:spcAft>
+                <a:spcPct val="0"/>
+              </a:spcAft>
+              <a:defRPr>
+                <a:solidFill>
+                  <a:schemeClr val="tx1"/>
+                </a:solidFill>
+                <a:latin typeface="Calibri" panose="020F0502020204030204" pitchFamily="34" charset="0"/>
+              </a:defRPr>
+            </a:lvl9pPr>
+          </a:lstStyle>
+          <a:p>
+            <a:pPr algn="dist"/>
+            <a:r>
+              <a:rPr lang="en-US" altLang="zh-CN" sz="6600" b="1" dirty="0">
+                <a:solidFill>
+                  <a:schemeClr val="tx1">
+                    <a:lumMod val="85000"/>
+                    <a:lumOff val="15000"/>
+                  </a:schemeClr>
+                </a:solidFill>
+                <a:latin typeface="Arial" panose="020B0604020202020204" pitchFamily="34" charset="0"/>
+                <a:ea typeface="思源黑体 CN Regular" panose="020B0500000000000000" pitchFamily="34" charset="-122"/>
+                <a:cs typeface="+mn-ea"/>
+                <a:sym typeface="Arial" panose="020B0604020202020204" pitchFamily="34" charset="0"/>
+              </a:rPr>
+              <a:t>Vessel Trajectory Prediction</a:t>
+            </a:r>
+          </a:p>
+          <a:p>
+            <a:pPr algn="dist"/>
+            <a:endParaRPr lang="en-US" altLang="zh-CN" sz="6600" b="1" dirty="0">
+              <a:solidFill>
+                <a:schemeClr val="tx1">
+                  <a:lumMod val="85000"/>
+                  <a:lumOff val="15000"/>
+                </a:schemeClr>
+              </a:solidFill>
+              <a:latin typeface="Arial" panose="020B0604020202020204" pitchFamily="34" charset="0"/>
+              <a:ea typeface="思源黑体 CN Regular" panose="020B0500000000000000" pitchFamily="34" charset="-122"/>
+              <a:cs typeface="+mn-ea"/>
+              <a:sym typeface="Arial" panose="020B0604020202020204" pitchFamily="34" charset="0"/>
+            </a:endParaRPr>
+          </a:p>
+          <a:p>
+            <a:pPr algn="dist"/>
+            <a:endParaRPr lang="zh-CN" altLang="en-US" sz="6600" b="1" dirty="0">
+              <a:solidFill>
+                <a:schemeClr val="tx1">
+                  <a:lumMod val="85000"/>
+                  <a:lumOff val="15000"/>
+                </a:schemeClr>
+              </a:solidFill>
+              <a:latin typeface="Arial" panose="020B0604020202020204" pitchFamily="34" charset="0"/>
+              <a:ea typeface="思源黑体 CN Regular" panose="020B0500000000000000" pitchFamily="34" charset="-122"/>
+              <a:cs typeface="+mn-ea"/>
+              <a:sym typeface="Arial" panose="020B0604020202020204" pitchFamily="34" charset="0"/>
+            </a:endParaRPr>
+          </a:p>
+        </p:txBody>
+      </p:sp>
+      <p:sp>
+        <p:nvSpPr>
+          <p:cNvPr id="8" name="平行四边形 7">
+            <a:extLst>
+              <a:ext uri="{FF2B5EF4-FFF2-40B4-BE49-F238E27FC236}">
+                <a16:creationId xmlns:a16="http://schemas.microsoft.com/office/drawing/2014/main" id="{A4DFF303-64C5-2B46-8FF5-969720EBCBBF}"/>
+              </a:ext>
+            </a:extLst>
+          </p:cNvPr>
+          <p:cNvSpPr/>
+          <p:nvPr/>
+        </p:nvSpPr>
+        <p:spPr>
+          <a:xfrm>
+            <a:off x="-1292270" y="294519"/>
+            <a:ext cx="2584540" cy="2365194"/>
+          </a:xfrm>
+          <a:prstGeom prst="parallelogram">
+            <a:avLst>
+              <a:gd name="adj" fmla="val 100148"/>
+            </a:avLst>
+          </a:prstGeom>
+          <a:solidFill>
+            <a:schemeClr val="tx2">
+              <a:lumMod val="60000"/>
+              <a:lumOff val="40000"/>
+            </a:schemeClr>
+          </a:solidFill>
+          <a:ln>
+            <a:noFill/>
+          </a:ln>
+        </p:spPr>
+        <p:style>
+          <a:lnRef idx="2">
+            <a:schemeClr val="accent1">
+              <a:shade val="50000"/>
+            </a:schemeClr>
+          </a:lnRef>
+          <a:fillRef idx="1">
+            <a:schemeClr val="accent1"/>
+          </a:fillRef>
+          <a:effectRef idx="0">
+            <a:schemeClr val="accent1"/>
+          </a:effectRef>
+          <a:fontRef idx="minor">
+            <a:schemeClr val="lt1"/>
+          </a:fontRef>
+        </p:style>
+        <p:txBody>
+          <a:bodyPr rtlCol="0" anchor="ctr"/>
+          <a:lstStyle/>
+          <a:p>
+            <a:pPr algn="ctr"/>
+            <a:endParaRPr kumimoji="1" lang="zh-CN" altLang="en-US">
+              <a:latin typeface="Arial" panose="020B0604020202020204" pitchFamily="34" charset="0"/>
+              <a:ea typeface="思源黑体 CN Regular" panose="020B0500000000000000" pitchFamily="34" charset="-122"/>
+              <a:cs typeface="+mn-ea"/>
+              <a:sym typeface="Arial" panose="020B0604020202020204" pitchFamily="34" charset="0"/>
+            </a:endParaRPr>
+          </a:p>
+        </p:txBody>
+      </p:sp>
+      <p:sp>
+        <p:nvSpPr>
+          <p:cNvPr id="9" name="平行四边形 8">
+            <a:extLst>
+              <a:ext uri="{FF2B5EF4-FFF2-40B4-BE49-F238E27FC236}">
+                <a16:creationId xmlns:a16="http://schemas.microsoft.com/office/drawing/2014/main" id="{BA8E2AFE-4DB1-D84B-84F9-297A3310E288}"/>
+              </a:ext>
+            </a:extLst>
+          </p:cNvPr>
+          <p:cNvSpPr/>
+          <p:nvPr/>
+        </p:nvSpPr>
+        <p:spPr>
+          <a:xfrm>
+            <a:off x="510083" y="-888078"/>
+            <a:ext cx="2584540" cy="2365194"/>
+          </a:xfrm>
+          <a:prstGeom prst="parallelogram">
+            <a:avLst>
+              <a:gd name="adj" fmla="val 100148"/>
+            </a:avLst>
+          </a:prstGeom>
+          <a:solidFill>
+            <a:srgbClr val="E4EEEF"/>
+          </a:solidFill>
+          <a:ln>
+            <a:noFill/>
+          </a:ln>
+        </p:spPr>
+        <p:style>
+          <a:lnRef idx="2">
+            <a:schemeClr val="accent1">
+              <a:shade val="50000"/>
+            </a:schemeClr>
+          </a:lnRef>
+          <a:fillRef idx="1">
+            <a:schemeClr val="accent1"/>
+          </a:fillRef>
+          <a:effectRef idx="0">
+            <a:schemeClr val="accent1"/>
+          </a:effectRef>
+          <a:fontRef idx="minor">
+            <a:schemeClr val="lt1"/>
+          </a:fontRef>
+        </p:style>
+        <p:txBody>
+          <a:bodyPr rtlCol="0" anchor="ctr"/>
+          <a:lstStyle/>
+          <a:p>
+            <a:pPr algn="ctr"/>
+            <a:endParaRPr kumimoji="1" lang="zh-CN" altLang="en-US">
+              <a:latin typeface="Arial" panose="020B0604020202020204" pitchFamily="34" charset="0"/>
+              <a:ea typeface="思源黑体 CN Regular" panose="020B0500000000000000" pitchFamily="34" charset="-122"/>
+              <a:cs typeface="+mn-ea"/>
+              <a:sym typeface="Arial" panose="020B0604020202020204" pitchFamily="34" charset="0"/>
+            </a:endParaRPr>
+          </a:p>
+        </p:txBody>
+      </p:sp>
+      <p:sp>
+        <p:nvSpPr>
+          <p:cNvPr id="10" name="平行四边形 9">
+            <a:extLst>
+              <a:ext uri="{FF2B5EF4-FFF2-40B4-BE49-F238E27FC236}">
+                <a16:creationId xmlns:a16="http://schemas.microsoft.com/office/drawing/2014/main" id="{7AD87EAA-9BAE-CA4F-B955-A89E3867943E}"/>
+              </a:ext>
+            </a:extLst>
+          </p:cNvPr>
+          <p:cNvSpPr/>
+          <p:nvPr/>
+        </p:nvSpPr>
+        <p:spPr>
+          <a:xfrm>
+            <a:off x="9094202" y="5427303"/>
+            <a:ext cx="2584540" cy="2365194"/>
+          </a:xfrm>
+          <a:prstGeom prst="parallelogram">
+            <a:avLst>
+              <a:gd name="adj" fmla="val 100148"/>
+            </a:avLst>
+          </a:prstGeom>
+          <a:solidFill>
+            <a:schemeClr val="tx2">
+              <a:lumMod val="60000"/>
+              <a:lumOff val="40000"/>
+            </a:schemeClr>
+          </a:solidFill>
+          <a:ln>
+            <a:noFill/>
+          </a:ln>
+        </p:spPr>
+        <p:style>
+          <a:lnRef idx="2">
+            <a:schemeClr val="accent1">
+              <a:shade val="50000"/>
+            </a:schemeClr>
+          </a:lnRef>
+          <a:fillRef idx="1">
+            <a:schemeClr val="accent1"/>
+          </a:fillRef>
+          <a:effectRef idx="0">
+            <a:schemeClr val="accent1"/>
+          </a:effectRef>
+          <a:fontRef idx="minor">
+            <a:schemeClr val="lt1"/>
+          </a:fontRef>
+        </p:style>
+        <p:txBody>
+          <a:bodyPr rtlCol="0" anchor="ctr"/>
+          <a:lstStyle/>
+          <a:p>
+            <a:pPr algn="ctr"/>
+            <a:endParaRPr kumimoji="1" lang="zh-CN" altLang="en-US">
+              <a:latin typeface="Arial" panose="020B0604020202020204" pitchFamily="34" charset="0"/>
+              <a:ea typeface="思源黑体 CN Regular" panose="020B0500000000000000" pitchFamily="34" charset="-122"/>
+              <a:cs typeface="+mn-ea"/>
+              <a:sym typeface="Arial" panose="020B0604020202020204" pitchFamily="34" charset="0"/>
+            </a:endParaRPr>
+          </a:p>
+        </p:txBody>
+      </p:sp>
+      <p:sp>
+        <p:nvSpPr>
+          <p:cNvPr id="11" name="平行四边形 10">
+            <a:extLst>
+              <a:ext uri="{FF2B5EF4-FFF2-40B4-BE49-F238E27FC236}">
+                <a16:creationId xmlns:a16="http://schemas.microsoft.com/office/drawing/2014/main" id="{19DC2462-77B8-744F-83AE-B0E2AEEAA8E4}"/>
+              </a:ext>
+            </a:extLst>
+          </p:cNvPr>
+          <p:cNvSpPr/>
+          <p:nvPr/>
+        </p:nvSpPr>
+        <p:spPr>
+          <a:xfrm>
+            <a:off x="10896555" y="4244706"/>
+            <a:ext cx="2584540" cy="2365194"/>
+          </a:xfrm>
+          <a:prstGeom prst="parallelogram">
+            <a:avLst>
+              <a:gd name="adj" fmla="val 100148"/>
+            </a:avLst>
+          </a:prstGeom>
+          <a:solidFill>
+            <a:srgbClr val="E4EEEF"/>
+          </a:solidFill>
+          <a:ln>
+            <a:noFill/>
+          </a:ln>
+        </p:spPr>
+        <p:style>
+          <a:lnRef idx="2">
+            <a:schemeClr val="accent1">
+              <a:shade val="50000"/>
+            </a:schemeClr>
+          </a:lnRef>
+          <a:fillRef idx="1">
+            <a:schemeClr val="accent1"/>
+          </a:fillRef>
+          <a:effectRef idx="0">
+            <a:schemeClr val="accent1"/>
+          </a:effectRef>
+          <a:fontRef idx="minor">
+            <a:schemeClr val="lt1"/>
+          </a:fontRef>
+        </p:style>
+        <p:txBody>
+          <a:bodyPr rtlCol="0" anchor="ctr"/>
+          <a:lstStyle/>
+          <a:p>
+            <a:pPr algn="ctr"/>
+            <a:endParaRPr kumimoji="1" lang="zh-CN" altLang="en-US">
+              <a:latin typeface="Arial" panose="020B0604020202020204" pitchFamily="34" charset="0"/>
+              <a:ea typeface="思源黑体 CN Regular" panose="020B0500000000000000" pitchFamily="34" charset="-122"/>
+              <a:cs typeface="+mn-ea"/>
+              <a:sym typeface="Arial" panose="020B0604020202020204" pitchFamily="34" charset="0"/>
+            </a:endParaRPr>
+          </a:p>
+        </p:txBody>
+      </p:sp>
+    </p:spTree>
+    <p:extLst>
+      <p:ext uri="{BB962C8B-B14F-4D97-AF65-F5344CB8AC3E}">
+        <p14:creationId xmlns:p14="http://schemas.microsoft.com/office/powerpoint/2010/main" val="1717054702"/>
+      </p:ext>
+    </p:extLst>
+  </p:cSld>
+  <p:clrMapOvr>
+    <a:masterClrMapping/>
+  </p:clrMapOvr>
+  <p:timing>
+    <p:tnLst>
+      <p:par>
+        <p:cTn id="1" dur="indefinite" restart="never" nodeType="tmRoot">
+          <p:childTnLst>
+            <p:seq concurrent="1" nextAc="seek">
+              <p:cTn id="2" dur="indefinite" nodeType="mainSeq">
+                <p:childTnLst>
+                  <p:par>
+                    <p:cTn id="3" fill="hold">
+                      <p:stCondLst>
+                        <p:cond delay="indefinite"/>
+                        <p:cond evt="onBegin" delay="0">
+                          <p:tn val="2"/>
+                        </p:cond>
+                      </p:stCondLst>
+                      <p:childTnLst>
+                        <p:par>
+                          <p:cTn id="4" fill="hold">
+                            <p:stCondLst>
+                              <p:cond delay="0"/>
+                            </p:stCondLst>
+                            <p:childTnLst>
+                              <p:par>
+                                <p:cTn id="5" presetID="14" presetClass="entr" presetSubtype="10" fill="hold" grpId="0" nodeType="afterEffect">
+                                  <p:stCondLst>
+                                    <p:cond delay="0"/>
+                                  </p:stCondLst>
+                                  <p:childTnLst>
+                                    <p:set>
+                                      <p:cBhvr>
+                                        <p:cTn id="6" dur="1" fill="hold">
+                                          <p:stCondLst>
+                                            <p:cond delay="0"/>
+                                          </p:stCondLst>
+                                        </p:cTn>
+                                        <p:tgtEl>
+                                          <p:spTgt spid="39"/>
+                                        </p:tgtEl>
+                                        <p:attrNameLst>
+                                          <p:attrName>style.visibility</p:attrName>
+                                        </p:attrNameLst>
+                                      </p:cBhvr>
+                                      <p:to>
+                                        <p:strVal val="visible"/>
+                                      </p:to>
+                                    </p:set>
+                                    <p:animEffect transition="in" filter="randombar(horizontal)">
+                                      <p:cBhvr>
+                                        <p:cTn id="7" dur="500"/>
+                                        <p:tgtEl>
+                                          <p:spTgt spid="39"/>
+                                        </p:tgtEl>
+                                      </p:cBhvr>
+                                    </p:animEffect>
+                                  </p:childTnLst>
+                                </p:cTn>
+                              </p:par>
+                            </p:childTnLst>
+                          </p:cTn>
+                        </p:par>
+                      </p:childTnLst>
+                    </p:cTn>
+                  </p:par>
+                </p:childTnLst>
+              </p:cTn>
+              <p:prevCondLst>
+                <p:cond evt="onPrev" delay="0">
+                  <p:tgtEl>
+                    <p:sldTgt/>
+                  </p:tgtEl>
+                </p:cond>
+              </p:prevCondLst>
+              <p:nextCondLst>
+                <p:cond evt="onNext" delay="0">
+                  <p:tgtEl>
+                    <p:sldTgt/>
+                  </p:tgtEl>
+                </p:cond>
+              </p:nextCondLst>
+            </p:seq>
+          </p:childTnLst>
+        </p:cTn>
+      </p:par>
+    </p:tnLst>
+    <p:bldLst>
+      <p:bldP spid="39" grpId="0"/>
+    </p:bldLst>
+  </p:timing>
+</p:sld>
+</file>
+
+<file path=ppt/slides/slide15.xml><?xml version="1.0" encoding="utf-8"?>
+<p:sld xmlns:a="http://schemas.openxmlformats.org/drawingml/2006/main" xmlns:r="http://schemas.openxmlformats.org/officeDocument/2006/relationships" xmlns:p="http://schemas.openxmlformats.org/presentationml/2006/main">
+  <p:cSld>
+    <p:spTree>
+      <p:nvGrpSpPr>
+        <p:cNvPr id="1" name=""/>
+        <p:cNvGrpSpPr/>
+        <p:nvPr/>
+      </p:nvGrpSpPr>
+      <p:grpSpPr>
+        <a:xfrm>
+          <a:off x="0" y="0"/>
+          <a:ext cx="0" cy="0"/>
+          <a:chOff x="0" y="0"/>
+          <a:chExt cx="0" cy="0"/>
+        </a:xfrm>
+      </p:grpSpPr>
+      <p:sp>
+        <p:nvSpPr>
+          <p:cNvPr id="2" name="矩形 1">
+            <a:extLst>
+              <a:ext uri="{FF2B5EF4-FFF2-40B4-BE49-F238E27FC236}">
+                <a16:creationId xmlns:a16="http://schemas.microsoft.com/office/drawing/2014/main" id="{17F95F54-1438-E04E-B9A4-6AD9A6CF2F75}"/>
+              </a:ext>
+            </a:extLst>
+          </p:cNvPr>
+          <p:cNvSpPr/>
+          <p:nvPr/>
+        </p:nvSpPr>
+        <p:spPr>
+          <a:xfrm>
+            <a:off x="1128416" y="354830"/>
+            <a:ext cx="2314031" cy="523220"/>
+          </a:xfrm>
+          <a:prstGeom prst="rect">
+            <a:avLst/>
+          </a:prstGeom>
+        </p:spPr>
+        <p:txBody>
+          <a:bodyPr wrap="square">
+            <a:spAutoFit/>
+          </a:bodyPr>
+          <a:lstStyle/>
+          <a:p>
+            <a:pPr algn="dist"/>
+            <a:r>
+              <a:rPr lang="en-US" altLang="zh-CN" sz="2800" b="1" dirty="0">
+                <a:solidFill>
+                  <a:srgbClr val="93C3C2"/>
+                </a:solidFill>
+                <a:latin typeface="Arial" panose="020B0604020202020204" pitchFamily="34" charset="0"/>
+                <a:ea typeface="思源黑体 CN Regular" panose="020B0500000000000000" pitchFamily="34" charset="-122"/>
+                <a:cs typeface="+mn-ea"/>
+                <a:sym typeface="Arial" panose="020B0604020202020204" pitchFamily="34" charset="0"/>
+              </a:rPr>
+              <a:t>Background</a:t>
             </a:r>
             <a:endParaRPr lang="zh-CN" altLang="en-US" sz="2800" b="1" dirty="0">
               <a:solidFill>
@@ -8111,7 +10273,7 @@
     </p:spTree>
     <p:extLst>
       <p:ext uri="{BB962C8B-B14F-4D97-AF65-F5344CB8AC3E}">
-        <p14:creationId xmlns:p14="http://schemas.microsoft.com/office/powerpoint/2010/main" val="454496852"/>
+        <p14:creationId xmlns:p14="http://schemas.microsoft.com/office/powerpoint/2010/main" val="2216131235"/>
       </p:ext>
     </p:extLst>
   </p:cSld>
@@ -8129,7 +10291,127 @@
 </p:sld>
 </file>
 
-<file path=ppt/slides/slide12.xml><?xml version="1.0" encoding="utf-8"?>
+<file path=ppt/slides/slide16.xml><?xml version="1.0" encoding="utf-8"?>
+<p:sld xmlns:a="http://schemas.openxmlformats.org/drawingml/2006/main" xmlns:r="http://schemas.openxmlformats.org/officeDocument/2006/relationships" xmlns:p="http://schemas.openxmlformats.org/presentationml/2006/main">
+  <p:cSld>
+    <p:spTree>
+      <p:nvGrpSpPr>
+        <p:cNvPr id="1" name=""/>
+        <p:cNvGrpSpPr/>
+        <p:nvPr/>
+      </p:nvGrpSpPr>
+      <p:grpSpPr>
+        <a:xfrm>
+          <a:off x="0" y="0"/>
+          <a:ext cx="0" cy="0"/>
+          <a:chOff x="0" y="0"/>
+          <a:chExt cx="0" cy="0"/>
+        </a:xfrm>
+      </p:grpSpPr>
+      <p:sp>
+        <p:nvSpPr>
+          <p:cNvPr id="2" name="矩形 1">
+            <a:extLst>
+              <a:ext uri="{FF2B5EF4-FFF2-40B4-BE49-F238E27FC236}">
+                <a16:creationId xmlns:a16="http://schemas.microsoft.com/office/drawing/2014/main" id="{17F95F54-1438-E04E-B9A4-6AD9A6CF2F75}"/>
+              </a:ext>
+            </a:extLst>
+          </p:cNvPr>
+          <p:cNvSpPr/>
+          <p:nvPr/>
+        </p:nvSpPr>
+        <p:spPr>
+          <a:xfrm>
+            <a:off x="1128416" y="354830"/>
+            <a:ext cx="4815183" cy="523220"/>
+          </a:xfrm>
+          <a:prstGeom prst="rect">
+            <a:avLst/>
+          </a:prstGeom>
+        </p:spPr>
+        <p:txBody>
+          <a:bodyPr wrap="square">
+            <a:spAutoFit/>
+          </a:bodyPr>
+          <a:lstStyle/>
+          <a:p>
+            <a:pPr algn="dist"/>
+            <a:r>
+              <a:rPr lang="en-US" altLang="zh-CN" sz="2800" b="1" dirty="0">
+                <a:solidFill>
+                  <a:srgbClr val="93C3C2"/>
+                </a:solidFill>
+                <a:latin typeface="Arial" panose="020B0604020202020204" pitchFamily="34" charset="0"/>
+                <a:ea typeface="思源黑体 CN Regular" panose="020B0500000000000000" pitchFamily="34" charset="-122"/>
+                <a:cs typeface="+mn-ea"/>
+                <a:sym typeface="Arial" panose="020B0604020202020204" pitchFamily="34" charset="0"/>
+              </a:rPr>
+              <a:t>Seq2Seq For TS Prediction</a:t>
+            </a:r>
+            <a:endParaRPr lang="zh-CN" altLang="en-US" sz="2800" b="1" dirty="0">
+              <a:solidFill>
+                <a:srgbClr val="93C3C2"/>
+              </a:solidFill>
+              <a:latin typeface="Arial" panose="020B0604020202020204" pitchFamily="34" charset="0"/>
+              <a:ea typeface="思源黑体 CN Regular" panose="020B0500000000000000" pitchFamily="34" charset="-122"/>
+              <a:cs typeface="+mn-ea"/>
+              <a:sym typeface="Arial" panose="020B0604020202020204" pitchFamily="34" charset="0"/>
+            </a:endParaRPr>
+          </a:p>
+        </p:txBody>
+      </p:sp>
+      <p:pic>
+        <p:nvPicPr>
+          <p:cNvPr id="27" name="图片 26"/>
+          <p:cNvPicPr>
+            <a:picLocks noChangeAspect="1"/>
+          </p:cNvPicPr>
+          <p:nvPr/>
+        </p:nvPicPr>
+        <p:blipFill>
+          <a:blip r:embed="rId3">
+            <a:extLst>
+              <a:ext uri="{28A0092B-C50C-407E-A947-70E740481C1C}">
+                <a14:useLocalDpi xmlns:a14="http://schemas.microsoft.com/office/drawing/2010/main" val="0"/>
+              </a:ext>
+            </a:extLst>
+          </a:blip>
+          <a:stretch>
+            <a:fillRect/>
+          </a:stretch>
+        </p:blipFill>
+        <p:spPr>
+          <a:xfrm>
+            <a:off x="10680874" y="214084"/>
+            <a:ext cx="1256246" cy="402356"/>
+          </a:xfrm>
+          <a:prstGeom prst="rect">
+            <a:avLst/>
+          </a:prstGeom>
+        </p:spPr>
+      </p:pic>
+    </p:spTree>
+    <p:extLst>
+      <p:ext uri="{BB962C8B-B14F-4D97-AF65-F5344CB8AC3E}">
+        <p14:creationId xmlns:p14="http://schemas.microsoft.com/office/powerpoint/2010/main" val="3420906036"/>
+      </p:ext>
+    </p:extLst>
+  </p:cSld>
+  <p:clrMapOvr>
+    <a:masterClrMapping/>
+  </p:clrMapOvr>
+  <mc:AlternateContent xmlns:mc="http://schemas.openxmlformats.org/markup-compatibility/2006" xmlns:p14="http://schemas.microsoft.com/office/powerpoint/2010/main">
+    <mc:Choice Requires="p14">
+      <p:transition spd="slow" p14:dur="2000" advTm="3000"/>
+    </mc:Choice>
+    <mc:Fallback xmlns="">
+      <p:transition spd="slow" advTm="3000"/>
+    </mc:Fallback>
+  </mc:AlternateContent>
+</p:sld>
+</file>
+
+<file path=ppt/slides/slide17.xml><?xml version="1.0" encoding="utf-8"?>
 <p:sld xmlns:a="http://schemas.openxmlformats.org/drawingml/2006/main" xmlns:r="http://schemas.openxmlformats.org/officeDocument/2006/relationships" xmlns:p="http://schemas.openxmlformats.org/presentationml/2006/main">
   <p:cSld>
     <p:spTree>
@@ -12100,10 +14382,10 @@
       </p:pic>
       <p:pic>
         <p:nvPicPr>
-          <p:cNvPr id="2" name="图片 1">
+          <p:cNvPr id="4" name="图片 3">
             <a:extLst>
               <a:ext uri="{FF2B5EF4-FFF2-40B4-BE49-F238E27FC236}">
-                <a16:creationId xmlns:a16="http://schemas.microsoft.com/office/drawing/2014/main" id="{070A0DCF-0B0A-EDF6-442D-7D88B03F28BC}"/>
+                <a16:creationId xmlns:a16="http://schemas.microsoft.com/office/drawing/2014/main" id="{33509E43-32E0-7294-F6F9-E1AFEF334301}"/>
               </a:ext>
             </a:extLst>
           </p:cNvPr>
@@ -12120,8 +14402,8 @@
         </p:blipFill>
         <p:spPr>
           <a:xfrm>
-            <a:off x="1128419" y="1323654"/>
-            <a:ext cx="4965993" cy="3164252"/>
+            <a:off x="6493795" y="849916"/>
+            <a:ext cx="4774839" cy="5717512"/>
           </a:xfrm>
           <a:prstGeom prst="rect">
             <a:avLst/>
@@ -12130,10 +14412,10 @@
       </p:pic>
       <p:pic>
         <p:nvPicPr>
-          <p:cNvPr id="4" name="图片 3">
+          <p:cNvPr id="8" name="图片 7" descr="手机屏幕的截图&#10;&#10;中度可信度描述已自动生成">
             <a:extLst>
               <a:ext uri="{FF2B5EF4-FFF2-40B4-BE49-F238E27FC236}">
-                <a16:creationId xmlns:a16="http://schemas.microsoft.com/office/drawing/2014/main" id="{33509E43-32E0-7294-F6F9-E1AFEF334301}"/>
+                <a16:creationId xmlns:a16="http://schemas.microsoft.com/office/drawing/2014/main" id="{9AF7EB8D-F31F-DBC1-04DE-D95D78D95668}"/>
               </a:ext>
             </a:extLst>
           </p:cNvPr>
@@ -12143,15 +14425,57 @@
           <p:nvPr/>
         </p:nvPicPr>
         <p:blipFill>
-          <a:blip r:embed="rId5"/>
+          <a:blip r:embed="rId5">
+            <a:extLst>
+              <a:ext uri="{28A0092B-C50C-407E-A947-70E740481C1C}">
+                <a14:useLocalDpi xmlns:a14="http://schemas.microsoft.com/office/drawing/2010/main" val="0"/>
+              </a:ext>
+            </a:extLst>
+          </a:blip>
           <a:stretch>
             <a:fillRect/>
           </a:stretch>
         </p:blipFill>
         <p:spPr>
           <a:xfrm>
-            <a:off x="6493795" y="849916"/>
-            <a:ext cx="4774839" cy="5717512"/>
+            <a:off x="415725" y="4260958"/>
+            <a:ext cx="7772400" cy="2043031"/>
+          </a:xfrm>
+          <a:prstGeom prst="rect">
+            <a:avLst/>
+          </a:prstGeom>
+        </p:spPr>
+      </p:pic>
+      <p:pic>
+        <p:nvPicPr>
+          <p:cNvPr id="10" name="图片 9" descr="图示&#10;&#10;描述已自动生成">
+            <a:extLst>
+              <a:ext uri="{FF2B5EF4-FFF2-40B4-BE49-F238E27FC236}">
+                <a16:creationId xmlns:a16="http://schemas.microsoft.com/office/drawing/2014/main" id="{7B68A236-DFB4-3EBE-DCA9-064E2C8CE61E}"/>
+              </a:ext>
+            </a:extLst>
+          </p:cNvPr>
+          <p:cNvPicPr>
+            <a:picLocks noChangeAspect="1"/>
+          </p:cNvPicPr>
+          <p:nvPr/>
+        </p:nvPicPr>
+        <p:blipFill>
+          <a:blip r:embed="rId6">
+            <a:extLst>
+              <a:ext uri="{28A0092B-C50C-407E-A947-70E740481C1C}">
+                <a14:useLocalDpi xmlns:a14="http://schemas.microsoft.com/office/drawing/2010/main" val="0"/>
+              </a:ext>
+            </a:extLst>
+          </a:blip>
+          <a:stretch>
+            <a:fillRect/>
+          </a:stretch>
+        </p:blipFill>
+        <p:spPr>
+          <a:xfrm>
+            <a:off x="1092261" y="1163224"/>
+            <a:ext cx="4402269" cy="2812560"/>
           </a:xfrm>
           <a:prstGeom prst="rect">
             <a:avLst/>
@@ -12211,7 +14535,7 @@
         <p:spPr>
           <a:xfrm>
             <a:off x="1128418" y="354830"/>
-            <a:ext cx="2455440" cy="523220"/>
+            <a:ext cx="4586582" cy="523220"/>
           </a:xfrm>
           <a:prstGeom prst="rect">
             <a:avLst/>
@@ -12234,7 +14558,7 @@
                 <a:cs typeface="+mn-ea"/>
                 <a:sym typeface="Arial" panose="020B0604020202020204" pitchFamily="34" charset="0"/>
               </a:rPr>
-              <a:t>Methodology</a:t>
+              <a:t>Long-Short Term Memory</a:t>
             </a:r>
             <a:endParaRPr lang="zh-CN" altLang="en-US" sz="2800" b="1" dirty="0">
               <a:solidFill>
@@ -12272,6 +14596,168 @@
           <a:xfrm>
             <a:off x="10680874" y="214084"/>
             <a:ext cx="1256246" cy="402356"/>
+          </a:xfrm>
+          <a:prstGeom prst="rect">
+            <a:avLst/>
+          </a:prstGeom>
+        </p:spPr>
+      </p:pic>
+      <p:pic>
+        <p:nvPicPr>
+          <p:cNvPr id="7" name="图片 6">
+            <a:extLst>
+              <a:ext uri="{FF2B5EF4-FFF2-40B4-BE49-F238E27FC236}">
+                <a16:creationId xmlns:a16="http://schemas.microsoft.com/office/drawing/2014/main" id="{3533F10A-CEBF-EB7D-DAA9-55F81BF6B9A3}"/>
+              </a:ext>
+            </a:extLst>
+          </p:cNvPr>
+          <p:cNvPicPr>
+            <a:picLocks noChangeAspect="1"/>
+          </p:cNvPicPr>
+          <p:nvPr/>
+        </p:nvPicPr>
+        <p:blipFill>
+          <a:blip r:embed="rId4"/>
+          <a:stretch>
+            <a:fillRect/>
+          </a:stretch>
+        </p:blipFill>
+        <p:spPr>
+          <a:xfrm>
+            <a:off x="8081681" y="861940"/>
+            <a:ext cx="3855439" cy="2907043"/>
+          </a:xfrm>
+          <a:prstGeom prst="rect">
+            <a:avLst/>
+          </a:prstGeom>
+        </p:spPr>
+      </p:pic>
+      <p:pic>
+        <p:nvPicPr>
+          <p:cNvPr id="5" name="图片 4" descr="图示&#10;&#10;描述已自动生成">
+            <a:extLst>
+              <a:ext uri="{FF2B5EF4-FFF2-40B4-BE49-F238E27FC236}">
+                <a16:creationId xmlns:a16="http://schemas.microsoft.com/office/drawing/2014/main" id="{222F2A93-4CDE-5A80-CCEF-6CDEB6BAEAED}"/>
+              </a:ext>
+            </a:extLst>
+          </p:cNvPr>
+          <p:cNvPicPr>
+            <a:picLocks noChangeAspect="1"/>
+          </p:cNvPicPr>
+          <p:nvPr/>
+        </p:nvPicPr>
+        <p:blipFill>
+          <a:blip r:embed="rId5">
+            <a:extLst>
+              <a:ext uri="{28A0092B-C50C-407E-A947-70E740481C1C}">
+                <a14:useLocalDpi xmlns:a14="http://schemas.microsoft.com/office/drawing/2010/main" val="0"/>
+              </a:ext>
+            </a:extLst>
+          </a:blip>
+          <a:stretch>
+            <a:fillRect/>
+          </a:stretch>
+        </p:blipFill>
+        <p:spPr>
+          <a:xfrm>
+            <a:off x="507366" y="1063283"/>
+            <a:ext cx="4891774" cy="2966288"/>
+          </a:xfrm>
+          <a:prstGeom prst="rect">
+            <a:avLst/>
+          </a:prstGeom>
+        </p:spPr>
+      </p:pic>
+      <p:pic>
+        <p:nvPicPr>
+          <p:cNvPr id="9" name="图片 8">
+            <a:extLst>
+              <a:ext uri="{FF2B5EF4-FFF2-40B4-BE49-F238E27FC236}">
+                <a16:creationId xmlns:a16="http://schemas.microsoft.com/office/drawing/2014/main" id="{274C91D3-35BC-AFB3-5FE8-0367F3CFFB83}"/>
+              </a:ext>
+            </a:extLst>
+          </p:cNvPr>
+          <p:cNvPicPr>
+            <a:picLocks noChangeAspect="1"/>
+          </p:cNvPicPr>
+          <p:nvPr/>
+        </p:nvPicPr>
+        <p:blipFill>
+          <a:blip r:embed="rId6"/>
+          <a:stretch>
+            <a:fillRect/>
+          </a:stretch>
+        </p:blipFill>
+        <p:spPr>
+          <a:xfrm>
+            <a:off x="5320451" y="1660623"/>
+            <a:ext cx="4317990" cy="2097037"/>
+          </a:xfrm>
+          <a:prstGeom prst="rect">
+            <a:avLst/>
+          </a:prstGeom>
+        </p:spPr>
+      </p:pic>
+      <p:pic>
+        <p:nvPicPr>
+          <p:cNvPr id="12" name="图片 11" descr="黑暗中亮着的电脑屏幕&#10;&#10;描述已自动生成">
+            <a:extLst>
+              <a:ext uri="{FF2B5EF4-FFF2-40B4-BE49-F238E27FC236}">
+                <a16:creationId xmlns:a16="http://schemas.microsoft.com/office/drawing/2014/main" id="{19B4FF22-CBAB-D83B-318E-A9D96437E5E5}"/>
+              </a:ext>
+            </a:extLst>
+          </p:cNvPr>
+          <p:cNvPicPr>
+            <a:picLocks noChangeAspect="1"/>
+          </p:cNvPicPr>
+          <p:nvPr/>
+        </p:nvPicPr>
+        <p:blipFill>
+          <a:blip r:embed="rId7">
+            <a:extLst>
+              <a:ext uri="{28A0092B-C50C-407E-A947-70E740481C1C}">
+                <a14:useLocalDpi xmlns:a14="http://schemas.microsoft.com/office/drawing/2010/main" val="0"/>
+              </a:ext>
+            </a:extLst>
+          </a:blip>
+          <a:stretch>
+            <a:fillRect/>
+          </a:stretch>
+        </p:blipFill>
+        <p:spPr>
+          <a:xfrm>
+            <a:off x="586054" y="4124656"/>
+            <a:ext cx="4734397" cy="2603919"/>
+          </a:xfrm>
+          <a:prstGeom prst="rect">
+            <a:avLst/>
+          </a:prstGeom>
+        </p:spPr>
+      </p:pic>
+      <p:pic>
+        <p:nvPicPr>
+          <p:cNvPr id="13" name="图片 12">
+            <a:extLst>
+              <a:ext uri="{FF2B5EF4-FFF2-40B4-BE49-F238E27FC236}">
+                <a16:creationId xmlns:a16="http://schemas.microsoft.com/office/drawing/2014/main" id="{8AF3EC30-0B8E-EC24-7410-1C3B485A5692}"/>
+              </a:ext>
+            </a:extLst>
+          </p:cNvPr>
+          <p:cNvPicPr>
+            <a:picLocks noChangeAspect="1"/>
+          </p:cNvPicPr>
+          <p:nvPr/>
+        </p:nvPicPr>
+        <p:blipFill>
+          <a:blip r:embed="rId8"/>
+          <a:stretch>
+            <a:fillRect/>
+          </a:stretch>
+        </p:blipFill>
+        <p:spPr>
+          <a:xfrm>
+            <a:off x="5368812" y="4350063"/>
+            <a:ext cx="6688155" cy="2153107"/>
           </a:xfrm>
           <a:prstGeom prst="rect">
             <a:avLst/>
@@ -12318,6 +14804,893 @@
       </p:grpSpPr>
       <p:sp>
         <p:nvSpPr>
+          <p:cNvPr id="38" name="6">
+            <a:extLst>
+              <a:ext uri="{FF2B5EF4-FFF2-40B4-BE49-F238E27FC236}">
+                <a16:creationId xmlns:a16="http://schemas.microsoft.com/office/drawing/2014/main" id="{48488B04-52DC-4DF9-BC44-951F34DBBEEC}"/>
+              </a:ext>
+            </a:extLst>
+          </p:cNvPr>
+          <p:cNvSpPr/>
+          <p:nvPr/>
+        </p:nvSpPr>
+        <p:spPr bwMode="auto">
+          <a:xfrm rot="5400000">
+            <a:off x="4819090" y="1247709"/>
+            <a:ext cx="2233978" cy="1942411"/>
+          </a:xfrm>
+          <a:custGeom>
+            <a:avLst/>
+            <a:gdLst>
+              <a:gd name="T0" fmla="*/ 365 w 1306"/>
+              <a:gd name="T1" fmla="*/ 1149 h 1149"/>
+              <a:gd name="T2" fmla="*/ 300 w 1306"/>
+              <a:gd name="T3" fmla="*/ 1111 h 1149"/>
+              <a:gd name="T4" fmla="*/ 12 w 1306"/>
+              <a:gd name="T5" fmla="*/ 613 h 1149"/>
+              <a:gd name="T6" fmla="*/ 12 w 1306"/>
+              <a:gd name="T7" fmla="*/ 537 h 1149"/>
+              <a:gd name="T8" fmla="*/ 300 w 1306"/>
+              <a:gd name="T9" fmla="*/ 38 h 1149"/>
+              <a:gd name="T10" fmla="*/ 365 w 1306"/>
+              <a:gd name="T11" fmla="*/ 0 h 1149"/>
+              <a:gd name="T12" fmla="*/ 941 w 1306"/>
+              <a:gd name="T13" fmla="*/ 0 h 1149"/>
+              <a:gd name="T14" fmla="*/ 1006 w 1306"/>
+              <a:gd name="T15" fmla="*/ 38 h 1149"/>
+              <a:gd name="T16" fmla="*/ 1294 w 1306"/>
+              <a:gd name="T17" fmla="*/ 537 h 1149"/>
+              <a:gd name="T18" fmla="*/ 1294 w 1306"/>
+              <a:gd name="T19" fmla="*/ 613 h 1149"/>
+              <a:gd name="T20" fmla="*/ 1006 w 1306"/>
+              <a:gd name="T21" fmla="*/ 1111 h 1149"/>
+              <a:gd name="T22" fmla="*/ 941 w 1306"/>
+              <a:gd name="T23" fmla="*/ 1149 h 1149"/>
+              <a:gd name="T24" fmla="*/ 365 w 1306"/>
+              <a:gd name="T25" fmla="*/ 1149 h 1149"/>
+            </a:gdLst>
+            <a:ahLst/>
+            <a:cxnLst>
+              <a:cxn ang="0">
+                <a:pos x="T0" y="T1"/>
+              </a:cxn>
+              <a:cxn ang="0">
+                <a:pos x="T2" y="T3"/>
+              </a:cxn>
+              <a:cxn ang="0">
+                <a:pos x="T4" y="T5"/>
+              </a:cxn>
+              <a:cxn ang="0">
+                <a:pos x="T6" y="T7"/>
+              </a:cxn>
+              <a:cxn ang="0">
+                <a:pos x="T8" y="T9"/>
+              </a:cxn>
+              <a:cxn ang="0">
+                <a:pos x="T10" y="T11"/>
+              </a:cxn>
+              <a:cxn ang="0">
+                <a:pos x="T12" y="T13"/>
+              </a:cxn>
+              <a:cxn ang="0">
+                <a:pos x="T14" y="T15"/>
+              </a:cxn>
+              <a:cxn ang="0">
+                <a:pos x="T16" y="T17"/>
+              </a:cxn>
+              <a:cxn ang="0">
+                <a:pos x="T18" y="T19"/>
+              </a:cxn>
+              <a:cxn ang="0">
+                <a:pos x="T20" y="T21"/>
+              </a:cxn>
+              <a:cxn ang="0">
+                <a:pos x="T22" y="T23"/>
+              </a:cxn>
+              <a:cxn ang="0">
+                <a:pos x="T24" y="T25"/>
+              </a:cxn>
+            </a:cxnLst>
+            <a:rect l="0" t="0" r="r" b="b"/>
+            <a:pathLst>
+              <a:path w="1306" h="1149">
+                <a:moveTo>
+                  <a:pt x="365" y="1149"/>
+                </a:moveTo>
+                <a:cubicBezTo>
+                  <a:pt x="341" y="1149"/>
+                  <a:pt x="312" y="1132"/>
+                  <a:pt x="300" y="1111"/>
+                </a:cubicBezTo>
+                <a:cubicBezTo>
+                  <a:pt x="12" y="613"/>
+                  <a:pt x="12" y="613"/>
+                  <a:pt x="12" y="613"/>
+                </a:cubicBezTo>
+                <a:cubicBezTo>
+                  <a:pt x="0" y="592"/>
+                  <a:pt x="0" y="558"/>
+                  <a:pt x="12" y="537"/>
+                </a:cubicBezTo>
+                <a:cubicBezTo>
+                  <a:pt x="300" y="38"/>
+                  <a:pt x="300" y="38"/>
+                  <a:pt x="300" y="38"/>
+                </a:cubicBezTo>
+                <a:cubicBezTo>
+                  <a:pt x="312" y="17"/>
+                  <a:pt x="341" y="0"/>
+                  <a:pt x="365" y="0"/>
+                </a:cubicBezTo>
+                <a:cubicBezTo>
+                  <a:pt x="941" y="0"/>
+                  <a:pt x="941" y="0"/>
+                  <a:pt x="941" y="0"/>
+                </a:cubicBezTo>
+                <a:cubicBezTo>
+                  <a:pt x="965" y="0"/>
+                  <a:pt x="994" y="17"/>
+                  <a:pt x="1006" y="38"/>
+                </a:cubicBezTo>
+                <a:cubicBezTo>
+                  <a:pt x="1294" y="537"/>
+                  <a:pt x="1294" y="537"/>
+                  <a:pt x="1294" y="537"/>
+                </a:cubicBezTo>
+                <a:cubicBezTo>
+                  <a:pt x="1306" y="558"/>
+                  <a:pt x="1306" y="592"/>
+                  <a:pt x="1294" y="613"/>
+                </a:cubicBezTo>
+                <a:cubicBezTo>
+                  <a:pt x="1006" y="1111"/>
+                  <a:pt x="1006" y="1111"/>
+                  <a:pt x="1006" y="1111"/>
+                </a:cubicBezTo>
+                <a:cubicBezTo>
+                  <a:pt x="994" y="1132"/>
+                  <a:pt x="965" y="1149"/>
+                  <a:pt x="941" y="1149"/>
+                </a:cubicBezTo>
+                <a:lnTo>
+                  <a:pt x="365" y="1149"/>
+                </a:lnTo>
+                <a:close/>
+              </a:path>
+            </a:pathLst>
+          </a:custGeom>
+          <a:solidFill>
+            <a:srgbClr val="93C3C2"/>
+          </a:solidFill>
+          <a:ln>
+            <a:noFill/>
+          </a:ln>
+          <a:effectLst>
+            <a:outerShdw blurRad="63500" algn="ctr" rotWithShape="0">
+              <a:prstClr val="black">
+                <a:alpha val="40000"/>
+              </a:prstClr>
+            </a:outerShdw>
+          </a:effectLst>
+        </p:spPr>
+        <p:style>
+          <a:lnRef idx="2">
+            <a:schemeClr val="accent1">
+              <a:shade val="50000"/>
+            </a:schemeClr>
+          </a:lnRef>
+          <a:fillRef idx="1">
+            <a:schemeClr val="accent1"/>
+          </a:fillRef>
+          <a:effectRef idx="0">
+            <a:schemeClr val="accent1"/>
+          </a:effectRef>
+          <a:fontRef idx="minor">
+            <a:schemeClr val="lt1"/>
+          </a:fontRef>
+        </p:style>
+        <p:txBody>
+          <a:bodyPr rtlCol="0" anchor="ctr"/>
+          <a:lstStyle/>
+          <a:p>
+            <a:pPr algn="ctr"/>
+            <a:endParaRPr lang="zh-CN" altLang="en-US" sz="3599">
+              <a:solidFill>
+                <a:srgbClr val="FFFFFF"/>
+              </a:solidFill>
+              <a:latin typeface="Arial" panose="020B0604020202020204" pitchFamily="34" charset="0"/>
+              <a:ea typeface="思源黑体 CN Regular" panose="020B0500000000000000" pitchFamily="34" charset="-122"/>
+              <a:cs typeface="+mn-ea"/>
+              <a:sym typeface="Arial" panose="020B0604020202020204" pitchFamily="34" charset="0"/>
+            </a:endParaRPr>
+          </a:p>
+        </p:txBody>
+      </p:sp>
+      <p:sp>
+        <p:nvSpPr>
+          <p:cNvPr id="39" name="4">
+            <a:extLst>
+              <a:ext uri="{FF2B5EF4-FFF2-40B4-BE49-F238E27FC236}">
+                <a16:creationId xmlns:a16="http://schemas.microsoft.com/office/drawing/2014/main" id="{A9504009-67AB-4F44-8FCF-E182A8706CAA}"/>
+              </a:ext>
+            </a:extLst>
+          </p:cNvPr>
+          <p:cNvSpPr txBox="1"/>
+          <p:nvPr>
+            <p:custDataLst>
+              <p:tags r:id="rId1"/>
+            </p:custDataLst>
+          </p:nvPr>
+        </p:nvSpPr>
+        <p:spPr>
+          <a:xfrm>
+            <a:off x="4579553" y="1537020"/>
+            <a:ext cx="2713054" cy="1440686"/>
+          </a:xfrm>
+          <a:prstGeom prst="rect">
+            <a:avLst/>
+          </a:prstGeom>
+          <a:noFill/>
+        </p:spPr>
+        <p:txBody>
+          <a:bodyPr wrap="square" lIns="85983" tIns="42991" rIns="85983" bIns="42991">
+            <a:spAutoFit/>
+          </a:bodyPr>
+          <a:lstStyle/>
+          <a:p>
+            <a:pPr algn="ctr">
+              <a:defRPr/>
+            </a:pPr>
+            <a:r>
+              <a:rPr lang="en-US" altLang="zh-CN" sz="8797" dirty="0">
+                <a:solidFill>
+                  <a:schemeClr val="bg1"/>
+                </a:solidFill>
+                <a:latin typeface="Arial" panose="020B0604020202020204" pitchFamily="34" charset="0"/>
+                <a:ea typeface="思源黑体 CN Regular" panose="020B0500000000000000" pitchFamily="34" charset="-122"/>
+                <a:cs typeface="+mn-ea"/>
+                <a:sym typeface="Arial" panose="020B0604020202020204" pitchFamily="34" charset="0"/>
+              </a:rPr>
+              <a:t>02</a:t>
+            </a:r>
+          </a:p>
+        </p:txBody>
+      </p:sp>
+      <p:sp>
+        <p:nvSpPr>
+          <p:cNvPr id="41" name="2">
+            <a:extLst>
+              <a:ext uri="{FF2B5EF4-FFF2-40B4-BE49-F238E27FC236}">
+                <a16:creationId xmlns:a16="http://schemas.microsoft.com/office/drawing/2014/main" id="{E01395C7-8230-4890-B209-7D41ECCF4130}"/>
+              </a:ext>
+            </a:extLst>
+          </p:cNvPr>
+          <p:cNvSpPr txBox="1"/>
+          <p:nvPr>
+            <p:custDataLst>
+              <p:tags r:id="rId2"/>
+            </p:custDataLst>
+          </p:nvPr>
+        </p:nvSpPr>
+        <p:spPr>
+          <a:xfrm>
+            <a:off x="2066916" y="3476090"/>
+            <a:ext cx="7738325" cy="3133810"/>
+          </a:xfrm>
+          <a:prstGeom prst="rect">
+            <a:avLst/>
+          </a:prstGeom>
+          <a:noFill/>
+        </p:spPr>
+        <p:txBody>
+          <a:bodyPr wrap="square" lIns="85983" tIns="42991" rIns="85983" bIns="42991">
+            <a:spAutoFit/>
+          </a:bodyPr>
+          <a:lstStyle>
+            <a:lvl1pPr>
+              <a:defRPr>
+                <a:solidFill>
+                  <a:schemeClr val="tx1"/>
+                </a:solidFill>
+                <a:latin typeface="Calibri" panose="020F0502020204030204" pitchFamily="34" charset="0"/>
+              </a:defRPr>
+            </a:lvl1pPr>
+            <a:lvl2pPr marL="742950" indent="-285750">
+              <a:defRPr>
+                <a:solidFill>
+                  <a:schemeClr val="tx1"/>
+                </a:solidFill>
+                <a:latin typeface="Calibri" panose="020F0502020204030204" pitchFamily="34" charset="0"/>
+              </a:defRPr>
+            </a:lvl2pPr>
+            <a:lvl3pPr marL="1143000" indent="-228600">
+              <a:defRPr>
+                <a:solidFill>
+                  <a:schemeClr val="tx1"/>
+                </a:solidFill>
+                <a:latin typeface="Calibri" panose="020F0502020204030204" pitchFamily="34" charset="0"/>
+              </a:defRPr>
+            </a:lvl3pPr>
+            <a:lvl4pPr marL="1600200" indent="-228600">
+              <a:defRPr>
+                <a:solidFill>
+                  <a:schemeClr val="tx1"/>
+                </a:solidFill>
+                <a:latin typeface="Calibri" panose="020F0502020204030204" pitchFamily="34" charset="0"/>
+              </a:defRPr>
+            </a:lvl4pPr>
+            <a:lvl5pPr marL="2057400" indent="-228600">
+              <a:defRPr>
+                <a:solidFill>
+                  <a:schemeClr val="tx1"/>
+                </a:solidFill>
+                <a:latin typeface="Calibri" panose="020F0502020204030204" pitchFamily="34" charset="0"/>
+              </a:defRPr>
+            </a:lvl5pPr>
+            <a:lvl6pPr marL="2514600" indent="-228600" defTabSz="912495" fontAlgn="base">
+              <a:spcBef>
+                <a:spcPct val="0"/>
+              </a:spcBef>
+              <a:spcAft>
+                <a:spcPct val="0"/>
+              </a:spcAft>
+              <a:defRPr>
+                <a:solidFill>
+                  <a:schemeClr val="tx1"/>
+                </a:solidFill>
+                <a:latin typeface="Calibri" panose="020F0502020204030204" pitchFamily="34" charset="0"/>
+              </a:defRPr>
+            </a:lvl6pPr>
+            <a:lvl7pPr marL="2971800" indent="-228600" defTabSz="912495" fontAlgn="base">
+              <a:spcBef>
+                <a:spcPct val="0"/>
+              </a:spcBef>
+              <a:spcAft>
+                <a:spcPct val="0"/>
+              </a:spcAft>
+              <a:defRPr>
+                <a:solidFill>
+                  <a:schemeClr val="tx1"/>
+                </a:solidFill>
+                <a:latin typeface="Calibri" panose="020F0502020204030204" pitchFamily="34" charset="0"/>
+              </a:defRPr>
+            </a:lvl7pPr>
+            <a:lvl8pPr marL="3429000" indent="-228600" defTabSz="912495" fontAlgn="base">
+              <a:spcBef>
+                <a:spcPct val="0"/>
+              </a:spcBef>
+              <a:spcAft>
+                <a:spcPct val="0"/>
+              </a:spcAft>
+              <a:defRPr>
+                <a:solidFill>
+                  <a:schemeClr val="tx1"/>
+                </a:solidFill>
+                <a:latin typeface="Calibri" panose="020F0502020204030204" pitchFamily="34" charset="0"/>
+              </a:defRPr>
+            </a:lvl8pPr>
+            <a:lvl9pPr marL="3886200" indent="-228600" defTabSz="912495" fontAlgn="base">
+              <a:spcBef>
+                <a:spcPct val="0"/>
+              </a:spcBef>
+              <a:spcAft>
+                <a:spcPct val="0"/>
+              </a:spcAft>
+              <a:defRPr>
+                <a:solidFill>
+                  <a:schemeClr val="tx1"/>
+                </a:solidFill>
+                <a:latin typeface="Calibri" panose="020F0502020204030204" pitchFamily="34" charset="0"/>
+              </a:defRPr>
+            </a:lvl9pPr>
+          </a:lstStyle>
+          <a:p>
+            <a:pPr algn="dist"/>
+            <a:r>
+              <a:rPr lang="en-US" altLang="zh-CN" sz="6600" b="1" dirty="0">
+                <a:solidFill>
+                  <a:schemeClr val="tx1">
+                    <a:lumMod val="85000"/>
+                    <a:lumOff val="15000"/>
+                  </a:schemeClr>
+                </a:solidFill>
+                <a:latin typeface="Arial" panose="020B0604020202020204" pitchFamily="34" charset="0"/>
+                <a:ea typeface="思源黑体 CN Regular" panose="020B0500000000000000" pitchFamily="34" charset="-122"/>
+                <a:cs typeface="+mn-ea"/>
+                <a:sym typeface="Arial" panose="020B0604020202020204" pitchFamily="34" charset="0"/>
+              </a:rPr>
+              <a:t>Seq2Seq Structure</a:t>
+            </a:r>
+          </a:p>
+          <a:p>
+            <a:pPr algn="dist"/>
+            <a:endParaRPr lang="en-US" altLang="zh-CN" sz="6600" b="1" dirty="0">
+              <a:solidFill>
+                <a:schemeClr val="tx1">
+                  <a:lumMod val="85000"/>
+                  <a:lumOff val="15000"/>
+                </a:schemeClr>
+              </a:solidFill>
+              <a:latin typeface="Arial" panose="020B0604020202020204" pitchFamily="34" charset="0"/>
+              <a:ea typeface="思源黑体 CN Regular" panose="020B0500000000000000" pitchFamily="34" charset="-122"/>
+              <a:cs typeface="+mn-ea"/>
+              <a:sym typeface="Arial" panose="020B0604020202020204" pitchFamily="34" charset="0"/>
+            </a:endParaRPr>
+          </a:p>
+          <a:p>
+            <a:pPr algn="dist"/>
+            <a:endParaRPr lang="zh-CN" altLang="en-US" sz="6600" b="1" dirty="0">
+              <a:solidFill>
+                <a:schemeClr val="tx1">
+                  <a:lumMod val="85000"/>
+                  <a:lumOff val="15000"/>
+                </a:schemeClr>
+              </a:solidFill>
+              <a:latin typeface="Arial" panose="020B0604020202020204" pitchFamily="34" charset="0"/>
+              <a:ea typeface="思源黑体 CN Regular" panose="020B0500000000000000" pitchFamily="34" charset="-122"/>
+              <a:cs typeface="+mn-ea"/>
+              <a:sym typeface="Arial" panose="020B0604020202020204" pitchFamily="34" charset="0"/>
+            </a:endParaRPr>
+          </a:p>
+        </p:txBody>
+      </p:sp>
+      <p:sp>
+        <p:nvSpPr>
+          <p:cNvPr id="8" name="平行四边形 7">
+            <a:extLst>
+              <a:ext uri="{FF2B5EF4-FFF2-40B4-BE49-F238E27FC236}">
+                <a16:creationId xmlns:a16="http://schemas.microsoft.com/office/drawing/2014/main" id="{A4DFF303-64C5-2B46-8FF5-969720EBCBBF}"/>
+              </a:ext>
+            </a:extLst>
+          </p:cNvPr>
+          <p:cNvSpPr/>
+          <p:nvPr/>
+        </p:nvSpPr>
+        <p:spPr>
+          <a:xfrm>
+            <a:off x="-1292270" y="294519"/>
+            <a:ext cx="2584540" cy="2365194"/>
+          </a:xfrm>
+          <a:prstGeom prst="parallelogram">
+            <a:avLst>
+              <a:gd name="adj" fmla="val 100148"/>
+            </a:avLst>
+          </a:prstGeom>
+          <a:solidFill>
+            <a:schemeClr val="tx2">
+              <a:lumMod val="60000"/>
+              <a:lumOff val="40000"/>
+            </a:schemeClr>
+          </a:solidFill>
+          <a:ln>
+            <a:noFill/>
+          </a:ln>
+        </p:spPr>
+        <p:style>
+          <a:lnRef idx="2">
+            <a:schemeClr val="accent1">
+              <a:shade val="50000"/>
+            </a:schemeClr>
+          </a:lnRef>
+          <a:fillRef idx="1">
+            <a:schemeClr val="accent1"/>
+          </a:fillRef>
+          <a:effectRef idx="0">
+            <a:schemeClr val="accent1"/>
+          </a:effectRef>
+          <a:fontRef idx="minor">
+            <a:schemeClr val="lt1"/>
+          </a:fontRef>
+        </p:style>
+        <p:txBody>
+          <a:bodyPr rtlCol="0" anchor="ctr"/>
+          <a:lstStyle/>
+          <a:p>
+            <a:pPr algn="ctr"/>
+            <a:endParaRPr kumimoji="1" lang="zh-CN" altLang="en-US">
+              <a:latin typeface="Arial" panose="020B0604020202020204" pitchFamily="34" charset="0"/>
+              <a:ea typeface="思源黑体 CN Regular" panose="020B0500000000000000" pitchFamily="34" charset="-122"/>
+              <a:cs typeface="+mn-ea"/>
+              <a:sym typeface="Arial" panose="020B0604020202020204" pitchFamily="34" charset="0"/>
+            </a:endParaRPr>
+          </a:p>
+        </p:txBody>
+      </p:sp>
+      <p:sp>
+        <p:nvSpPr>
+          <p:cNvPr id="9" name="平行四边形 8">
+            <a:extLst>
+              <a:ext uri="{FF2B5EF4-FFF2-40B4-BE49-F238E27FC236}">
+                <a16:creationId xmlns:a16="http://schemas.microsoft.com/office/drawing/2014/main" id="{BA8E2AFE-4DB1-D84B-84F9-297A3310E288}"/>
+              </a:ext>
+            </a:extLst>
+          </p:cNvPr>
+          <p:cNvSpPr/>
+          <p:nvPr/>
+        </p:nvSpPr>
+        <p:spPr>
+          <a:xfrm>
+            <a:off x="510083" y="-888078"/>
+            <a:ext cx="2584540" cy="2365194"/>
+          </a:xfrm>
+          <a:prstGeom prst="parallelogram">
+            <a:avLst>
+              <a:gd name="adj" fmla="val 100148"/>
+            </a:avLst>
+          </a:prstGeom>
+          <a:solidFill>
+            <a:srgbClr val="E4EEEF"/>
+          </a:solidFill>
+          <a:ln>
+            <a:noFill/>
+          </a:ln>
+        </p:spPr>
+        <p:style>
+          <a:lnRef idx="2">
+            <a:schemeClr val="accent1">
+              <a:shade val="50000"/>
+            </a:schemeClr>
+          </a:lnRef>
+          <a:fillRef idx="1">
+            <a:schemeClr val="accent1"/>
+          </a:fillRef>
+          <a:effectRef idx="0">
+            <a:schemeClr val="accent1"/>
+          </a:effectRef>
+          <a:fontRef idx="minor">
+            <a:schemeClr val="lt1"/>
+          </a:fontRef>
+        </p:style>
+        <p:txBody>
+          <a:bodyPr rtlCol="0" anchor="ctr"/>
+          <a:lstStyle/>
+          <a:p>
+            <a:pPr algn="ctr"/>
+            <a:endParaRPr kumimoji="1" lang="zh-CN" altLang="en-US">
+              <a:latin typeface="Arial" panose="020B0604020202020204" pitchFamily="34" charset="0"/>
+              <a:ea typeface="思源黑体 CN Regular" panose="020B0500000000000000" pitchFamily="34" charset="-122"/>
+              <a:cs typeface="+mn-ea"/>
+              <a:sym typeface="Arial" panose="020B0604020202020204" pitchFamily="34" charset="0"/>
+            </a:endParaRPr>
+          </a:p>
+        </p:txBody>
+      </p:sp>
+      <p:sp>
+        <p:nvSpPr>
+          <p:cNvPr id="10" name="平行四边形 9">
+            <a:extLst>
+              <a:ext uri="{FF2B5EF4-FFF2-40B4-BE49-F238E27FC236}">
+                <a16:creationId xmlns:a16="http://schemas.microsoft.com/office/drawing/2014/main" id="{7AD87EAA-9BAE-CA4F-B955-A89E3867943E}"/>
+              </a:ext>
+            </a:extLst>
+          </p:cNvPr>
+          <p:cNvSpPr/>
+          <p:nvPr/>
+        </p:nvSpPr>
+        <p:spPr>
+          <a:xfrm>
+            <a:off x="9094202" y="5427303"/>
+            <a:ext cx="2584540" cy="2365194"/>
+          </a:xfrm>
+          <a:prstGeom prst="parallelogram">
+            <a:avLst>
+              <a:gd name="adj" fmla="val 100148"/>
+            </a:avLst>
+          </a:prstGeom>
+          <a:solidFill>
+            <a:schemeClr val="tx2">
+              <a:lumMod val="60000"/>
+              <a:lumOff val="40000"/>
+            </a:schemeClr>
+          </a:solidFill>
+          <a:ln>
+            <a:noFill/>
+          </a:ln>
+        </p:spPr>
+        <p:style>
+          <a:lnRef idx="2">
+            <a:schemeClr val="accent1">
+              <a:shade val="50000"/>
+            </a:schemeClr>
+          </a:lnRef>
+          <a:fillRef idx="1">
+            <a:schemeClr val="accent1"/>
+          </a:fillRef>
+          <a:effectRef idx="0">
+            <a:schemeClr val="accent1"/>
+          </a:effectRef>
+          <a:fontRef idx="minor">
+            <a:schemeClr val="lt1"/>
+          </a:fontRef>
+        </p:style>
+        <p:txBody>
+          <a:bodyPr rtlCol="0" anchor="ctr"/>
+          <a:lstStyle/>
+          <a:p>
+            <a:pPr algn="ctr"/>
+            <a:endParaRPr kumimoji="1" lang="zh-CN" altLang="en-US">
+              <a:latin typeface="Arial" panose="020B0604020202020204" pitchFamily="34" charset="0"/>
+              <a:ea typeface="思源黑体 CN Regular" panose="020B0500000000000000" pitchFamily="34" charset="-122"/>
+              <a:cs typeface="+mn-ea"/>
+              <a:sym typeface="Arial" panose="020B0604020202020204" pitchFamily="34" charset="0"/>
+            </a:endParaRPr>
+          </a:p>
+        </p:txBody>
+      </p:sp>
+      <p:sp>
+        <p:nvSpPr>
+          <p:cNvPr id="11" name="平行四边形 10">
+            <a:extLst>
+              <a:ext uri="{FF2B5EF4-FFF2-40B4-BE49-F238E27FC236}">
+                <a16:creationId xmlns:a16="http://schemas.microsoft.com/office/drawing/2014/main" id="{19DC2462-77B8-744F-83AE-B0E2AEEAA8E4}"/>
+              </a:ext>
+            </a:extLst>
+          </p:cNvPr>
+          <p:cNvSpPr/>
+          <p:nvPr/>
+        </p:nvSpPr>
+        <p:spPr>
+          <a:xfrm>
+            <a:off x="10896555" y="4244706"/>
+            <a:ext cx="2584540" cy="2365194"/>
+          </a:xfrm>
+          <a:prstGeom prst="parallelogram">
+            <a:avLst>
+              <a:gd name="adj" fmla="val 100148"/>
+            </a:avLst>
+          </a:prstGeom>
+          <a:solidFill>
+            <a:srgbClr val="E4EEEF"/>
+          </a:solidFill>
+          <a:ln>
+            <a:noFill/>
+          </a:ln>
+        </p:spPr>
+        <p:style>
+          <a:lnRef idx="2">
+            <a:schemeClr val="accent1">
+              <a:shade val="50000"/>
+            </a:schemeClr>
+          </a:lnRef>
+          <a:fillRef idx="1">
+            <a:schemeClr val="accent1"/>
+          </a:fillRef>
+          <a:effectRef idx="0">
+            <a:schemeClr val="accent1"/>
+          </a:effectRef>
+          <a:fontRef idx="minor">
+            <a:schemeClr val="lt1"/>
+          </a:fontRef>
+        </p:style>
+        <p:txBody>
+          <a:bodyPr rtlCol="0" anchor="ctr"/>
+          <a:lstStyle/>
+          <a:p>
+            <a:pPr algn="ctr"/>
+            <a:endParaRPr kumimoji="1" lang="zh-CN" altLang="en-US">
+              <a:latin typeface="Arial" panose="020B0604020202020204" pitchFamily="34" charset="0"/>
+              <a:ea typeface="思源黑体 CN Regular" panose="020B0500000000000000" pitchFamily="34" charset="-122"/>
+              <a:cs typeface="+mn-ea"/>
+              <a:sym typeface="Arial" panose="020B0604020202020204" pitchFamily="34" charset="0"/>
+            </a:endParaRPr>
+          </a:p>
+        </p:txBody>
+      </p:sp>
+    </p:spTree>
+    <p:extLst>
+      <p:ext uri="{BB962C8B-B14F-4D97-AF65-F5344CB8AC3E}">
+        <p14:creationId xmlns:p14="http://schemas.microsoft.com/office/powerpoint/2010/main" val="3918913259"/>
+      </p:ext>
+    </p:extLst>
+  </p:cSld>
+  <p:clrMapOvr>
+    <a:masterClrMapping/>
+  </p:clrMapOvr>
+  <p:timing>
+    <p:tnLst>
+      <p:par>
+        <p:cTn id="1" dur="indefinite" restart="never" nodeType="tmRoot">
+          <p:childTnLst>
+            <p:seq concurrent="1" nextAc="seek">
+              <p:cTn id="2" dur="indefinite" nodeType="mainSeq">
+                <p:childTnLst>
+                  <p:par>
+                    <p:cTn id="3" fill="hold">
+                      <p:stCondLst>
+                        <p:cond delay="indefinite"/>
+                        <p:cond evt="onBegin" delay="0">
+                          <p:tn val="2"/>
+                        </p:cond>
+                      </p:stCondLst>
+                      <p:childTnLst>
+                        <p:par>
+                          <p:cTn id="4" fill="hold">
+                            <p:stCondLst>
+                              <p:cond delay="0"/>
+                            </p:stCondLst>
+                            <p:childTnLst>
+                              <p:par>
+                                <p:cTn id="5" presetID="14" presetClass="entr" presetSubtype="10" fill="hold" grpId="0" nodeType="afterEffect">
+                                  <p:stCondLst>
+                                    <p:cond delay="0"/>
+                                  </p:stCondLst>
+                                  <p:childTnLst>
+                                    <p:set>
+                                      <p:cBhvr>
+                                        <p:cTn id="6" dur="1" fill="hold">
+                                          <p:stCondLst>
+                                            <p:cond delay="0"/>
+                                          </p:stCondLst>
+                                        </p:cTn>
+                                        <p:tgtEl>
+                                          <p:spTgt spid="39"/>
+                                        </p:tgtEl>
+                                        <p:attrNameLst>
+                                          <p:attrName>style.visibility</p:attrName>
+                                        </p:attrNameLst>
+                                      </p:cBhvr>
+                                      <p:to>
+                                        <p:strVal val="visible"/>
+                                      </p:to>
+                                    </p:set>
+                                    <p:animEffect transition="in" filter="randombar(horizontal)">
+                                      <p:cBhvr>
+                                        <p:cTn id="7" dur="500"/>
+                                        <p:tgtEl>
+                                          <p:spTgt spid="39"/>
+                                        </p:tgtEl>
+                                      </p:cBhvr>
+                                    </p:animEffect>
+                                  </p:childTnLst>
+                                </p:cTn>
+                              </p:par>
+                            </p:childTnLst>
+                          </p:cTn>
+                        </p:par>
+                        <p:par>
+                          <p:cTn id="8" fill="hold">
+                            <p:stCondLst>
+                              <p:cond delay="500"/>
+                            </p:stCondLst>
+                            <p:childTnLst>
+                              <p:par>
+                                <p:cTn id="9" presetID="52" presetClass="entr" presetSubtype="0" fill="hold" grpId="0" nodeType="afterEffect">
+                                  <p:stCondLst>
+                                    <p:cond delay="0"/>
+                                  </p:stCondLst>
+                                  <p:iterate type="lt">
+                                    <p:tmPct val="10000"/>
+                                  </p:iterate>
+                                  <p:childTnLst>
+                                    <p:set>
+                                      <p:cBhvr>
+                                        <p:cTn id="10" dur="1" fill="hold">
+                                          <p:stCondLst>
+                                            <p:cond delay="0"/>
+                                          </p:stCondLst>
+                                        </p:cTn>
+                                        <p:tgtEl>
+                                          <p:spTgt spid="41">
+                                            <p:txEl>
+                                              <p:pRg st="0" end="0"/>
+                                            </p:txEl>
+                                          </p:spTgt>
+                                        </p:tgtEl>
+                                        <p:attrNameLst>
+                                          <p:attrName>style.visibility</p:attrName>
+                                        </p:attrNameLst>
+                                      </p:cBhvr>
+                                      <p:to>
+                                        <p:strVal val="visible"/>
+                                      </p:to>
+                                    </p:set>
+                                    <p:animScale>
+                                      <p:cBhvr>
+                                        <p:cTn id="11" dur="1000" decel="50000" fill="hold">
+                                          <p:stCondLst>
+                                            <p:cond delay="0"/>
+                                          </p:stCondLst>
+                                        </p:cTn>
+                                        <p:tgtEl>
+                                          <p:spTgt spid="41">
+                                            <p:txEl>
+                                              <p:pRg st="0" end="0"/>
+                                            </p:txEl>
+                                          </p:spTgt>
+                                        </p:tgtEl>
+                                      </p:cBhvr>
+                                      <p:from x="250000" y="250000"/>
+                                      <p:to x="100000" y="100000"/>
+                                    </p:animScale>
+                                    <p:animMotion origin="layout" path="M -0.46736 0.92887  C -0.37517 0.88508  -0.02552 0.75279  0.0908 0.66613  C  0.20747 0.57948  0.21649 0.50394  0.23177 0.40825  C 0.24705 0.31256  0.22118 0.15964   0.18264 0.09152  C 0.1441 0.02341  0.03802 0.0  0.0 0.0  " pathEditMode="relative" ptsTypes="">
+                                      <p:cBhvr>
+                                        <p:cTn id="12" dur="1000" decel="50000" fill="hold">
+                                          <p:stCondLst>
+                                            <p:cond delay="0"/>
+                                          </p:stCondLst>
+                                        </p:cTn>
+                                        <p:tgtEl>
+                                          <p:spTgt spid="41">
+                                            <p:txEl>
+                                              <p:pRg st="0" end="0"/>
+                                            </p:txEl>
+                                          </p:spTgt>
+                                        </p:tgtEl>
+                                        <p:attrNameLst>
+                                          <p:attrName>ppt_x</p:attrName>
+                                          <p:attrName>ppt_y</p:attrName>
+                                        </p:attrNameLst>
+                                      </p:cBhvr>
+                                    </p:animMotion>
+                                    <p:animEffect transition="in" filter="fade">
+                                      <p:cBhvr>
+                                        <p:cTn id="13" dur="1000"/>
+                                        <p:tgtEl>
+                                          <p:spTgt spid="41">
+                                            <p:txEl>
+                                              <p:pRg st="0" end="0"/>
+                                            </p:txEl>
+                                          </p:spTgt>
+                                        </p:tgtEl>
+                                      </p:cBhvr>
+                                    </p:animEffect>
+                                  </p:childTnLst>
+                                </p:cTn>
+                              </p:par>
+                            </p:childTnLst>
+                          </p:cTn>
+                        </p:par>
+                      </p:childTnLst>
+                    </p:cTn>
+                  </p:par>
+                </p:childTnLst>
+              </p:cTn>
+              <p:prevCondLst>
+                <p:cond evt="onPrev" delay="0">
+                  <p:tgtEl>
+                    <p:sldTgt/>
+                  </p:tgtEl>
+                </p:cond>
+              </p:prevCondLst>
+              <p:nextCondLst>
+                <p:cond evt="onNext" delay="0">
+                  <p:tgtEl>
+                    <p:sldTgt/>
+                  </p:tgtEl>
+                </p:cond>
+              </p:nextCondLst>
+            </p:seq>
+          </p:childTnLst>
+        </p:cTn>
+      </p:par>
+    </p:tnLst>
+    <p:bldLst>
+      <p:bldP spid="39" grpId="0"/>
+      <p:bldP spid="41" grpId="0" build="p"/>
+    </p:bldLst>
+  </p:timing>
+</p:sld>
+</file>
+
+<file path=ppt/slides/slide7.xml><?xml version="1.0" encoding="utf-8"?>
+<p:sld xmlns:a="http://schemas.openxmlformats.org/drawingml/2006/main" xmlns:r="http://schemas.openxmlformats.org/officeDocument/2006/relationships" xmlns:p="http://schemas.openxmlformats.org/presentationml/2006/main">
+  <p:cSld>
+    <p:spTree>
+      <p:nvGrpSpPr>
+        <p:cNvPr id="1" name=""/>
+        <p:cNvGrpSpPr/>
+        <p:nvPr/>
+      </p:nvGrpSpPr>
+      <p:grpSpPr>
+        <a:xfrm>
+          <a:off x="0" y="0"/>
+          <a:ext cx="0" cy="0"/>
+          <a:chOff x="0" y="0"/>
+          <a:chExt cx="0" cy="0"/>
+        </a:xfrm>
+      </p:grpSpPr>
+      <p:sp>
+        <p:nvSpPr>
           <p:cNvPr id="18" name="矩形 17">
             <a:extLst>
               <a:ext uri="{FF2B5EF4-FFF2-40B4-BE49-F238E27FC236}">
@@ -12331,7 +15704,7 @@
         <p:spPr>
           <a:xfrm>
             <a:off x="1128418" y="354830"/>
-            <a:ext cx="2455440" cy="523220"/>
+            <a:ext cx="4129382" cy="523220"/>
           </a:xfrm>
           <a:prstGeom prst="rect">
             <a:avLst/>
@@ -12354,7 +15727,420 @@
                 <a:cs typeface="+mn-ea"/>
                 <a:sym typeface="Arial" panose="020B0604020202020204" pitchFamily="34" charset="0"/>
               </a:rPr>
-              <a:t>Methodology</a:t>
+              <a:t>Sequence to Sequence</a:t>
+            </a:r>
+            <a:endParaRPr lang="zh-CN" altLang="en-US" sz="2800" b="1" dirty="0">
+              <a:solidFill>
+                <a:srgbClr val="93C3C2"/>
+              </a:solidFill>
+              <a:latin typeface="Arial" panose="020B0604020202020204" pitchFamily="34" charset="0"/>
+              <a:ea typeface="思源黑体 CN Regular" panose="020B0500000000000000" pitchFamily="34" charset="-122"/>
+              <a:cs typeface="+mn-ea"/>
+              <a:sym typeface="Arial" panose="020B0604020202020204" pitchFamily="34" charset="0"/>
+            </a:endParaRPr>
+          </a:p>
+        </p:txBody>
+      </p:sp>
+      <p:pic>
+        <p:nvPicPr>
+          <p:cNvPr id="22" name="图片 21"/>
+          <p:cNvPicPr>
+            <a:picLocks noChangeAspect="1"/>
+          </p:cNvPicPr>
+          <p:nvPr/>
+        </p:nvPicPr>
+        <p:blipFill>
+          <a:blip r:embed="rId5">
+            <a:extLst>
+              <a:ext uri="{28A0092B-C50C-407E-A947-70E740481C1C}">
+                <a14:useLocalDpi xmlns:a14="http://schemas.microsoft.com/office/drawing/2010/main" val="0"/>
+              </a:ext>
+            </a:extLst>
+          </a:blip>
+          <a:stretch>
+            <a:fillRect/>
+          </a:stretch>
+        </p:blipFill>
+        <p:spPr>
+          <a:xfrm>
+            <a:off x="10680874" y="214084"/>
+            <a:ext cx="1256246" cy="402356"/>
+          </a:xfrm>
+          <a:prstGeom prst="rect">
+            <a:avLst/>
+          </a:prstGeom>
+        </p:spPr>
+      </p:pic>
+      <p:pic>
+        <p:nvPicPr>
+          <p:cNvPr id="7" name="enc_dec_prob_idea">
+            <a:hlinkClick r:id="" action="ppaction://media"/>
+            <a:extLst>
+              <a:ext uri="{FF2B5EF4-FFF2-40B4-BE49-F238E27FC236}">
+                <a16:creationId xmlns:a16="http://schemas.microsoft.com/office/drawing/2014/main" id="{568AB177-5783-A7DA-0776-DF52756CC866}"/>
+              </a:ext>
+            </a:extLst>
+          </p:cNvPr>
+          <p:cNvPicPr>
+            <a:picLocks noChangeAspect="1"/>
+          </p:cNvPicPr>
+          <p:nvPr>
+            <a:videoFile r:link="rId2"/>
+            <p:extLst>
+              <p:ext uri="{DAA4B4D4-6D71-4841-9C94-3DE7FCFB9230}">
+                <p14:media xmlns:p14="http://schemas.microsoft.com/office/powerpoint/2010/main" r:embed="rId1"/>
+              </p:ext>
+            </p:extLst>
+          </p:nvPr>
+        </p:nvPicPr>
+        <p:blipFill>
+          <a:blip r:embed="rId6"/>
+          <a:stretch>
+            <a:fillRect/>
+          </a:stretch>
+        </p:blipFill>
+        <p:spPr>
+          <a:xfrm>
+            <a:off x="399308" y="1124323"/>
+            <a:ext cx="8024843" cy="4421094"/>
+          </a:xfrm>
+          <a:prstGeom prst="rect">
+            <a:avLst/>
+          </a:prstGeom>
+        </p:spPr>
+      </p:pic>
+      <p:pic>
+        <p:nvPicPr>
+          <p:cNvPr id="10" name="图片 9">
+            <a:extLst>
+              <a:ext uri="{FF2B5EF4-FFF2-40B4-BE49-F238E27FC236}">
+                <a16:creationId xmlns:a16="http://schemas.microsoft.com/office/drawing/2014/main" id="{AA62F442-3C11-63CC-C4F1-B67AD095F50A}"/>
+              </a:ext>
+            </a:extLst>
+          </p:cNvPr>
+          <p:cNvPicPr>
+            <a:picLocks noChangeAspect="1"/>
+          </p:cNvPicPr>
+          <p:nvPr/>
+        </p:nvPicPr>
+        <p:blipFill>
+          <a:blip r:embed="rId7"/>
+          <a:stretch>
+            <a:fillRect/>
+          </a:stretch>
+        </p:blipFill>
+        <p:spPr>
+          <a:xfrm>
+            <a:off x="716609" y="5733677"/>
+            <a:ext cx="4953000" cy="863600"/>
+          </a:xfrm>
+          <a:prstGeom prst="rect">
+            <a:avLst/>
+          </a:prstGeom>
+        </p:spPr>
+      </p:pic>
+      <p:pic>
+        <p:nvPicPr>
+          <p:cNvPr id="11" name="图片 10">
+            <a:extLst>
+              <a:ext uri="{FF2B5EF4-FFF2-40B4-BE49-F238E27FC236}">
+                <a16:creationId xmlns:a16="http://schemas.microsoft.com/office/drawing/2014/main" id="{0BDAACB5-C785-63A2-0A62-18F680A2C662}"/>
+              </a:ext>
+            </a:extLst>
+          </p:cNvPr>
+          <p:cNvPicPr>
+            <a:picLocks noChangeAspect="1"/>
+          </p:cNvPicPr>
+          <p:nvPr/>
+        </p:nvPicPr>
+        <p:blipFill>
+          <a:blip r:embed="rId8"/>
+          <a:stretch>
+            <a:fillRect/>
+          </a:stretch>
+        </p:blipFill>
+        <p:spPr>
+          <a:xfrm>
+            <a:off x="6346561" y="5813671"/>
+            <a:ext cx="4775674" cy="619744"/>
+          </a:xfrm>
+          <a:prstGeom prst="rect">
+            <a:avLst/>
+          </a:prstGeom>
+        </p:spPr>
+      </p:pic>
+      <p:pic>
+        <p:nvPicPr>
+          <p:cNvPr id="12" name="图片 11">
+            <a:extLst>
+              <a:ext uri="{FF2B5EF4-FFF2-40B4-BE49-F238E27FC236}">
+                <a16:creationId xmlns:a16="http://schemas.microsoft.com/office/drawing/2014/main" id="{443ADACD-B696-A0EB-4502-E4A56AC961A9}"/>
+              </a:ext>
+            </a:extLst>
+          </p:cNvPr>
+          <p:cNvPicPr>
+            <a:picLocks noChangeAspect="1"/>
+          </p:cNvPicPr>
+          <p:nvPr/>
+        </p:nvPicPr>
+        <p:blipFill>
+          <a:blip r:embed="rId9"/>
+          <a:stretch>
+            <a:fillRect/>
+          </a:stretch>
+        </p:blipFill>
+        <p:spPr>
+          <a:xfrm>
+            <a:off x="8825522" y="1124323"/>
+            <a:ext cx="2552700" cy="2959100"/>
+          </a:xfrm>
+          <a:prstGeom prst="rect">
+            <a:avLst/>
+          </a:prstGeom>
+        </p:spPr>
+      </p:pic>
+      <p:pic>
+        <p:nvPicPr>
+          <p:cNvPr id="13" name="图片 12">
+            <a:extLst>
+              <a:ext uri="{FF2B5EF4-FFF2-40B4-BE49-F238E27FC236}">
+                <a16:creationId xmlns:a16="http://schemas.microsoft.com/office/drawing/2014/main" id="{49A69124-6E5A-363E-EC27-4F8C9D6E6767}"/>
+              </a:ext>
+            </a:extLst>
+          </p:cNvPr>
+          <p:cNvPicPr>
+            <a:picLocks noChangeAspect="1"/>
+          </p:cNvPicPr>
+          <p:nvPr/>
+        </p:nvPicPr>
+        <p:blipFill>
+          <a:blip r:embed="rId10"/>
+          <a:stretch>
+            <a:fillRect/>
+          </a:stretch>
+        </p:blipFill>
+        <p:spPr>
+          <a:xfrm>
+            <a:off x="8825522" y="4261827"/>
+            <a:ext cx="3111598" cy="1173973"/>
+          </a:xfrm>
+          <a:prstGeom prst="rect">
+            <a:avLst/>
+          </a:prstGeom>
+        </p:spPr>
+      </p:pic>
+    </p:spTree>
+    <p:extLst>
+      <p:ext uri="{BB962C8B-B14F-4D97-AF65-F5344CB8AC3E}">
+        <p14:creationId xmlns:p14="http://schemas.microsoft.com/office/powerpoint/2010/main" val="2512321977"/>
+      </p:ext>
+    </p:extLst>
+  </p:cSld>
+  <p:clrMapOvr>
+    <a:masterClrMapping/>
+  </p:clrMapOvr>
+  <mc:AlternateContent xmlns:mc="http://schemas.openxmlformats.org/markup-compatibility/2006" xmlns:p14="http://schemas.microsoft.com/office/powerpoint/2010/main">
+    <mc:Choice Requires="p14">
+      <p:transition spd="slow" p14:dur="2000" advTm="3000"/>
+    </mc:Choice>
+    <mc:Fallback xmlns="">
+      <p:transition spd="slow" advTm="3000"/>
+    </mc:Fallback>
+  </mc:AlternateContent>
+  <p:timing>
+    <p:tnLst>
+      <p:par>
+        <p:cTn id="1" dur="indefinite" restart="never" nodeType="tmRoot">
+          <p:childTnLst>
+            <p:seq concurrent="1" nextAc="seek">
+              <p:cTn id="2" dur="indefinite" nodeType="mainSeq">
+                <p:childTnLst>
+                  <p:par>
+                    <p:cTn id="3" fill="hold">
+                      <p:stCondLst>
+                        <p:cond delay="indefinite"/>
+                      </p:stCondLst>
+                      <p:childTnLst>
+                        <p:par>
+                          <p:cTn id="4" fill="hold">
+                            <p:stCondLst>
+                              <p:cond delay="0"/>
+                            </p:stCondLst>
+                            <p:childTnLst>
+                              <p:par>
+                                <p:cTn id="5" presetID="1" presetClass="mediacall" presetSubtype="0" fill="hold" nodeType="clickEffect">
+                                  <p:stCondLst>
+                                    <p:cond delay="0"/>
+                                  </p:stCondLst>
+                                  <p:childTnLst>
+                                    <p:cmd type="call" cmd="playFrom(0.0)">
+                                      <p:cBhvr>
+                                        <p:cTn id="6" dur="16000" fill="hold"/>
+                                        <p:tgtEl>
+                                          <p:spTgt spid="7"/>
+                                        </p:tgtEl>
+                                      </p:cBhvr>
+                                    </p:cmd>
+                                  </p:childTnLst>
+                                </p:cTn>
+                              </p:par>
+                            </p:childTnLst>
+                          </p:cTn>
+                        </p:par>
+                      </p:childTnLst>
+                    </p:cTn>
+                  </p:par>
+                </p:childTnLst>
+              </p:cTn>
+              <p:prevCondLst>
+                <p:cond evt="onPrev" delay="0">
+                  <p:tgtEl>
+                    <p:sldTgt/>
+                  </p:tgtEl>
+                </p:cond>
+              </p:prevCondLst>
+              <p:nextCondLst>
+                <p:cond evt="onNext" delay="0">
+                  <p:tgtEl>
+                    <p:sldTgt/>
+                  </p:tgtEl>
+                </p:cond>
+              </p:nextCondLst>
+            </p:seq>
+            <p:video>
+              <p:cMediaNode vol="0">
+                <p:cTn id="7" fill="hold" display="0">
+                  <p:stCondLst>
+                    <p:cond delay="indefinite"/>
+                  </p:stCondLst>
+                </p:cTn>
+                <p:tgtEl>
+                  <p:spTgt spid="7"/>
+                </p:tgtEl>
+              </p:cMediaNode>
+            </p:video>
+            <p:seq concurrent="1" nextAc="seek">
+              <p:cTn id="8" restart="whenNotActive" fill="hold" evtFilter="cancelBubble" nodeType="interactiveSeq">
+                <p:stCondLst>
+                  <p:cond evt="onClick" delay="0">
+                    <p:tgtEl>
+                      <p:spTgt spid="7"/>
+                    </p:tgtEl>
+                  </p:cond>
+                </p:stCondLst>
+                <p:endSync evt="end" delay="0">
+                  <p:rtn val="all"/>
+                </p:endSync>
+                <p:childTnLst>
+                  <p:par>
+                    <p:cTn id="9" fill="hold">
+                      <p:stCondLst>
+                        <p:cond delay="0"/>
+                      </p:stCondLst>
+                      <p:childTnLst>
+                        <p:par>
+                          <p:cTn id="10" fill="hold">
+                            <p:stCondLst>
+                              <p:cond delay="0"/>
+                            </p:stCondLst>
+                            <p:childTnLst>
+                              <p:par>
+                                <p:cTn id="11" presetID="2" presetClass="mediacall" presetSubtype="0" fill="hold" nodeType="clickEffect">
+                                  <p:stCondLst>
+                                    <p:cond delay="0"/>
+                                  </p:stCondLst>
+                                  <p:childTnLst>
+                                    <p:cmd type="call" cmd="togglePause">
+                                      <p:cBhvr>
+                                        <p:cTn id="12" dur="1" fill="hold"/>
+                                        <p:tgtEl>
+                                          <p:spTgt spid="7"/>
+                                        </p:tgtEl>
+                                      </p:cBhvr>
+                                    </p:cmd>
+                                  </p:childTnLst>
+                                </p:cTn>
+                              </p:par>
+                            </p:childTnLst>
+                          </p:cTn>
+                        </p:par>
+                      </p:childTnLst>
+                    </p:cTn>
+                  </p:par>
+                </p:childTnLst>
+              </p:cTn>
+              <p:nextCondLst>
+                <p:cond evt="onClick" delay="0">
+                  <p:tgtEl>
+                    <p:spTgt spid="7"/>
+                  </p:tgtEl>
+                </p:cond>
+              </p:nextCondLst>
+            </p:seq>
+          </p:childTnLst>
+        </p:cTn>
+      </p:par>
+    </p:tnLst>
+  </p:timing>
+</p:sld>
+</file>
+
+<file path=ppt/slides/slide8.xml><?xml version="1.0" encoding="utf-8"?>
+<p:sld xmlns:a="http://schemas.openxmlformats.org/drawingml/2006/main" xmlns:r="http://schemas.openxmlformats.org/officeDocument/2006/relationships" xmlns:p="http://schemas.openxmlformats.org/presentationml/2006/main">
+  <p:cSld>
+    <p:spTree>
+      <p:nvGrpSpPr>
+        <p:cNvPr id="1" name=""/>
+        <p:cNvGrpSpPr/>
+        <p:nvPr/>
+      </p:nvGrpSpPr>
+      <p:grpSpPr>
+        <a:xfrm>
+          <a:off x="0" y="0"/>
+          <a:ext cx="0" cy="0"/>
+          <a:chOff x="0" y="0"/>
+          <a:chExt cx="0" cy="0"/>
+        </a:xfrm>
+      </p:grpSpPr>
+      <p:sp>
+        <p:nvSpPr>
+          <p:cNvPr id="18" name="矩形 17">
+            <a:extLst>
+              <a:ext uri="{FF2B5EF4-FFF2-40B4-BE49-F238E27FC236}">
+                <a16:creationId xmlns:a16="http://schemas.microsoft.com/office/drawing/2014/main" id="{BDD8898E-E91F-3444-9063-4A63142C75FD}"/>
+              </a:ext>
+            </a:extLst>
+          </p:cNvPr>
+          <p:cNvSpPr/>
+          <p:nvPr/>
+        </p:nvSpPr>
+        <p:spPr>
+          <a:xfrm>
+            <a:off x="1128418" y="354830"/>
+            <a:ext cx="4129382" cy="523220"/>
+          </a:xfrm>
+          <a:prstGeom prst="rect">
+            <a:avLst/>
+          </a:prstGeom>
+        </p:spPr>
+        <p:txBody>
+          <a:bodyPr wrap="square">
+            <a:spAutoFit/>
+          </a:bodyPr>
+          <a:lstStyle/>
+          <a:p>
+            <a:pPr algn="dist"/>
+            <a:r>
+              <a:rPr lang="en-US" altLang="zh-CN" sz="2800" b="1" dirty="0">
+                <a:solidFill>
+                  <a:srgbClr val="93C3C2"/>
+                </a:solidFill>
+                <a:latin typeface="Arial" panose="020B0604020202020204" pitchFamily="34" charset="0"/>
+                <a:ea typeface="思源黑体 CN Regular" panose="020B0500000000000000" pitchFamily="34" charset="-122"/>
+                <a:cs typeface="+mn-ea"/>
+                <a:sym typeface="Arial" panose="020B0604020202020204" pitchFamily="34" charset="0"/>
+              </a:rPr>
+              <a:t>Sequence to Sequence</a:t>
             </a:r>
             <a:endParaRPr lang="zh-CN" altLang="en-US" sz="2800" b="1" dirty="0">
               <a:solidFill>
@@ -12398,54 +16184,22 @@
           </a:prstGeom>
         </p:spPr>
       </p:pic>
-    </p:spTree>
-    <p:extLst>
-      <p:ext uri="{BB962C8B-B14F-4D97-AF65-F5344CB8AC3E}">
-        <p14:creationId xmlns:p14="http://schemas.microsoft.com/office/powerpoint/2010/main" val="2512321977"/>
-      </p:ext>
-    </p:extLst>
-  </p:cSld>
-  <p:clrMapOvr>
-    <a:masterClrMapping/>
-  </p:clrMapOvr>
-  <mc:AlternateContent xmlns:mc="http://schemas.openxmlformats.org/markup-compatibility/2006" xmlns:p14="http://schemas.microsoft.com/office/powerpoint/2010/main">
-    <mc:Choice Requires="p14">
-      <p:transition spd="slow" p14:dur="2000" advTm="3000"/>
-    </mc:Choice>
-    <mc:Fallback xmlns="">
-      <p:transition spd="slow" advTm="3000"/>
-    </mc:Fallback>
-  </mc:AlternateContent>
-</p:sld>
-</file>
-
-<file path=ppt/slides/slide7.xml><?xml version="1.0" encoding="utf-8"?>
-<p:sld xmlns:a="http://schemas.openxmlformats.org/drawingml/2006/main" xmlns:r="http://schemas.openxmlformats.org/officeDocument/2006/relationships" xmlns:p="http://schemas.openxmlformats.org/presentationml/2006/main">
-  <p:cSld>
-    <p:spTree>
-      <p:nvGrpSpPr>
-        <p:cNvPr id="1" name=""/>
-        <p:cNvGrpSpPr/>
-        <p:nvPr/>
-      </p:nvGrpSpPr>
-      <p:grpSpPr>
-        <a:xfrm>
-          <a:off x="0" y="0"/>
-          <a:ext cx="0" cy="0"/>
-          <a:chOff x="0" y="0"/>
-          <a:chExt cx="0" cy="0"/>
-        </a:xfrm>
-      </p:grpSpPr>
       <p:pic>
         <p:nvPicPr>
-          <p:cNvPr id="35" name="图片 34"/>
+          <p:cNvPr id="5" name="图片 4">
+            <a:extLst>
+              <a:ext uri="{FF2B5EF4-FFF2-40B4-BE49-F238E27FC236}">
+                <a16:creationId xmlns:a16="http://schemas.microsoft.com/office/drawing/2014/main" id="{5FA7D2FE-B62E-243F-9BD8-955FE8E3689D}"/>
+              </a:ext>
+            </a:extLst>
+          </p:cNvPr>
           <p:cNvPicPr>
             <a:picLocks noChangeAspect="1"/>
           </p:cNvPicPr>
           <p:nvPr/>
         </p:nvPicPr>
         <p:blipFill>
-          <a:blip r:embed="rId3">
+          <a:blip r:embed="rId4">
             <a:extLst>
               <a:ext uri="{28A0092B-C50C-407E-A947-70E740481C1C}">
                 <a14:useLocalDpi xmlns:a14="http://schemas.microsoft.com/office/drawing/2010/main" val="0"/>
@@ -12458,166 +16212,30 @@
         </p:blipFill>
         <p:spPr>
           <a:xfrm>
-            <a:off x="10680874" y="214084"/>
-            <a:ext cx="1256246" cy="402356"/>
+            <a:off x="1330766" y="878050"/>
+            <a:ext cx="9552456" cy="2865737"/>
           </a:xfrm>
           <a:prstGeom prst="rect">
             <a:avLst/>
           </a:prstGeom>
         </p:spPr>
       </p:pic>
-      <p:sp>
-        <p:nvSpPr>
-          <p:cNvPr id="36" name="矩形 17">
+      <p:pic>
+        <p:nvPicPr>
+          <p:cNvPr id="3" name="图片 2" descr="图示&#10;&#10;描述已自动生成">
             <a:extLst>
               <a:ext uri="{FF2B5EF4-FFF2-40B4-BE49-F238E27FC236}">
-                <a16:creationId xmlns:a16="http://schemas.microsoft.com/office/drawing/2014/main" id="{1E922F32-842E-5350-40E0-E5AA964AF536}"/>
+                <a16:creationId xmlns:a16="http://schemas.microsoft.com/office/drawing/2014/main" id="{CDD01C15-E0D3-E61D-3DD4-4A97E11311BC}"/>
               </a:ext>
             </a:extLst>
           </p:cNvPr>
-          <p:cNvSpPr/>
-          <p:nvPr/>
-        </p:nvSpPr>
-        <p:spPr>
-          <a:xfrm>
-            <a:off x="1128419" y="354830"/>
-            <a:ext cx="2027736" cy="523220"/>
-          </a:xfrm>
-          <a:prstGeom prst="rect">
-            <a:avLst/>
-          </a:prstGeom>
-        </p:spPr>
-        <p:txBody>
-          <a:bodyPr wrap="square">
-            <a:spAutoFit/>
-          </a:bodyPr>
-          <a:lstStyle/>
-          <a:p>
-            <a:pPr algn="dist"/>
-            <a:r>
-              <a:rPr lang="en-US" altLang="zh-CN" sz="2800" b="1" dirty="0">
-                <a:solidFill>
-                  <a:srgbClr val="93C3C2"/>
-                </a:solidFill>
-                <a:latin typeface="Arial" panose="020B0604020202020204" pitchFamily="34" charset="0"/>
-                <a:ea typeface="思源黑体 CN Regular" panose="020B0500000000000000" pitchFamily="34" charset="-122"/>
-                <a:cs typeface="+mn-ea"/>
-                <a:sym typeface="Arial" panose="020B0604020202020204" pitchFamily="34" charset="0"/>
-              </a:rPr>
-              <a:t>Evaluation</a:t>
-            </a:r>
-            <a:endParaRPr lang="zh-CN" altLang="en-US" sz="2800" b="1" dirty="0">
-              <a:solidFill>
-                <a:srgbClr val="93C3C2"/>
-              </a:solidFill>
-              <a:latin typeface="Arial" panose="020B0604020202020204" pitchFamily="34" charset="0"/>
-              <a:ea typeface="思源黑体 CN Regular" panose="020B0500000000000000" pitchFamily="34" charset="-122"/>
-              <a:cs typeface="+mn-ea"/>
-              <a:sym typeface="Arial" panose="020B0604020202020204" pitchFamily="34" charset="0"/>
-            </a:endParaRPr>
-          </a:p>
-        </p:txBody>
-      </p:sp>
-    </p:spTree>
-    <p:extLst>
-      <p:ext uri="{BB962C8B-B14F-4D97-AF65-F5344CB8AC3E}">
-        <p14:creationId xmlns:p14="http://schemas.microsoft.com/office/powerpoint/2010/main" val="4223520725"/>
-      </p:ext>
-    </p:extLst>
-  </p:cSld>
-  <p:clrMapOvr>
-    <a:masterClrMapping/>
-  </p:clrMapOvr>
-  <mc:AlternateContent xmlns:mc="http://schemas.openxmlformats.org/markup-compatibility/2006" xmlns:p14="http://schemas.microsoft.com/office/powerpoint/2010/main">
-    <mc:Choice Requires="p14">
-      <p:transition spd="slow" p14:dur="2000" advTm="3000"/>
-    </mc:Choice>
-    <mc:Fallback xmlns="">
-      <p:transition spd="slow" advTm="3000"/>
-    </mc:Fallback>
-  </mc:AlternateContent>
-</p:sld>
-</file>
-
-<file path=ppt/slides/slide8.xml><?xml version="1.0" encoding="utf-8"?>
-<p:sld xmlns:a="http://schemas.openxmlformats.org/drawingml/2006/main" xmlns:r="http://schemas.openxmlformats.org/officeDocument/2006/relationships" xmlns:p="http://schemas.openxmlformats.org/presentationml/2006/main">
-  <p:cSld>
-    <p:spTree>
-      <p:nvGrpSpPr>
-        <p:cNvPr id="1" name=""/>
-        <p:cNvGrpSpPr/>
-        <p:nvPr/>
-      </p:nvGrpSpPr>
-      <p:grpSpPr>
-        <a:xfrm>
-          <a:off x="0" y="0"/>
-          <a:ext cx="0" cy="0"/>
-          <a:chOff x="0" y="0"/>
-          <a:chExt cx="0" cy="0"/>
-        </a:xfrm>
-      </p:grpSpPr>
-      <p:sp>
-        <p:nvSpPr>
-          <p:cNvPr id="2" name="矩形 1">
-            <a:extLst>
-              <a:ext uri="{FF2B5EF4-FFF2-40B4-BE49-F238E27FC236}">
-                <a16:creationId xmlns:a16="http://schemas.microsoft.com/office/drawing/2014/main" id="{17F95F54-1438-E04E-B9A4-6AD9A6CF2F75}"/>
-              </a:ext>
-            </a:extLst>
-          </p:cNvPr>
-          <p:cNvSpPr/>
-          <p:nvPr/>
-        </p:nvSpPr>
-        <p:spPr>
-          <a:xfrm>
-            <a:off x="1128417" y="354830"/>
-            <a:ext cx="1968743" cy="523220"/>
-          </a:xfrm>
-          <a:prstGeom prst="rect">
-            <a:avLst/>
-          </a:prstGeom>
-        </p:spPr>
-        <p:txBody>
-          <a:bodyPr wrap="square">
-            <a:spAutoFit/>
-          </a:bodyPr>
-          <a:lstStyle/>
-          <a:p>
-            <a:pPr algn="dist"/>
-            <a:r>
-              <a:rPr lang="en-US" altLang="zh-CN" sz="2800" b="1" dirty="0">
-                <a:solidFill>
-                  <a:srgbClr val="93C3C2"/>
-                </a:solidFill>
-                <a:latin typeface="Arial" panose="020B0604020202020204" pitchFamily="34" charset="0"/>
-                <a:ea typeface="思源黑体 CN Regular" panose="020B0500000000000000" pitchFamily="34" charset="-122"/>
-                <a:cs typeface="+mn-ea"/>
-                <a:sym typeface="Arial" panose="020B0604020202020204" pitchFamily="34" charset="0"/>
-              </a:rPr>
-              <a:t>Motivation</a:t>
-            </a:r>
-            <a:endParaRPr lang="zh-CN" altLang="en-US" sz="2800" b="1" dirty="0">
-              <a:solidFill>
-                <a:srgbClr val="93C3C2"/>
-              </a:solidFill>
-              <a:latin typeface="Arial" panose="020B0604020202020204" pitchFamily="34" charset="0"/>
-              <a:ea typeface="思源黑体 CN Regular" panose="020B0500000000000000" pitchFamily="34" charset="-122"/>
-              <a:cs typeface="+mn-ea"/>
-              <a:sym typeface="Arial" panose="020B0604020202020204" pitchFamily="34" charset="0"/>
-            </a:endParaRPr>
-          </a:p>
-        </p:txBody>
-      </p:sp>
-      <p:pic>
-        <p:nvPicPr>
-          <p:cNvPr id="27" name="图片 26"/>
           <p:cNvPicPr>
             <a:picLocks noChangeAspect="1"/>
           </p:cNvPicPr>
           <p:nvPr/>
         </p:nvPicPr>
         <p:blipFill>
-          <a:blip r:embed="rId3">
+          <a:blip r:embed="rId5">
             <a:extLst>
               <a:ext uri="{28A0092B-C50C-407E-A947-70E740481C1C}">
                 <a14:useLocalDpi xmlns:a14="http://schemas.microsoft.com/office/drawing/2010/main" val="0"/>
@@ -12630,8 +16248,8 @@
         </p:blipFill>
         <p:spPr>
           <a:xfrm>
-            <a:off x="10680874" y="214084"/>
-            <a:ext cx="1256246" cy="402356"/>
+            <a:off x="1918059" y="3622764"/>
+            <a:ext cx="8377870" cy="3006637"/>
           </a:xfrm>
           <a:prstGeom prst="rect">
             <a:avLst/>
@@ -12641,7 +16259,7 @@
     </p:spTree>
     <p:extLst>
       <p:ext uri="{BB962C8B-B14F-4D97-AF65-F5344CB8AC3E}">
-        <p14:creationId xmlns:p14="http://schemas.microsoft.com/office/powerpoint/2010/main" val="2493878610"/>
+        <p14:creationId xmlns:p14="http://schemas.microsoft.com/office/powerpoint/2010/main" val="2252933210"/>
       </p:ext>
     </p:extLst>
   </p:cSld>
@@ -12678,47 +16296,412 @@
       </p:grpSpPr>
       <p:sp>
         <p:nvSpPr>
-          <p:cNvPr id="2" name="矩形 1">
+          <p:cNvPr id="38" name="6">
             <a:extLst>
               <a:ext uri="{FF2B5EF4-FFF2-40B4-BE49-F238E27FC236}">
-                <a16:creationId xmlns:a16="http://schemas.microsoft.com/office/drawing/2014/main" id="{17F95F54-1438-E04E-B9A4-6AD9A6CF2F75}"/>
+                <a16:creationId xmlns:a16="http://schemas.microsoft.com/office/drawing/2014/main" id="{48488B04-52DC-4DF9-BC44-951F34DBBEEC}"/>
               </a:ext>
             </a:extLst>
           </p:cNvPr>
           <p:cNvSpPr/>
           <p:nvPr/>
         </p:nvSpPr>
+        <p:spPr bwMode="auto">
+          <a:xfrm rot="5400000">
+            <a:off x="4819090" y="1247709"/>
+            <a:ext cx="2233978" cy="1942411"/>
+          </a:xfrm>
+          <a:custGeom>
+            <a:avLst/>
+            <a:gdLst>
+              <a:gd name="T0" fmla="*/ 365 w 1306"/>
+              <a:gd name="T1" fmla="*/ 1149 h 1149"/>
+              <a:gd name="T2" fmla="*/ 300 w 1306"/>
+              <a:gd name="T3" fmla="*/ 1111 h 1149"/>
+              <a:gd name="T4" fmla="*/ 12 w 1306"/>
+              <a:gd name="T5" fmla="*/ 613 h 1149"/>
+              <a:gd name="T6" fmla="*/ 12 w 1306"/>
+              <a:gd name="T7" fmla="*/ 537 h 1149"/>
+              <a:gd name="T8" fmla="*/ 300 w 1306"/>
+              <a:gd name="T9" fmla="*/ 38 h 1149"/>
+              <a:gd name="T10" fmla="*/ 365 w 1306"/>
+              <a:gd name="T11" fmla="*/ 0 h 1149"/>
+              <a:gd name="T12" fmla="*/ 941 w 1306"/>
+              <a:gd name="T13" fmla="*/ 0 h 1149"/>
+              <a:gd name="T14" fmla="*/ 1006 w 1306"/>
+              <a:gd name="T15" fmla="*/ 38 h 1149"/>
+              <a:gd name="T16" fmla="*/ 1294 w 1306"/>
+              <a:gd name="T17" fmla="*/ 537 h 1149"/>
+              <a:gd name="T18" fmla="*/ 1294 w 1306"/>
+              <a:gd name="T19" fmla="*/ 613 h 1149"/>
+              <a:gd name="T20" fmla="*/ 1006 w 1306"/>
+              <a:gd name="T21" fmla="*/ 1111 h 1149"/>
+              <a:gd name="T22" fmla="*/ 941 w 1306"/>
+              <a:gd name="T23" fmla="*/ 1149 h 1149"/>
+              <a:gd name="T24" fmla="*/ 365 w 1306"/>
+              <a:gd name="T25" fmla="*/ 1149 h 1149"/>
+            </a:gdLst>
+            <a:ahLst/>
+            <a:cxnLst>
+              <a:cxn ang="0">
+                <a:pos x="T0" y="T1"/>
+              </a:cxn>
+              <a:cxn ang="0">
+                <a:pos x="T2" y="T3"/>
+              </a:cxn>
+              <a:cxn ang="0">
+                <a:pos x="T4" y="T5"/>
+              </a:cxn>
+              <a:cxn ang="0">
+                <a:pos x="T6" y="T7"/>
+              </a:cxn>
+              <a:cxn ang="0">
+                <a:pos x="T8" y="T9"/>
+              </a:cxn>
+              <a:cxn ang="0">
+                <a:pos x="T10" y="T11"/>
+              </a:cxn>
+              <a:cxn ang="0">
+                <a:pos x="T12" y="T13"/>
+              </a:cxn>
+              <a:cxn ang="0">
+                <a:pos x="T14" y="T15"/>
+              </a:cxn>
+              <a:cxn ang="0">
+                <a:pos x="T16" y="T17"/>
+              </a:cxn>
+              <a:cxn ang="0">
+                <a:pos x="T18" y="T19"/>
+              </a:cxn>
+              <a:cxn ang="0">
+                <a:pos x="T20" y="T21"/>
+              </a:cxn>
+              <a:cxn ang="0">
+                <a:pos x="T22" y="T23"/>
+              </a:cxn>
+              <a:cxn ang="0">
+                <a:pos x="T24" y="T25"/>
+              </a:cxn>
+            </a:cxnLst>
+            <a:rect l="0" t="0" r="r" b="b"/>
+            <a:pathLst>
+              <a:path w="1306" h="1149">
+                <a:moveTo>
+                  <a:pt x="365" y="1149"/>
+                </a:moveTo>
+                <a:cubicBezTo>
+                  <a:pt x="341" y="1149"/>
+                  <a:pt x="312" y="1132"/>
+                  <a:pt x="300" y="1111"/>
+                </a:cubicBezTo>
+                <a:cubicBezTo>
+                  <a:pt x="12" y="613"/>
+                  <a:pt x="12" y="613"/>
+                  <a:pt x="12" y="613"/>
+                </a:cubicBezTo>
+                <a:cubicBezTo>
+                  <a:pt x="0" y="592"/>
+                  <a:pt x="0" y="558"/>
+                  <a:pt x="12" y="537"/>
+                </a:cubicBezTo>
+                <a:cubicBezTo>
+                  <a:pt x="300" y="38"/>
+                  <a:pt x="300" y="38"/>
+                  <a:pt x="300" y="38"/>
+                </a:cubicBezTo>
+                <a:cubicBezTo>
+                  <a:pt x="312" y="17"/>
+                  <a:pt x="341" y="0"/>
+                  <a:pt x="365" y="0"/>
+                </a:cubicBezTo>
+                <a:cubicBezTo>
+                  <a:pt x="941" y="0"/>
+                  <a:pt x="941" y="0"/>
+                  <a:pt x="941" y="0"/>
+                </a:cubicBezTo>
+                <a:cubicBezTo>
+                  <a:pt x="965" y="0"/>
+                  <a:pt x="994" y="17"/>
+                  <a:pt x="1006" y="38"/>
+                </a:cubicBezTo>
+                <a:cubicBezTo>
+                  <a:pt x="1294" y="537"/>
+                  <a:pt x="1294" y="537"/>
+                  <a:pt x="1294" y="537"/>
+                </a:cubicBezTo>
+                <a:cubicBezTo>
+                  <a:pt x="1306" y="558"/>
+                  <a:pt x="1306" y="592"/>
+                  <a:pt x="1294" y="613"/>
+                </a:cubicBezTo>
+                <a:cubicBezTo>
+                  <a:pt x="1006" y="1111"/>
+                  <a:pt x="1006" y="1111"/>
+                  <a:pt x="1006" y="1111"/>
+                </a:cubicBezTo>
+                <a:cubicBezTo>
+                  <a:pt x="994" y="1132"/>
+                  <a:pt x="965" y="1149"/>
+                  <a:pt x="941" y="1149"/>
+                </a:cubicBezTo>
+                <a:lnTo>
+                  <a:pt x="365" y="1149"/>
+                </a:lnTo>
+                <a:close/>
+              </a:path>
+            </a:pathLst>
+          </a:custGeom>
+          <a:solidFill>
+            <a:srgbClr val="93C3C2"/>
+          </a:solidFill>
+          <a:ln>
+            <a:noFill/>
+          </a:ln>
+          <a:effectLst>
+            <a:outerShdw blurRad="63500" algn="ctr" rotWithShape="0">
+              <a:prstClr val="black">
+                <a:alpha val="40000"/>
+              </a:prstClr>
+            </a:outerShdw>
+          </a:effectLst>
+        </p:spPr>
+        <p:style>
+          <a:lnRef idx="2">
+            <a:schemeClr val="accent1">
+              <a:shade val="50000"/>
+            </a:schemeClr>
+          </a:lnRef>
+          <a:fillRef idx="1">
+            <a:schemeClr val="accent1"/>
+          </a:fillRef>
+          <a:effectRef idx="0">
+            <a:schemeClr val="accent1"/>
+          </a:effectRef>
+          <a:fontRef idx="minor">
+            <a:schemeClr val="lt1"/>
+          </a:fontRef>
+        </p:style>
+        <p:txBody>
+          <a:bodyPr rtlCol="0" anchor="ctr"/>
+          <a:lstStyle/>
+          <a:p>
+            <a:pPr algn="ctr"/>
+            <a:endParaRPr lang="zh-CN" altLang="en-US" sz="3599">
+              <a:solidFill>
+                <a:srgbClr val="FFFFFF"/>
+              </a:solidFill>
+              <a:latin typeface="Arial" panose="020B0604020202020204" pitchFamily="34" charset="0"/>
+              <a:ea typeface="思源黑体 CN Regular" panose="020B0500000000000000" pitchFamily="34" charset="-122"/>
+              <a:cs typeface="+mn-ea"/>
+              <a:sym typeface="Arial" panose="020B0604020202020204" pitchFamily="34" charset="0"/>
+            </a:endParaRPr>
+          </a:p>
+        </p:txBody>
+      </p:sp>
+      <p:sp>
+        <p:nvSpPr>
+          <p:cNvPr id="39" name="4">
+            <a:extLst>
+              <a:ext uri="{FF2B5EF4-FFF2-40B4-BE49-F238E27FC236}">
+                <a16:creationId xmlns:a16="http://schemas.microsoft.com/office/drawing/2014/main" id="{A9504009-67AB-4F44-8FCF-E182A8706CAA}"/>
+              </a:ext>
+            </a:extLst>
+          </p:cNvPr>
+          <p:cNvSpPr txBox="1"/>
+          <p:nvPr>
+            <p:custDataLst>
+              <p:tags r:id="rId1"/>
+            </p:custDataLst>
+          </p:nvPr>
+        </p:nvSpPr>
         <p:spPr>
           <a:xfrm>
-            <a:off x="1128417" y="354830"/>
-            <a:ext cx="2175222" cy="523220"/>
+            <a:off x="4579553" y="1537020"/>
+            <a:ext cx="2713054" cy="1440686"/>
           </a:xfrm>
           <a:prstGeom prst="rect">
             <a:avLst/>
           </a:prstGeom>
+          <a:noFill/>
         </p:spPr>
         <p:txBody>
-          <a:bodyPr wrap="square">
+          <a:bodyPr wrap="square" lIns="85983" tIns="42991" rIns="85983" bIns="42991">
             <a:spAutoFit/>
           </a:bodyPr>
           <a:lstStyle/>
           <a:p>
-            <a:pPr algn="dist"/>
+            <a:pPr algn="ctr">
+              <a:defRPr/>
+            </a:pPr>
             <a:r>
-              <a:rPr lang="en-US" altLang="zh-CN" sz="2800" b="1" dirty="0">
+              <a:rPr lang="en-US" altLang="zh-CN" sz="8797" dirty="0">
                 <a:solidFill>
-                  <a:srgbClr val="93C3C2"/>
+                  <a:schemeClr val="bg1"/>
                 </a:solidFill>
                 <a:latin typeface="Arial" panose="020B0604020202020204" pitchFamily="34" charset="0"/>
                 <a:ea typeface="思源黑体 CN Regular" panose="020B0500000000000000" pitchFamily="34" charset="-122"/>
                 <a:cs typeface="+mn-ea"/>
                 <a:sym typeface="Arial" panose="020B0604020202020204" pitchFamily="34" charset="0"/>
               </a:rPr>
-              <a:t>Method:IKE</a:t>
+              <a:t>03</a:t>
             </a:r>
-            <a:endParaRPr lang="zh-CN" altLang="en-US" sz="2800" b="1" dirty="0">
+          </a:p>
+        </p:txBody>
+      </p:sp>
+      <p:sp>
+        <p:nvSpPr>
+          <p:cNvPr id="41" name="2">
+            <a:extLst>
+              <a:ext uri="{FF2B5EF4-FFF2-40B4-BE49-F238E27FC236}">
+                <a16:creationId xmlns:a16="http://schemas.microsoft.com/office/drawing/2014/main" id="{E01395C7-8230-4890-B209-7D41ECCF4130}"/>
+              </a:ext>
+            </a:extLst>
+          </p:cNvPr>
+          <p:cNvSpPr txBox="1"/>
+          <p:nvPr>
+            <p:custDataLst>
+              <p:tags r:id="rId2"/>
+            </p:custDataLst>
+          </p:nvPr>
+        </p:nvSpPr>
+        <p:spPr>
+          <a:xfrm>
+            <a:off x="1227643" y="3522097"/>
+            <a:ext cx="9416872" cy="2118147"/>
+          </a:xfrm>
+          <a:prstGeom prst="rect">
+            <a:avLst/>
+          </a:prstGeom>
+          <a:noFill/>
+        </p:spPr>
+        <p:txBody>
+          <a:bodyPr wrap="square" lIns="85983" tIns="42991" rIns="85983" bIns="42991">
+            <a:spAutoFit/>
+          </a:bodyPr>
+          <a:lstStyle>
+            <a:lvl1pPr>
+              <a:defRPr>
+                <a:solidFill>
+                  <a:schemeClr val="tx1"/>
+                </a:solidFill>
+                <a:latin typeface="Calibri" panose="020F0502020204030204" pitchFamily="34" charset="0"/>
+              </a:defRPr>
+            </a:lvl1pPr>
+            <a:lvl2pPr marL="742950" indent="-285750">
+              <a:defRPr>
+                <a:solidFill>
+                  <a:schemeClr val="tx1"/>
+                </a:solidFill>
+                <a:latin typeface="Calibri" panose="020F0502020204030204" pitchFamily="34" charset="0"/>
+              </a:defRPr>
+            </a:lvl2pPr>
+            <a:lvl3pPr marL="1143000" indent="-228600">
+              <a:defRPr>
+                <a:solidFill>
+                  <a:schemeClr val="tx1"/>
+                </a:solidFill>
+                <a:latin typeface="Calibri" panose="020F0502020204030204" pitchFamily="34" charset="0"/>
+              </a:defRPr>
+            </a:lvl3pPr>
+            <a:lvl4pPr marL="1600200" indent="-228600">
+              <a:defRPr>
+                <a:solidFill>
+                  <a:schemeClr val="tx1"/>
+                </a:solidFill>
+                <a:latin typeface="Calibri" panose="020F0502020204030204" pitchFamily="34" charset="0"/>
+              </a:defRPr>
+            </a:lvl4pPr>
+            <a:lvl5pPr marL="2057400" indent="-228600">
+              <a:defRPr>
+                <a:solidFill>
+                  <a:schemeClr val="tx1"/>
+                </a:solidFill>
+                <a:latin typeface="Calibri" panose="020F0502020204030204" pitchFamily="34" charset="0"/>
+              </a:defRPr>
+            </a:lvl5pPr>
+            <a:lvl6pPr marL="2514600" indent="-228600" defTabSz="912495" fontAlgn="base">
+              <a:spcBef>
+                <a:spcPct val="0"/>
+              </a:spcBef>
+              <a:spcAft>
+                <a:spcPct val="0"/>
+              </a:spcAft>
+              <a:defRPr>
+                <a:solidFill>
+                  <a:schemeClr val="tx1"/>
+                </a:solidFill>
+                <a:latin typeface="Calibri" panose="020F0502020204030204" pitchFamily="34" charset="0"/>
+              </a:defRPr>
+            </a:lvl6pPr>
+            <a:lvl7pPr marL="2971800" indent="-228600" defTabSz="912495" fontAlgn="base">
+              <a:spcBef>
+                <a:spcPct val="0"/>
+              </a:spcBef>
+              <a:spcAft>
+                <a:spcPct val="0"/>
+              </a:spcAft>
+              <a:defRPr>
+                <a:solidFill>
+                  <a:schemeClr val="tx1"/>
+                </a:solidFill>
+                <a:latin typeface="Calibri" panose="020F0502020204030204" pitchFamily="34" charset="0"/>
+              </a:defRPr>
+            </a:lvl7pPr>
+            <a:lvl8pPr marL="3429000" indent="-228600" defTabSz="912495" fontAlgn="base">
+              <a:spcBef>
+                <a:spcPct val="0"/>
+              </a:spcBef>
+              <a:spcAft>
+                <a:spcPct val="0"/>
+              </a:spcAft>
+              <a:defRPr>
+                <a:solidFill>
+                  <a:schemeClr val="tx1"/>
+                </a:solidFill>
+                <a:latin typeface="Calibri" panose="020F0502020204030204" pitchFamily="34" charset="0"/>
+              </a:defRPr>
+            </a:lvl8pPr>
+            <a:lvl9pPr marL="3886200" indent="-228600" defTabSz="912495" fontAlgn="base">
+              <a:spcBef>
+                <a:spcPct val="0"/>
+              </a:spcBef>
+              <a:spcAft>
+                <a:spcPct val="0"/>
+              </a:spcAft>
+              <a:defRPr>
+                <a:solidFill>
+                  <a:schemeClr val="tx1"/>
+                </a:solidFill>
+                <a:latin typeface="Calibri" panose="020F0502020204030204" pitchFamily="34" charset="0"/>
+              </a:defRPr>
+            </a:lvl9pPr>
+          </a:lstStyle>
+          <a:p>
+            <a:pPr algn="dist"/>
+            <a:r>
+              <a:rPr lang="en-US" altLang="zh-CN" sz="6600" b="1" dirty="0">
+                <a:solidFill>
+                  <a:schemeClr val="tx1">
+                    <a:lumMod val="85000"/>
+                    <a:lumOff val="15000"/>
+                  </a:schemeClr>
+                </a:solidFill>
+                <a:latin typeface="Arial" panose="020B0604020202020204" pitchFamily="34" charset="0"/>
+                <a:ea typeface="思源黑体 CN Regular" panose="020B0500000000000000" pitchFamily="34" charset="-122"/>
+                <a:cs typeface="+mn-ea"/>
+                <a:sym typeface="Arial" panose="020B0604020202020204" pitchFamily="34" charset="0"/>
+              </a:rPr>
+              <a:t>Time Series Prediction</a:t>
+            </a:r>
+          </a:p>
+          <a:p>
+            <a:pPr algn="dist"/>
+            <a:endParaRPr lang="zh-CN" altLang="en-US" sz="6600" b="1" dirty="0">
               <a:solidFill>
-                <a:srgbClr val="93C3C2"/>
+                <a:schemeClr val="tx1">
+                  <a:lumMod val="85000"/>
+                  <a:lumOff val="15000"/>
+                </a:schemeClr>
               </a:solidFill>
               <a:latin typeface="Arial" panose="020B0604020202020204" pitchFamily="34" charset="0"/>
               <a:ea typeface="思源黑体 CN Regular" panose="020B0500000000000000" pitchFamily="34" charset="-122"/>
@@ -12728,60 +16711,393 @@
           </a:p>
         </p:txBody>
       </p:sp>
-      <p:pic>
-        <p:nvPicPr>
-          <p:cNvPr id="27" name="图片 26"/>
-          <p:cNvPicPr>
-            <a:picLocks noChangeAspect="1"/>
-          </p:cNvPicPr>
-          <p:nvPr/>
-        </p:nvPicPr>
-        <p:blipFill>
-          <a:blip r:embed="rId3">
+      <p:sp>
+        <p:nvSpPr>
+          <p:cNvPr id="8" name="平行四边形 7">
             <a:extLst>
-              <a:ext uri="{28A0092B-C50C-407E-A947-70E740481C1C}">
-                <a14:useLocalDpi xmlns:a14="http://schemas.microsoft.com/office/drawing/2010/main" val="0"/>
+              <a:ext uri="{FF2B5EF4-FFF2-40B4-BE49-F238E27FC236}">
+                <a16:creationId xmlns:a16="http://schemas.microsoft.com/office/drawing/2014/main" id="{A4DFF303-64C5-2B46-8FF5-969720EBCBBF}"/>
               </a:ext>
             </a:extLst>
-          </a:blip>
-          <a:stretch>
-            <a:fillRect/>
-          </a:stretch>
-        </p:blipFill>
+          </p:cNvPr>
+          <p:cNvSpPr/>
+          <p:nvPr/>
+        </p:nvSpPr>
         <p:spPr>
           <a:xfrm>
-            <a:off x="10680874" y="214084"/>
-            <a:ext cx="1256246" cy="402356"/>
+            <a:off x="-1292270" y="294519"/>
+            <a:ext cx="2584540" cy="2365194"/>
           </a:xfrm>
-          <a:prstGeom prst="rect">
-            <a:avLst/>
+          <a:prstGeom prst="parallelogram">
+            <a:avLst>
+              <a:gd name="adj" fmla="val 100148"/>
+            </a:avLst>
           </a:prstGeom>
+          <a:solidFill>
+            <a:schemeClr val="tx2">
+              <a:lumMod val="60000"/>
+              <a:lumOff val="40000"/>
+            </a:schemeClr>
+          </a:solidFill>
+          <a:ln>
+            <a:noFill/>
+          </a:ln>
         </p:spPr>
-      </p:pic>
+        <p:style>
+          <a:lnRef idx="2">
+            <a:schemeClr val="accent1">
+              <a:shade val="50000"/>
+            </a:schemeClr>
+          </a:lnRef>
+          <a:fillRef idx="1">
+            <a:schemeClr val="accent1"/>
+          </a:fillRef>
+          <a:effectRef idx="0">
+            <a:schemeClr val="accent1"/>
+          </a:effectRef>
+          <a:fontRef idx="minor">
+            <a:schemeClr val="lt1"/>
+          </a:fontRef>
+        </p:style>
+        <p:txBody>
+          <a:bodyPr rtlCol="0" anchor="ctr"/>
+          <a:lstStyle/>
+          <a:p>
+            <a:pPr algn="ctr"/>
+            <a:endParaRPr kumimoji="1" lang="zh-CN" altLang="en-US">
+              <a:latin typeface="Arial" panose="020B0604020202020204" pitchFamily="34" charset="0"/>
+              <a:ea typeface="思源黑体 CN Regular" panose="020B0500000000000000" pitchFamily="34" charset="-122"/>
+              <a:cs typeface="+mn-ea"/>
+              <a:sym typeface="Arial" panose="020B0604020202020204" pitchFamily="34" charset="0"/>
+            </a:endParaRPr>
+          </a:p>
+        </p:txBody>
+      </p:sp>
+      <p:sp>
+        <p:nvSpPr>
+          <p:cNvPr id="9" name="平行四边形 8">
+            <a:extLst>
+              <a:ext uri="{FF2B5EF4-FFF2-40B4-BE49-F238E27FC236}">
+                <a16:creationId xmlns:a16="http://schemas.microsoft.com/office/drawing/2014/main" id="{BA8E2AFE-4DB1-D84B-84F9-297A3310E288}"/>
+              </a:ext>
+            </a:extLst>
+          </p:cNvPr>
+          <p:cNvSpPr/>
+          <p:nvPr/>
+        </p:nvSpPr>
+        <p:spPr>
+          <a:xfrm>
+            <a:off x="510083" y="-888078"/>
+            <a:ext cx="2584540" cy="2365194"/>
+          </a:xfrm>
+          <a:prstGeom prst="parallelogram">
+            <a:avLst>
+              <a:gd name="adj" fmla="val 100148"/>
+            </a:avLst>
+          </a:prstGeom>
+          <a:solidFill>
+            <a:srgbClr val="E4EEEF"/>
+          </a:solidFill>
+          <a:ln>
+            <a:noFill/>
+          </a:ln>
+        </p:spPr>
+        <p:style>
+          <a:lnRef idx="2">
+            <a:schemeClr val="accent1">
+              <a:shade val="50000"/>
+            </a:schemeClr>
+          </a:lnRef>
+          <a:fillRef idx="1">
+            <a:schemeClr val="accent1"/>
+          </a:fillRef>
+          <a:effectRef idx="0">
+            <a:schemeClr val="accent1"/>
+          </a:effectRef>
+          <a:fontRef idx="minor">
+            <a:schemeClr val="lt1"/>
+          </a:fontRef>
+        </p:style>
+        <p:txBody>
+          <a:bodyPr rtlCol="0" anchor="ctr"/>
+          <a:lstStyle/>
+          <a:p>
+            <a:pPr algn="ctr"/>
+            <a:endParaRPr kumimoji="1" lang="zh-CN" altLang="en-US">
+              <a:latin typeface="Arial" panose="020B0604020202020204" pitchFamily="34" charset="0"/>
+              <a:ea typeface="思源黑体 CN Regular" panose="020B0500000000000000" pitchFamily="34" charset="-122"/>
+              <a:cs typeface="+mn-ea"/>
+              <a:sym typeface="Arial" panose="020B0604020202020204" pitchFamily="34" charset="0"/>
+            </a:endParaRPr>
+          </a:p>
+        </p:txBody>
+      </p:sp>
+      <p:sp>
+        <p:nvSpPr>
+          <p:cNvPr id="10" name="平行四边形 9">
+            <a:extLst>
+              <a:ext uri="{FF2B5EF4-FFF2-40B4-BE49-F238E27FC236}">
+                <a16:creationId xmlns:a16="http://schemas.microsoft.com/office/drawing/2014/main" id="{7AD87EAA-9BAE-CA4F-B955-A89E3867943E}"/>
+              </a:ext>
+            </a:extLst>
+          </p:cNvPr>
+          <p:cNvSpPr/>
+          <p:nvPr/>
+        </p:nvSpPr>
+        <p:spPr>
+          <a:xfrm>
+            <a:off x="9094202" y="5427303"/>
+            <a:ext cx="2584540" cy="2365194"/>
+          </a:xfrm>
+          <a:prstGeom prst="parallelogram">
+            <a:avLst>
+              <a:gd name="adj" fmla="val 100148"/>
+            </a:avLst>
+          </a:prstGeom>
+          <a:solidFill>
+            <a:schemeClr val="tx2">
+              <a:lumMod val="60000"/>
+              <a:lumOff val="40000"/>
+            </a:schemeClr>
+          </a:solidFill>
+          <a:ln>
+            <a:noFill/>
+          </a:ln>
+        </p:spPr>
+        <p:style>
+          <a:lnRef idx="2">
+            <a:schemeClr val="accent1">
+              <a:shade val="50000"/>
+            </a:schemeClr>
+          </a:lnRef>
+          <a:fillRef idx="1">
+            <a:schemeClr val="accent1"/>
+          </a:fillRef>
+          <a:effectRef idx="0">
+            <a:schemeClr val="accent1"/>
+          </a:effectRef>
+          <a:fontRef idx="minor">
+            <a:schemeClr val="lt1"/>
+          </a:fontRef>
+        </p:style>
+        <p:txBody>
+          <a:bodyPr rtlCol="0" anchor="ctr"/>
+          <a:lstStyle/>
+          <a:p>
+            <a:pPr algn="ctr"/>
+            <a:endParaRPr kumimoji="1" lang="zh-CN" altLang="en-US">
+              <a:latin typeface="Arial" panose="020B0604020202020204" pitchFamily="34" charset="0"/>
+              <a:ea typeface="思源黑体 CN Regular" panose="020B0500000000000000" pitchFamily="34" charset="-122"/>
+              <a:cs typeface="+mn-ea"/>
+              <a:sym typeface="Arial" panose="020B0604020202020204" pitchFamily="34" charset="0"/>
+            </a:endParaRPr>
+          </a:p>
+        </p:txBody>
+      </p:sp>
+      <p:sp>
+        <p:nvSpPr>
+          <p:cNvPr id="11" name="平行四边形 10">
+            <a:extLst>
+              <a:ext uri="{FF2B5EF4-FFF2-40B4-BE49-F238E27FC236}">
+                <a16:creationId xmlns:a16="http://schemas.microsoft.com/office/drawing/2014/main" id="{19DC2462-77B8-744F-83AE-B0E2AEEAA8E4}"/>
+              </a:ext>
+            </a:extLst>
+          </p:cNvPr>
+          <p:cNvSpPr/>
+          <p:nvPr/>
+        </p:nvSpPr>
+        <p:spPr>
+          <a:xfrm>
+            <a:off x="10896555" y="4244706"/>
+            <a:ext cx="2584540" cy="2365194"/>
+          </a:xfrm>
+          <a:prstGeom prst="parallelogram">
+            <a:avLst>
+              <a:gd name="adj" fmla="val 100148"/>
+            </a:avLst>
+          </a:prstGeom>
+          <a:solidFill>
+            <a:srgbClr val="E4EEEF"/>
+          </a:solidFill>
+          <a:ln>
+            <a:noFill/>
+          </a:ln>
+        </p:spPr>
+        <p:style>
+          <a:lnRef idx="2">
+            <a:schemeClr val="accent1">
+              <a:shade val="50000"/>
+            </a:schemeClr>
+          </a:lnRef>
+          <a:fillRef idx="1">
+            <a:schemeClr val="accent1"/>
+          </a:fillRef>
+          <a:effectRef idx="0">
+            <a:schemeClr val="accent1"/>
+          </a:effectRef>
+          <a:fontRef idx="minor">
+            <a:schemeClr val="lt1"/>
+          </a:fontRef>
+        </p:style>
+        <p:txBody>
+          <a:bodyPr rtlCol="0" anchor="ctr"/>
+          <a:lstStyle/>
+          <a:p>
+            <a:pPr algn="ctr"/>
+            <a:endParaRPr kumimoji="1" lang="zh-CN" altLang="en-US">
+              <a:latin typeface="Arial" panose="020B0604020202020204" pitchFamily="34" charset="0"/>
+              <a:ea typeface="思源黑体 CN Regular" panose="020B0500000000000000" pitchFamily="34" charset="-122"/>
+              <a:cs typeface="+mn-ea"/>
+              <a:sym typeface="Arial" panose="020B0604020202020204" pitchFamily="34" charset="0"/>
+            </a:endParaRPr>
+          </a:p>
+        </p:txBody>
+      </p:sp>
     </p:spTree>
     <p:extLst>
       <p:ext uri="{BB962C8B-B14F-4D97-AF65-F5344CB8AC3E}">
-        <p14:creationId xmlns:p14="http://schemas.microsoft.com/office/powerpoint/2010/main" val="2665841678"/>
+        <p14:creationId xmlns:p14="http://schemas.microsoft.com/office/powerpoint/2010/main" val="657479779"/>
       </p:ext>
     </p:extLst>
   </p:cSld>
   <p:clrMapOvr>
     <a:masterClrMapping/>
   </p:clrMapOvr>
-  <mc:AlternateContent xmlns:mc="http://schemas.openxmlformats.org/markup-compatibility/2006" xmlns:p14="http://schemas.microsoft.com/office/powerpoint/2010/main">
-    <mc:Choice Requires="p14">
-      <p:transition spd="slow" p14:dur="2000" advTm="3000"/>
-    </mc:Choice>
-    <mc:Fallback xmlns="">
-      <p:transition spd="slow" advTm="3000"/>
-    </mc:Fallback>
-  </mc:AlternateContent>
+  <p:timing>
+    <p:tnLst>
+      <p:par>
+        <p:cTn id="1" dur="indefinite" restart="never" nodeType="tmRoot">
+          <p:childTnLst>
+            <p:seq concurrent="1" nextAc="seek">
+              <p:cTn id="2" dur="indefinite" nodeType="mainSeq">
+                <p:childTnLst>
+                  <p:par>
+                    <p:cTn id="3" fill="hold">
+                      <p:stCondLst>
+                        <p:cond delay="indefinite"/>
+                        <p:cond evt="onBegin" delay="0">
+                          <p:tn val="2"/>
+                        </p:cond>
+                      </p:stCondLst>
+                      <p:childTnLst>
+                        <p:par>
+                          <p:cTn id="4" fill="hold">
+                            <p:stCondLst>
+                              <p:cond delay="0"/>
+                            </p:stCondLst>
+                            <p:childTnLst>
+                              <p:par>
+                                <p:cTn id="5" presetID="14" presetClass="entr" presetSubtype="10" fill="hold" grpId="0" nodeType="afterEffect">
+                                  <p:stCondLst>
+                                    <p:cond delay="0"/>
+                                  </p:stCondLst>
+                                  <p:childTnLst>
+                                    <p:set>
+                                      <p:cBhvr>
+                                        <p:cTn id="6" dur="1" fill="hold">
+                                          <p:stCondLst>
+                                            <p:cond delay="0"/>
+                                          </p:stCondLst>
+                                        </p:cTn>
+                                        <p:tgtEl>
+                                          <p:spTgt spid="39"/>
+                                        </p:tgtEl>
+                                        <p:attrNameLst>
+                                          <p:attrName>style.visibility</p:attrName>
+                                        </p:attrNameLst>
+                                      </p:cBhvr>
+                                      <p:to>
+                                        <p:strVal val="visible"/>
+                                      </p:to>
+                                    </p:set>
+                                    <p:animEffect transition="in" filter="randombar(horizontal)">
+                                      <p:cBhvr>
+                                        <p:cTn id="7" dur="500"/>
+                                        <p:tgtEl>
+                                          <p:spTgt spid="39"/>
+                                        </p:tgtEl>
+                                      </p:cBhvr>
+                                    </p:animEffect>
+                                  </p:childTnLst>
+                                </p:cTn>
+                              </p:par>
+                            </p:childTnLst>
+                          </p:cTn>
+                        </p:par>
+                      </p:childTnLst>
+                    </p:cTn>
+                  </p:par>
+                </p:childTnLst>
+              </p:cTn>
+              <p:prevCondLst>
+                <p:cond evt="onPrev" delay="0">
+                  <p:tgtEl>
+                    <p:sldTgt/>
+                  </p:tgtEl>
+                </p:cond>
+              </p:prevCondLst>
+              <p:nextCondLst>
+                <p:cond evt="onNext" delay="0">
+                  <p:tgtEl>
+                    <p:sldTgt/>
+                  </p:tgtEl>
+                </p:cond>
+              </p:nextCondLst>
+            </p:seq>
+          </p:childTnLst>
+        </p:cTn>
+      </p:par>
+    </p:tnLst>
+    <p:bldLst>
+      <p:bldP spid="39" grpId="0"/>
+    </p:bldLst>
+  </p:timing>
 </p:sld>
 </file>
 
 <file path=ppt/tags/tag1.xml><?xml version="1.0" encoding="utf-8"?>
 <p:tagLst xmlns:a="http://schemas.openxmlformats.org/drawingml/2006/main" xmlns:r="http://schemas.openxmlformats.org/officeDocument/2006/relationships" xmlns:p="http://schemas.openxmlformats.org/presentationml/2006/main">
   <p:tag name="ISPRING_PRESENTATION_TITLE" val="几何多边形年终总结"/>
+</p:tagLst>
+</file>
+
+<file path=ppt/tags/tag10.xml><?xml version="1.0" encoding="utf-8"?>
+<p:tagLst xmlns:a="http://schemas.openxmlformats.org/drawingml/2006/main" xmlns:r="http://schemas.openxmlformats.org/officeDocument/2006/relationships" xmlns:p="http://schemas.openxmlformats.org/presentationml/2006/main">
+  <p:tag name="PA" val="v3.0.1"/>
+</p:tagLst>
+</file>
+
+<file path=ppt/tags/tag11.xml><?xml version="1.0" encoding="utf-8"?>
+<p:tagLst xmlns:a="http://schemas.openxmlformats.org/drawingml/2006/main" xmlns:r="http://schemas.openxmlformats.org/officeDocument/2006/relationships" xmlns:p="http://schemas.openxmlformats.org/presentationml/2006/main">
+  <p:tag name="PA" val="v3.0.1"/>
+</p:tagLst>
+</file>
+
+<file path=ppt/tags/tag12.xml><?xml version="1.0" encoding="utf-8"?>
+<p:tagLst xmlns:a="http://schemas.openxmlformats.org/drawingml/2006/main" xmlns:r="http://schemas.openxmlformats.org/officeDocument/2006/relationships" xmlns:p="http://schemas.openxmlformats.org/presentationml/2006/main">
+  <p:tag name="PA" val="v3.0.1"/>
+</p:tagLst>
+</file>
+
+<file path=ppt/tags/tag13.xml><?xml version="1.0" encoding="utf-8"?>
+<p:tagLst xmlns:a="http://schemas.openxmlformats.org/drawingml/2006/main" xmlns:r="http://schemas.openxmlformats.org/officeDocument/2006/relationships" xmlns:p="http://schemas.openxmlformats.org/presentationml/2006/main">
+  <p:tag name="PA" val="v3.0.1"/>
+</p:tagLst>
+</file>
+
+<file path=ppt/tags/tag14.xml><?xml version="1.0" encoding="utf-8"?>
+<p:tagLst xmlns:a="http://schemas.openxmlformats.org/drawingml/2006/main" xmlns:r="http://schemas.openxmlformats.org/officeDocument/2006/relationships" xmlns:p="http://schemas.openxmlformats.org/presentationml/2006/main">
+  <p:tag name="PA" val="v3.0.1"/>
+</p:tagLst>
+</file>
+
+<file path=ppt/tags/tag15.xml><?xml version="1.0" encoding="utf-8"?>
+<p:tagLst xmlns:a="http://schemas.openxmlformats.org/drawingml/2006/main" xmlns:r="http://schemas.openxmlformats.org/officeDocument/2006/relationships" xmlns:p="http://schemas.openxmlformats.org/presentationml/2006/main">
+  <p:tag name="KSO_WM_TEMPLATE_TOPIC_ID" val="2869567"/>
+  <p:tag name="KSO_WM_TEMPLATE_OUTLINE_ID" val="15"/>
+  <p:tag name="KSO_WM_TEMPLATE_SCENE_ID" val="1"/>
+  <p:tag name="KSO_WM_TEMPLATE_JOB_ID" val="2"/>
+  <p:tag name="KSO_WM_TEMPLATE_TOPIC_DEFAULT" val="1"/>
 </p:tagLst>
 </file>
 
@@ -12833,11 +17149,7 @@
 
 <file path=ppt/tags/tag9.xml><?xml version="1.0" encoding="utf-8"?>
 <p:tagLst xmlns:a="http://schemas.openxmlformats.org/drawingml/2006/main" xmlns:r="http://schemas.openxmlformats.org/officeDocument/2006/relationships" xmlns:p="http://schemas.openxmlformats.org/presentationml/2006/main">
-  <p:tag name="KSO_WM_TEMPLATE_TOPIC_ID" val="2869567"/>
-  <p:tag name="KSO_WM_TEMPLATE_OUTLINE_ID" val="15"/>
-  <p:tag name="KSO_WM_TEMPLATE_SCENE_ID" val="1"/>
-  <p:tag name="KSO_WM_TEMPLATE_JOB_ID" val="2"/>
-  <p:tag name="KSO_WM_TEMPLATE_TOPIC_DEFAULT" val="1"/>
+  <p:tag name="PA" val="v3.0.1"/>
 </p:tagLst>
 </file>
 
